--- a/Apresentacao_chatgpt.pptx
+++ b/Apresentacao_chatgpt.pptx
@@ -13,6 +13,10 @@
     <p:sldId id="261" r:id="rId8"/>
     <p:sldId id="262" r:id="rId9"/>
     <p:sldId id="263" r:id="rId10"/>
+    <p:sldId id="264" r:id="rId11"/>
+    <p:sldId id="265" r:id="rId12"/>
+    <p:sldId id="266" r:id="rId13"/>
+    <p:sldId id="267" r:id="rId14"/>
   </p:sldIdLst>
   <p:sldSz cx="12192000" cy="6858000"/>
   <p:notesSz cx="7559675" cy="10691813"/>
@@ -20,8 +24,8 @@
 </file>
 
 <file path=ppt/slideLayouts/slideLayout1.xml><?xml version="1.0" encoding="utf-8"?>
-<p:sldLayout xmlns:a="http://schemas.openxmlformats.org/drawingml/2006/main" xmlns:p="http://schemas.openxmlformats.org/presentationml/2006/main" xmlns:r="http://schemas.openxmlformats.org/officeDocument/2006/relationships" xmlns:p14="http://schemas.microsoft.com/office/powerpoint/2010/main" xmlns:p15="http://schemas.microsoft.com/office/powerpoint/2012/main" xmlns:mc="http://schemas.openxmlformats.org/markup-compatibility/2006" type="title" preserve="1">
-  <p:cSld name="Slide de título">
+<p:sldLayout xmlns:a="http://schemas.openxmlformats.org/drawingml/2006/main" xmlns:p="http://schemas.openxmlformats.org/presentationml/2006/main" xmlns:r="http://schemas.openxmlformats.org/officeDocument/2006/relationships" xmlns:p14="http://schemas.microsoft.com/office/powerpoint/2010/main" xmlns:p15="http://schemas.microsoft.com/office/powerpoint/2012/main" xmlns:mc="http://schemas.openxmlformats.org/markup-compatibility/2006" type="titleOnly" preserve="1">
+  <p:cSld name="Somente título">
     <p:bg>
       <p:bgPr>
         <a:solidFill>
@@ -55,8 +59,8 @@
         </p:nvSpPr>
         <p:spPr>
           <a:xfrm>
-            <a:off x="1523880" y="1122480"/>
-            <a:ext cx="9142560" cy="2386080"/>
+            <a:off x="838080" y="365040"/>
+            <a:ext cx="10512720" cy="1322640"/>
           </a:xfrm>
           <a:prstGeom prst="rect">
             <a:avLst/>
@@ -67,11 +71,11 @@
           </a:ln>
         </p:spPr>
         <p:txBody>
-          <a:bodyPr lIns="91440" rIns="91440" tIns="45720" bIns="45720" anchor="b">
+          <a:bodyPr lIns="91440" rIns="91440" tIns="45720" bIns="45720" anchor="ctr">
             <a:noAutofit/>
           </a:bodyPr>
           <a:p>
-            <a:pPr indent="0" algn="ctr" defTabSz="914400">
+            <a:pPr indent="0" defTabSz="914400">
               <a:lnSpc>
                 <a:spcPct val="90000"/>
               </a:lnSpc>
@@ -81,7 +85,7 @@
               </a:tabLst>
             </a:pPr>
             <a:r>
-              <a:rPr b="0" lang="pt-BR" sz="6000" strike="noStrike" u="none">
+              <a:rPr b="0" lang="pt-BR" sz="4400" strike="noStrike" u="none">
                 <a:solidFill>
                   <a:schemeClr val="dk1"/>
                 </a:solidFill>
@@ -91,7 +95,7 @@
               </a:rPr>
               <a:t>Clique para editar o título mestre</a:t>
             </a:r>
-            <a:endParaRPr b="0" lang="pt-BR" sz="6000" strike="noStrike" u="none">
+            <a:endParaRPr b="0" lang="pt-BR" sz="4400" strike="noStrike" u="none">
               <a:solidFill>
                 <a:srgbClr val="000000"/>
               </a:solidFill>
@@ -115,7 +119,7 @@
         <p:spPr>
           <a:xfrm>
             <a:off x="838080" y="6356520"/>
-            <a:ext cx="2741760" cy="363600"/>
+            <a:ext cx="2740320" cy="362160"/>
           </a:xfrm>
           <a:prstGeom prst="rect">
             <a:avLst/>
@@ -197,7 +201,7 @@
         <p:spPr>
           <a:xfrm>
             <a:off x="4038480" y="6356520"/>
-            <a:ext cx="4113360" cy="363600"/>
+            <a:ext cx="4111920" cy="362160"/>
           </a:xfrm>
           <a:prstGeom prst="rect">
             <a:avLst/>
@@ -275,7 +279,7 @@
         <p:spPr>
           <a:xfrm>
             <a:off x="8610480" y="6356520"/>
-            <a:ext cx="2741760" cy="363600"/>
+            <a:ext cx="2740320" cy="362160"/>
           </a:xfrm>
           <a:prstGeom prst="rect">
             <a:avLst/>
@@ -320,7 +324,7 @@
                 <a:tab algn="l" pos="0"/>
               </a:tabLst>
             </a:pPr>
-            <a:fld id="{7FE1D714-B171-4894-87B7-468A3A666866}" type="slidenum">
+            <a:fld id="{75562614-6080-4F89-A5FA-9D6E82F70FEF}" type="slidenum">
               <a:rPr b="0" lang="de-DE" sz="1200" strike="noStrike" u="none">
                 <a:solidFill>
                   <a:schemeClr val="dk1">
@@ -340,280 +344,6 @@
               <a:effectLst/>
               <a:uFillTx/>
               <a:latin typeface="Times New Roman"/>
-            </a:endParaRPr>
-          </a:p>
-        </p:txBody>
-      </p:sp>
-      <p:sp>
-        <p:nvSpPr>
-          <p:cNvPr id="4" name="PlaceHolder 5"/>
-          <p:cNvSpPr>
-            <a:spLocks noGrp="1"/>
-          </p:cNvSpPr>
-          <p:nvPr>
-            <p:ph type="body"/>
-          </p:nvPr>
-        </p:nvSpPr>
-        <p:spPr>
-          <a:xfrm>
-            <a:off x="609480" y="1604520"/>
-            <a:ext cx="10971360" cy="3976200"/>
-          </a:xfrm>
-          <a:prstGeom prst="rect">
-            <a:avLst/>
-          </a:prstGeom>
-          <a:noFill/>
-          <a:ln w="0">
-            <a:noFill/>
-          </a:ln>
-        </p:spPr>
-        <p:txBody>
-          <a:bodyPr lIns="0" rIns="0" tIns="0" bIns="0" anchor="t">
-            <a:normAutofit/>
-          </a:bodyPr>
-          <a:p>
-            <a:pPr marL="432000" indent="-324000">
-              <a:lnSpc>
-                <a:spcPct val="90000"/>
-              </a:lnSpc>
-              <a:spcBef>
-                <a:spcPts val="1417"/>
-              </a:spcBef>
-              <a:buClr>
-                <a:srgbClr val="000000"/>
-              </a:buClr>
-              <a:buSzPct val="45000"/>
-              <a:buFont typeface="Wingdings" charset="2"/>
-              <a:buChar char=""/>
-            </a:pPr>
-            <a:r>
-              <a:rPr b="0" lang="de-DE" sz="2800" strike="noStrike" u="none">
-                <a:solidFill>
-                  <a:schemeClr val="dk1"/>
-                </a:solidFill>
-                <a:effectLst/>
-                <a:uFillTx/>
-                <a:latin typeface="Aptos"/>
-              </a:rPr>
-              <a:t>Clique para editar o formato de texto dos tópicos</a:t>
-            </a:r>
-            <a:endParaRPr b="0" lang="pt-BR" sz="2800" strike="noStrike" u="none">
-              <a:solidFill>
-                <a:srgbClr val="000000"/>
-              </a:solidFill>
-              <a:effectLst/>
-              <a:uFillTx/>
-              <a:latin typeface="Arial"/>
-            </a:endParaRPr>
-          </a:p>
-          <a:p>
-            <a:pPr lvl="1" marL="864000" indent="-324000">
-              <a:lnSpc>
-                <a:spcPct val="90000"/>
-              </a:lnSpc>
-              <a:spcBef>
-                <a:spcPts val="1134"/>
-              </a:spcBef>
-              <a:buClr>
-                <a:srgbClr val="000000"/>
-              </a:buClr>
-              <a:buSzPct val="75000"/>
-              <a:buFont typeface="Symbol" charset="2"/>
-              <a:buChar char=""/>
-            </a:pPr>
-            <a:r>
-              <a:rPr b="0" lang="de-DE" sz="2000" strike="noStrike" u="none">
-                <a:solidFill>
-                  <a:schemeClr val="dk1"/>
-                </a:solidFill>
-                <a:effectLst/>
-                <a:uFillTx/>
-                <a:latin typeface="Aptos"/>
-              </a:rPr>
-              <a:t>2.º nível de tópicos</a:t>
-            </a:r>
-            <a:endParaRPr b="0" lang="pt-BR" sz="2000" strike="noStrike" u="none">
-              <a:solidFill>
-                <a:srgbClr val="000000"/>
-              </a:solidFill>
-              <a:effectLst/>
-              <a:uFillTx/>
-              <a:latin typeface="Arial"/>
-            </a:endParaRPr>
-          </a:p>
-          <a:p>
-            <a:pPr lvl="2" marL="1296000" indent="-288000">
-              <a:lnSpc>
-                <a:spcPct val="90000"/>
-              </a:lnSpc>
-              <a:spcBef>
-                <a:spcPts val="850"/>
-              </a:spcBef>
-              <a:buClr>
-                <a:srgbClr val="000000"/>
-              </a:buClr>
-              <a:buSzPct val="45000"/>
-              <a:buFont typeface="Wingdings" charset="2"/>
-              <a:buChar char=""/>
-            </a:pPr>
-            <a:r>
-              <a:rPr b="0" lang="de-DE" sz="1800" strike="noStrike" u="none">
-                <a:solidFill>
-                  <a:schemeClr val="dk1"/>
-                </a:solidFill>
-                <a:effectLst/>
-                <a:uFillTx/>
-                <a:latin typeface="Aptos"/>
-              </a:rPr>
-              <a:t>3.º nível de tópicos</a:t>
-            </a:r>
-            <a:endParaRPr b="0" lang="pt-BR" sz="1800" strike="noStrike" u="none">
-              <a:solidFill>
-                <a:srgbClr val="000000"/>
-              </a:solidFill>
-              <a:effectLst/>
-              <a:uFillTx/>
-              <a:latin typeface="Arial"/>
-            </a:endParaRPr>
-          </a:p>
-          <a:p>
-            <a:pPr lvl="3" marL="1728000" indent="-216000">
-              <a:lnSpc>
-                <a:spcPct val="90000"/>
-              </a:lnSpc>
-              <a:spcBef>
-                <a:spcPts val="567"/>
-              </a:spcBef>
-              <a:buClr>
-                <a:srgbClr val="000000"/>
-              </a:buClr>
-              <a:buSzPct val="75000"/>
-              <a:buFont typeface="Symbol" charset="2"/>
-              <a:buChar char=""/>
-            </a:pPr>
-            <a:r>
-              <a:rPr b="0" lang="de-DE" sz="1800" strike="noStrike" u="none">
-                <a:solidFill>
-                  <a:schemeClr val="dk1"/>
-                </a:solidFill>
-                <a:effectLst/>
-                <a:uFillTx/>
-                <a:latin typeface="Aptos"/>
-              </a:rPr>
-              <a:t>4.º nível de tópicos</a:t>
-            </a:r>
-            <a:endParaRPr b="0" lang="pt-BR" sz="1800" strike="noStrike" u="none">
-              <a:solidFill>
-                <a:srgbClr val="000000"/>
-              </a:solidFill>
-              <a:effectLst/>
-              <a:uFillTx/>
-              <a:latin typeface="Arial"/>
-            </a:endParaRPr>
-          </a:p>
-          <a:p>
-            <a:pPr lvl="4" marL="2160000" indent="-216000">
-              <a:lnSpc>
-                <a:spcPct val="90000"/>
-              </a:lnSpc>
-              <a:spcBef>
-                <a:spcPts val="283"/>
-              </a:spcBef>
-              <a:buClr>
-                <a:srgbClr val="000000"/>
-              </a:buClr>
-              <a:buSzPct val="45000"/>
-              <a:buFont typeface="Wingdings" charset="2"/>
-              <a:buChar char=""/>
-            </a:pPr>
-            <a:r>
-              <a:rPr b="0" lang="de-DE" sz="2000" strike="noStrike" u="none">
-                <a:solidFill>
-                  <a:schemeClr val="dk1"/>
-                </a:solidFill>
-                <a:effectLst/>
-                <a:uFillTx/>
-                <a:latin typeface="Aptos"/>
-              </a:rPr>
-              <a:t>5.º nível de tópicos</a:t>
-            </a:r>
-            <a:endParaRPr b="0" lang="pt-BR" sz="2000" strike="noStrike" u="none">
-              <a:solidFill>
-                <a:srgbClr val="000000"/>
-              </a:solidFill>
-              <a:effectLst/>
-              <a:uFillTx/>
-              <a:latin typeface="Arial"/>
-            </a:endParaRPr>
-          </a:p>
-          <a:p>
-            <a:pPr lvl="5" marL="2592000" indent="-216000">
-              <a:lnSpc>
-                <a:spcPct val="90000"/>
-              </a:lnSpc>
-              <a:spcBef>
-                <a:spcPts val="283"/>
-              </a:spcBef>
-              <a:buClr>
-                <a:srgbClr val="000000"/>
-              </a:buClr>
-              <a:buSzPct val="45000"/>
-              <a:buFont typeface="Wingdings" charset="2"/>
-              <a:buChar char=""/>
-            </a:pPr>
-            <a:r>
-              <a:rPr b="0" lang="de-DE" sz="2000" strike="noStrike" u="none">
-                <a:solidFill>
-                  <a:schemeClr val="dk1"/>
-                </a:solidFill>
-                <a:effectLst/>
-                <a:uFillTx/>
-                <a:latin typeface="Aptos"/>
-              </a:rPr>
-              <a:t>6.º nível de tópicos</a:t>
-            </a:r>
-            <a:endParaRPr b="0" lang="pt-BR" sz="2000" strike="noStrike" u="none">
-              <a:solidFill>
-                <a:srgbClr val="000000"/>
-              </a:solidFill>
-              <a:effectLst/>
-              <a:uFillTx/>
-              <a:latin typeface="Arial"/>
-            </a:endParaRPr>
-          </a:p>
-          <a:p>
-            <a:pPr lvl="6" marL="3024000" indent="-216000">
-              <a:lnSpc>
-                <a:spcPct val="90000"/>
-              </a:lnSpc>
-              <a:spcBef>
-                <a:spcPts val="283"/>
-              </a:spcBef>
-              <a:buClr>
-                <a:srgbClr val="000000"/>
-              </a:buClr>
-              <a:buSzPct val="45000"/>
-              <a:buFont typeface="Wingdings" charset="2"/>
-              <a:buChar char=""/>
-            </a:pPr>
-            <a:r>
-              <a:rPr b="0" lang="de-DE" sz="2000" strike="noStrike" u="none">
-                <a:solidFill>
-                  <a:schemeClr val="dk1"/>
-                </a:solidFill>
-                <a:effectLst/>
-                <a:uFillTx/>
-                <a:latin typeface="Aptos"/>
-              </a:rPr>
-              <a:t>7.º nível de tópicos</a:t>
-            </a:r>
-            <a:endParaRPr b="0" lang="pt-BR" sz="2000" strike="noStrike" u="none">
-              <a:solidFill>
-                <a:srgbClr val="000000"/>
-              </a:solidFill>
-              <a:effectLst/>
-              <a:uFillTx/>
-              <a:latin typeface="Arial"/>
             </a:endParaRPr>
           </a:p>
         </p:txBody>
@@ -624,6 +354,1980 @@
 </file>
 
 <file path=ppt/slideLayouts/slideLayout10.xml><?xml version="1.0" encoding="utf-8"?>
+<p:sldLayout xmlns:a="http://schemas.openxmlformats.org/drawingml/2006/main" xmlns:p="http://schemas.openxmlformats.org/presentationml/2006/main" xmlns:r="http://schemas.openxmlformats.org/officeDocument/2006/relationships" xmlns:p14="http://schemas.microsoft.com/office/powerpoint/2010/main" xmlns:p15="http://schemas.microsoft.com/office/powerpoint/2012/main" xmlns:mc="http://schemas.openxmlformats.org/markup-compatibility/2006" type="blank" preserve="1">
+  <p:cSld name="Cabeçalho da Seção">
+    <p:bg>
+      <p:bgPr>
+        <a:solidFill>
+          <a:srgbClr val="ffffff"/>
+        </a:solidFill>
+      </p:bgPr>
+    </p:bg>
+    <p:spTree>
+      <p:nvGrpSpPr>
+        <p:cNvPr id="1" name=""/>
+        <p:cNvGrpSpPr/>
+        <p:nvPr/>
+      </p:nvGrpSpPr>
+      <p:grpSpPr>
+        <a:xfrm>
+          <a:off x="0" y="0"/>
+          <a:ext cx="0" cy="0"/>
+          <a:chOff x="0" y="0"/>
+          <a:chExt cx="0" cy="0"/>
+        </a:xfrm>
+      </p:grpSpPr>
+      <p:sp>
+        <p:nvSpPr>
+          <p:cNvPr id="46" name="PlaceHolder 1"/>
+          <p:cNvSpPr>
+            <a:spLocks noGrp="1"/>
+          </p:cNvSpPr>
+          <p:nvPr>
+            <p:ph type="title"/>
+          </p:nvPr>
+        </p:nvSpPr>
+        <p:spPr>
+          <a:xfrm>
+            <a:off x="831960" y="1709640"/>
+            <a:ext cx="10512720" cy="2849760"/>
+          </a:xfrm>
+          <a:prstGeom prst="rect">
+            <a:avLst/>
+          </a:prstGeom>
+          <a:noFill/>
+          <a:ln w="0">
+            <a:noFill/>
+          </a:ln>
+        </p:spPr>
+        <p:txBody>
+          <a:bodyPr lIns="91440" rIns="91440" tIns="45720" bIns="45720" anchor="b">
+            <a:noAutofit/>
+          </a:bodyPr>
+          <a:p>
+            <a:pPr indent="0" defTabSz="914400">
+              <a:lnSpc>
+                <a:spcPct val="90000"/>
+              </a:lnSpc>
+              <a:buNone/>
+              <a:tabLst>
+                <a:tab algn="l" pos="0"/>
+              </a:tabLst>
+            </a:pPr>
+            <a:r>
+              <a:rPr b="0" lang="pt-BR" sz="6000" strike="noStrike" u="none">
+                <a:solidFill>
+                  <a:schemeClr val="dk1"/>
+                </a:solidFill>
+                <a:effectLst/>
+                <a:uFillTx/>
+                <a:latin typeface="Aptos Display"/>
+              </a:rPr>
+              <a:t>Clique para editar o título mestre</a:t>
+            </a:r>
+            <a:endParaRPr b="0" lang="pt-BR" sz="6000" strike="noStrike" u="none">
+              <a:solidFill>
+                <a:srgbClr val="000000"/>
+              </a:solidFill>
+              <a:effectLst/>
+              <a:uFillTx/>
+              <a:latin typeface="Arial"/>
+            </a:endParaRPr>
+          </a:p>
+        </p:txBody>
+      </p:sp>
+      <p:sp>
+        <p:nvSpPr>
+          <p:cNvPr id="47" name="PlaceHolder 2"/>
+          <p:cNvSpPr>
+            <a:spLocks noGrp="1"/>
+          </p:cNvSpPr>
+          <p:nvPr>
+            <p:ph type="body"/>
+          </p:nvPr>
+        </p:nvSpPr>
+        <p:spPr>
+          <a:xfrm>
+            <a:off x="831960" y="4589640"/>
+            <a:ext cx="10512720" cy="1497240"/>
+          </a:xfrm>
+          <a:prstGeom prst="rect">
+            <a:avLst/>
+          </a:prstGeom>
+          <a:noFill/>
+          <a:ln w="0">
+            <a:noFill/>
+          </a:ln>
+        </p:spPr>
+        <p:txBody>
+          <a:bodyPr lIns="91440" rIns="91440" tIns="45720" bIns="45720" anchor="t">
+            <a:noAutofit/>
+          </a:bodyPr>
+          <a:p>
+            <a:pPr indent="0" defTabSz="914400">
+              <a:lnSpc>
+                <a:spcPct val="90000"/>
+              </a:lnSpc>
+              <a:spcBef>
+                <a:spcPts val="1001"/>
+              </a:spcBef>
+              <a:buNone/>
+              <a:tabLst>
+                <a:tab algn="l" pos="0"/>
+              </a:tabLst>
+            </a:pPr>
+            <a:r>
+              <a:rPr b="0" lang="pt-BR" sz="2400" strike="noStrike" u="none">
+                <a:solidFill>
+                  <a:schemeClr val="dk1">
+                    <a:tint val="82000"/>
+                  </a:schemeClr>
+                </a:solidFill>
+                <a:effectLst/>
+                <a:uFillTx/>
+                <a:latin typeface="Aptos"/>
+              </a:rPr>
+              <a:t>Clique para editar o texto mestre</a:t>
+            </a:r>
+            <a:endParaRPr b="0" lang="pt-BR" sz="2400" strike="noStrike" u="none">
+              <a:solidFill>
+                <a:srgbClr val="000000"/>
+              </a:solidFill>
+              <a:effectLst/>
+              <a:uFillTx/>
+              <a:latin typeface="Arial"/>
+            </a:endParaRPr>
+          </a:p>
+        </p:txBody>
+      </p:sp>
+      <p:sp>
+        <p:nvSpPr>
+          <p:cNvPr id="48" name="PlaceHolder 3"/>
+          <p:cNvSpPr>
+            <a:spLocks noGrp="1"/>
+          </p:cNvSpPr>
+          <p:nvPr>
+            <p:ph type="dt" idx="28"/>
+          </p:nvPr>
+        </p:nvSpPr>
+        <p:spPr>
+          <a:xfrm>
+            <a:off x="838080" y="6356520"/>
+            <a:ext cx="2740320" cy="362160"/>
+          </a:xfrm>
+          <a:prstGeom prst="rect">
+            <a:avLst/>
+          </a:prstGeom>
+          <a:noFill/>
+          <a:ln w="0">
+            <a:noFill/>
+          </a:ln>
+        </p:spPr>
+        <p:txBody>
+          <a:bodyPr lIns="91440" rIns="91440" tIns="45720" bIns="45720" anchor="ctr">
+            <a:noAutofit/>
+          </a:bodyPr>
+          <a:lstStyle>
+            <a:lvl1pPr indent="0" defTabSz="914400">
+              <a:lnSpc>
+                <a:spcPct val="100000"/>
+              </a:lnSpc>
+              <a:buNone/>
+              <a:tabLst>
+                <a:tab algn="l" pos="0"/>
+              </a:tabLst>
+              <a:defRPr b="0" lang="de-DE" sz="1200" strike="noStrike" u="none">
+                <a:solidFill>
+                  <a:schemeClr val="dk1">
+                    <a:tint val="82000"/>
+                  </a:schemeClr>
+                </a:solidFill>
+                <a:effectLst/>
+                <a:uFillTx/>
+                <a:latin typeface="Aptos"/>
+              </a:defRPr>
+            </a:lvl1pPr>
+          </a:lstStyle>
+          <a:p>
+            <a:pPr indent="0" defTabSz="914400">
+              <a:lnSpc>
+                <a:spcPct val="100000"/>
+              </a:lnSpc>
+              <a:buNone/>
+              <a:tabLst>
+                <a:tab algn="l" pos="0"/>
+              </a:tabLst>
+            </a:pPr>
+            <a:r>
+              <a:rPr b="0" lang="de-DE" sz="1200" strike="noStrike" u="none">
+                <a:solidFill>
+                  <a:schemeClr val="dk1">
+                    <a:tint val="82000"/>
+                  </a:schemeClr>
+                </a:solidFill>
+                <a:effectLst/>
+                <a:uFillTx/>
+                <a:latin typeface="Aptos"/>
+              </a:rPr>
+              <a:t>&lt;data/hora&gt;</a:t>
+            </a:r>
+            <a:endParaRPr b="0" lang="pt-BR" sz="1200" strike="noStrike" u="none">
+              <a:solidFill>
+                <a:srgbClr val="000000"/>
+              </a:solidFill>
+              <a:effectLst/>
+              <a:uFillTx/>
+              <a:latin typeface="Times New Roman"/>
+            </a:endParaRPr>
+          </a:p>
+        </p:txBody>
+      </p:sp>
+      <p:sp>
+        <p:nvSpPr>
+          <p:cNvPr id="49" name="PlaceHolder 4"/>
+          <p:cNvSpPr>
+            <a:spLocks noGrp="1"/>
+          </p:cNvSpPr>
+          <p:nvPr>
+            <p:ph type="ftr" idx="29"/>
+          </p:nvPr>
+        </p:nvSpPr>
+        <p:spPr>
+          <a:xfrm>
+            <a:off x="4038480" y="6356520"/>
+            <a:ext cx="4111920" cy="362160"/>
+          </a:xfrm>
+          <a:prstGeom prst="rect">
+            <a:avLst/>
+          </a:prstGeom>
+          <a:noFill/>
+          <a:ln w="0">
+            <a:noFill/>
+          </a:ln>
+        </p:spPr>
+        <p:txBody>
+          <a:bodyPr lIns="91440" rIns="91440" tIns="45720" bIns="45720" anchor="ctr">
+            <a:noAutofit/>
+          </a:bodyPr>
+          <a:lstStyle>
+            <a:lvl1pPr indent="0" algn="ctr">
+              <a:lnSpc>
+                <a:spcPct val="100000"/>
+              </a:lnSpc>
+              <a:buNone/>
+              <a:tabLst>
+                <a:tab algn="l" pos="0"/>
+              </a:tabLst>
+              <a:defRPr b="0" lang="pt-BR" sz="1400" strike="noStrike" u="none">
+                <a:solidFill>
+                  <a:srgbClr val="000000"/>
+                </a:solidFill>
+                <a:effectLst/>
+                <a:uFillTx/>
+                <a:latin typeface="Times New Roman"/>
+              </a:defRPr>
+            </a:lvl1pPr>
+          </a:lstStyle>
+          <a:p>
+            <a:pPr indent="0" algn="ctr">
+              <a:lnSpc>
+                <a:spcPct val="100000"/>
+              </a:lnSpc>
+              <a:buNone/>
+              <a:tabLst>
+                <a:tab algn="l" pos="0"/>
+              </a:tabLst>
+            </a:pPr>
+            <a:r>
+              <a:rPr b="0" lang="pt-BR" sz="1400" strike="noStrike" u="none">
+                <a:solidFill>
+                  <a:srgbClr val="000000"/>
+                </a:solidFill>
+                <a:effectLst/>
+                <a:uFillTx/>
+                <a:latin typeface="Times New Roman"/>
+              </a:rPr>
+              <a:t>&lt;rodapé&gt;</a:t>
+            </a:r>
+            <a:endParaRPr b="0" lang="pt-BR" sz="1400" strike="noStrike" u="none">
+              <a:solidFill>
+                <a:srgbClr val="000000"/>
+              </a:solidFill>
+              <a:effectLst/>
+              <a:uFillTx/>
+              <a:latin typeface="Times New Roman"/>
+            </a:endParaRPr>
+          </a:p>
+        </p:txBody>
+      </p:sp>
+      <p:sp>
+        <p:nvSpPr>
+          <p:cNvPr id="50" name="PlaceHolder 5"/>
+          <p:cNvSpPr>
+            <a:spLocks noGrp="1"/>
+          </p:cNvSpPr>
+          <p:nvPr>
+            <p:ph type="sldNum" idx="30"/>
+          </p:nvPr>
+        </p:nvSpPr>
+        <p:spPr>
+          <a:xfrm>
+            <a:off x="8610480" y="6356520"/>
+            <a:ext cx="2740320" cy="362160"/>
+          </a:xfrm>
+          <a:prstGeom prst="rect">
+            <a:avLst/>
+          </a:prstGeom>
+          <a:noFill/>
+          <a:ln w="0">
+            <a:noFill/>
+          </a:ln>
+        </p:spPr>
+        <p:txBody>
+          <a:bodyPr lIns="91440" rIns="91440" tIns="45720" bIns="45720" anchor="ctr">
+            <a:noAutofit/>
+          </a:bodyPr>
+          <a:lstStyle>
+            <a:lvl1pPr indent="0" algn="r" defTabSz="914400">
+              <a:lnSpc>
+                <a:spcPct val="100000"/>
+              </a:lnSpc>
+              <a:buNone/>
+              <a:tabLst>
+                <a:tab algn="l" pos="0"/>
+              </a:tabLst>
+              <a:defRPr b="0" lang="de-DE" sz="1200" strike="noStrike" u="none">
+                <a:solidFill>
+                  <a:schemeClr val="dk1">
+                    <a:tint val="82000"/>
+                  </a:schemeClr>
+                </a:solidFill>
+                <a:effectLst/>
+                <a:uFillTx/>
+                <a:latin typeface="Aptos"/>
+              </a:defRPr>
+            </a:lvl1pPr>
+          </a:lstStyle>
+          <a:p>
+            <a:pPr indent="0" algn="r" defTabSz="914400">
+              <a:lnSpc>
+                <a:spcPct val="100000"/>
+              </a:lnSpc>
+              <a:buNone/>
+              <a:tabLst>
+                <a:tab algn="l" pos="0"/>
+              </a:tabLst>
+            </a:pPr>
+            <a:fld id="{E9A17087-61BE-4192-B114-9E381AAFAB48}" type="slidenum">
+              <a:rPr b="0" lang="de-DE" sz="1200" strike="noStrike" u="none">
+                <a:solidFill>
+                  <a:schemeClr val="dk1">
+                    <a:tint val="82000"/>
+                  </a:schemeClr>
+                </a:solidFill>
+                <a:effectLst/>
+                <a:uFillTx/>
+                <a:latin typeface="Aptos"/>
+              </a:rPr>
+              <a:t>&lt;número&gt;</a:t>
+            </a:fld>
+            <a:endParaRPr b="0" lang="pt-BR" sz="1200" strike="noStrike" u="none">
+              <a:solidFill>
+                <a:srgbClr val="000000"/>
+              </a:solidFill>
+              <a:effectLst/>
+              <a:uFillTx/>
+              <a:latin typeface="Times New Roman"/>
+            </a:endParaRPr>
+          </a:p>
+        </p:txBody>
+      </p:sp>
+    </p:spTree>
+  </p:cSld>
+</p:sldLayout>
+</file>
+
+<file path=ppt/slideLayouts/slideLayout11.xml><?xml version="1.0" encoding="utf-8"?>
+<p:sldLayout xmlns:a="http://schemas.openxmlformats.org/drawingml/2006/main" xmlns:p="http://schemas.openxmlformats.org/presentationml/2006/main" xmlns:r="http://schemas.openxmlformats.org/officeDocument/2006/relationships" xmlns:p14="http://schemas.microsoft.com/office/powerpoint/2010/main" xmlns:p15="http://schemas.microsoft.com/office/powerpoint/2012/main" xmlns:mc="http://schemas.openxmlformats.org/markup-compatibility/2006" type="twoObj" preserve="1">
+  <p:cSld name="Duas Partes de Conteúdo">
+    <p:bg>
+      <p:bgPr>
+        <a:solidFill>
+          <a:srgbClr val="ffffff"/>
+        </a:solidFill>
+      </p:bgPr>
+    </p:bg>
+    <p:spTree>
+      <p:nvGrpSpPr>
+        <p:cNvPr id="1" name=""/>
+        <p:cNvGrpSpPr/>
+        <p:nvPr/>
+      </p:nvGrpSpPr>
+      <p:grpSpPr>
+        <a:xfrm>
+          <a:off x="0" y="0"/>
+          <a:ext cx="0" cy="0"/>
+          <a:chOff x="0" y="0"/>
+          <a:chExt cx="0" cy="0"/>
+        </a:xfrm>
+      </p:grpSpPr>
+      <p:sp>
+        <p:nvSpPr>
+          <p:cNvPr id="51" name="PlaceHolder 1"/>
+          <p:cNvSpPr>
+            <a:spLocks noGrp="1"/>
+          </p:cNvSpPr>
+          <p:nvPr>
+            <p:ph type="title"/>
+          </p:nvPr>
+        </p:nvSpPr>
+        <p:spPr>
+          <a:xfrm>
+            <a:off x="838080" y="365040"/>
+            <a:ext cx="10512720" cy="1322640"/>
+          </a:xfrm>
+          <a:prstGeom prst="rect">
+            <a:avLst/>
+          </a:prstGeom>
+          <a:noFill/>
+          <a:ln w="0">
+            <a:noFill/>
+          </a:ln>
+        </p:spPr>
+        <p:txBody>
+          <a:bodyPr lIns="91440" rIns="91440" tIns="45720" bIns="45720" anchor="ctr">
+            <a:noAutofit/>
+          </a:bodyPr>
+          <a:p>
+            <a:pPr indent="0" defTabSz="914400">
+              <a:lnSpc>
+                <a:spcPct val="90000"/>
+              </a:lnSpc>
+              <a:buNone/>
+              <a:tabLst>
+                <a:tab algn="l" pos="0"/>
+              </a:tabLst>
+            </a:pPr>
+            <a:r>
+              <a:rPr b="0" lang="pt-BR" sz="4400" strike="noStrike" u="none">
+                <a:solidFill>
+                  <a:schemeClr val="dk1"/>
+                </a:solidFill>
+                <a:effectLst/>
+                <a:uFillTx/>
+                <a:latin typeface="Aptos Display"/>
+              </a:rPr>
+              <a:t>Clique para editar o título mestre</a:t>
+            </a:r>
+            <a:endParaRPr b="0" lang="pt-BR" sz="4400" strike="noStrike" u="none">
+              <a:solidFill>
+                <a:srgbClr val="000000"/>
+              </a:solidFill>
+              <a:effectLst/>
+              <a:uFillTx/>
+              <a:latin typeface="Arial"/>
+            </a:endParaRPr>
+          </a:p>
+        </p:txBody>
+      </p:sp>
+      <p:sp>
+        <p:nvSpPr>
+          <p:cNvPr id="52" name="PlaceHolder 2"/>
+          <p:cNvSpPr>
+            <a:spLocks noGrp="1"/>
+          </p:cNvSpPr>
+          <p:nvPr>
+            <p:ph type="body"/>
+          </p:nvPr>
+        </p:nvSpPr>
+        <p:spPr>
+          <a:xfrm>
+            <a:off x="838080" y="1825560"/>
+            <a:ext cx="5178600" cy="4348440"/>
+          </a:xfrm>
+          <a:prstGeom prst="rect">
+            <a:avLst/>
+          </a:prstGeom>
+          <a:noFill/>
+          <a:ln w="0">
+            <a:noFill/>
+          </a:ln>
+        </p:spPr>
+        <p:txBody>
+          <a:bodyPr lIns="91440" rIns="91440" tIns="45720" bIns="45720" anchor="t">
+            <a:noAutofit/>
+          </a:bodyPr>
+          <a:p>
+            <a:pPr marL="228600" indent="-228600" defTabSz="914400">
+              <a:lnSpc>
+                <a:spcPct val="90000"/>
+              </a:lnSpc>
+              <a:spcBef>
+                <a:spcPts val="1001"/>
+              </a:spcBef>
+              <a:buClr>
+                <a:srgbClr val="000000"/>
+              </a:buClr>
+              <a:buFont typeface="Arial"/>
+              <a:buChar char="•"/>
+            </a:pPr>
+            <a:r>
+              <a:rPr b="0" lang="pt-BR" sz="2800" strike="noStrike" u="none">
+                <a:solidFill>
+                  <a:schemeClr val="dk1"/>
+                </a:solidFill>
+                <a:effectLst/>
+                <a:uFillTx/>
+                <a:latin typeface="Aptos"/>
+              </a:rPr>
+              <a:t>Clique para editar o texto mestre</a:t>
+            </a:r>
+            <a:endParaRPr b="0" lang="pt-BR" sz="2800" strike="noStrike" u="none">
+              <a:solidFill>
+                <a:srgbClr val="000000"/>
+              </a:solidFill>
+              <a:effectLst/>
+              <a:uFillTx/>
+              <a:latin typeface="Arial"/>
+            </a:endParaRPr>
+          </a:p>
+          <a:p>
+            <a:pPr lvl="1" marL="685800" indent="-228600" defTabSz="914400">
+              <a:lnSpc>
+                <a:spcPct val="90000"/>
+              </a:lnSpc>
+              <a:spcBef>
+                <a:spcPts val="499"/>
+              </a:spcBef>
+              <a:buClr>
+                <a:srgbClr val="000000"/>
+              </a:buClr>
+              <a:buFont typeface="Arial"/>
+              <a:buChar char="•"/>
+            </a:pPr>
+            <a:r>
+              <a:rPr b="0" lang="pt-BR" sz="2400" strike="noStrike" u="none">
+                <a:solidFill>
+                  <a:schemeClr val="dk1"/>
+                </a:solidFill>
+                <a:effectLst/>
+                <a:uFillTx/>
+                <a:latin typeface="Aptos"/>
+              </a:rPr>
+              <a:t>Segundo nível</a:t>
+            </a:r>
+            <a:endParaRPr b="0" lang="pt-BR" sz="2400" strike="noStrike" u="none">
+              <a:solidFill>
+                <a:srgbClr val="000000"/>
+              </a:solidFill>
+              <a:effectLst/>
+              <a:uFillTx/>
+              <a:latin typeface="Arial"/>
+            </a:endParaRPr>
+          </a:p>
+          <a:p>
+            <a:pPr lvl="2" marL="1143000" indent="-228600" defTabSz="914400">
+              <a:lnSpc>
+                <a:spcPct val="90000"/>
+              </a:lnSpc>
+              <a:spcBef>
+                <a:spcPts val="499"/>
+              </a:spcBef>
+              <a:buClr>
+                <a:srgbClr val="000000"/>
+              </a:buClr>
+              <a:buFont typeface="Arial"/>
+              <a:buChar char="•"/>
+            </a:pPr>
+            <a:r>
+              <a:rPr b="0" lang="pt-BR" sz="2000" strike="noStrike" u="none">
+                <a:solidFill>
+                  <a:schemeClr val="dk1"/>
+                </a:solidFill>
+                <a:effectLst/>
+                <a:uFillTx/>
+                <a:latin typeface="Aptos"/>
+              </a:rPr>
+              <a:t>Terceiro nível</a:t>
+            </a:r>
+            <a:endParaRPr b="0" lang="pt-BR" sz="2000" strike="noStrike" u="none">
+              <a:solidFill>
+                <a:srgbClr val="000000"/>
+              </a:solidFill>
+              <a:effectLst/>
+              <a:uFillTx/>
+              <a:latin typeface="Arial"/>
+            </a:endParaRPr>
+          </a:p>
+          <a:p>
+            <a:pPr lvl="3" marL="1600200" indent="-228600" defTabSz="914400">
+              <a:lnSpc>
+                <a:spcPct val="90000"/>
+              </a:lnSpc>
+              <a:spcBef>
+                <a:spcPts val="499"/>
+              </a:spcBef>
+              <a:buClr>
+                <a:srgbClr val="000000"/>
+              </a:buClr>
+              <a:buFont typeface="Arial"/>
+              <a:buChar char="•"/>
+            </a:pPr>
+            <a:r>
+              <a:rPr b="0" lang="pt-BR" sz="1800" strike="noStrike" u="none">
+                <a:solidFill>
+                  <a:schemeClr val="dk1"/>
+                </a:solidFill>
+                <a:effectLst/>
+                <a:uFillTx/>
+                <a:latin typeface="Aptos"/>
+              </a:rPr>
+              <a:t>Quarto nível</a:t>
+            </a:r>
+            <a:endParaRPr b="0" lang="pt-BR" sz="1800" strike="noStrike" u="none">
+              <a:solidFill>
+                <a:srgbClr val="000000"/>
+              </a:solidFill>
+              <a:effectLst/>
+              <a:uFillTx/>
+              <a:latin typeface="Arial"/>
+            </a:endParaRPr>
+          </a:p>
+          <a:p>
+            <a:pPr lvl="4" marL="2057400" indent="-228600" defTabSz="914400">
+              <a:lnSpc>
+                <a:spcPct val="90000"/>
+              </a:lnSpc>
+              <a:spcBef>
+                <a:spcPts val="499"/>
+              </a:spcBef>
+              <a:buClr>
+                <a:srgbClr val="000000"/>
+              </a:buClr>
+              <a:buFont typeface="Arial"/>
+              <a:buChar char="•"/>
+            </a:pPr>
+            <a:r>
+              <a:rPr b="0" lang="pt-BR" sz="1800" strike="noStrike" u="none">
+                <a:solidFill>
+                  <a:schemeClr val="dk1"/>
+                </a:solidFill>
+                <a:effectLst/>
+                <a:uFillTx/>
+                <a:latin typeface="Aptos"/>
+              </a:rPr>
+              <a:t>Quinto nível</a:t>
+            </a:r>
+            <a:endParaRPr b="0" lang="pt-BR" sz="1800" strike="noStrike" u="none">
+              <a:solidFill>
+                <a:srgbClr val="000000"/>
+              </a:solidFill>
+              <a:effectLst/>
+              <a:uFillTx/>
+              <a:latin typeface="Arial"/>
+            </a:endParaRPr>
+          </a:p>
+        </p:txBody>
+      </p:sp>
+      <p:sp>
+        <p:nvSpPr>
+          <p:cNvPr id="53" name="PlaceHolder 3"/>
+          <p:cNvSpPr>
+            <a:spLocks noGrp="1"/>
+          </p:cNvSpPr>
+          <p:nvPr>
+            <p:ph type="body"/>
+          </p:nvPr>
+        </p:nvSpPr>
+        <p:spPr>
+          <a:xfrm>
+            <a:off x="6172200" y="1825560"/>
+            <a:ext cx="5178600" cy="4348440"/>
+          </a:xfrm>
+          <a:prstGeom prst="rect">
+            <a:avLst/>
+          </a:prstGeom>
+          <a:noFill/>
+          <a:ln w="0">
+            <a:noFill/>
+          </a:ln>
+        </p:spPr>
+        <p:txBody>
+          <a:bodyPr lIns="91440" rIns="91440" tIns="45720" bIns="45720" anchor="t">
+            <a:noAutofit/>
+          </a:bodyPr>
+          <a:p>
+            <a:pPr marL="228600" indent="-228600" defTabSz="914400">
+              <a:lnSpc>
+                <a:spcPct val="90000"/>
+              </a:lnSpc>
+              <a:spcBef>
+                <a:spcPts val="1001"/>
+              </a:spcBef>
+              <a:buClr>
+                <a:srgbClr val="000000"/>
+              </a:buClr>
+              <a:buFont typeface="Arial"/>
+              <a:buChar char="•"/>
+            </a:pPr>
+            <a:r>
+              <a:rPr b="0" lang="pt-BR" sz="2800" strike="noStrike" u="none">
+                <a:solidFill>
+                  <a:schemeClr val="dk1"/>
+                </a:solidFill>
+                <a:effectLst/>
+                <a:uFillTx/>
+                <a:latin typeface="Aptos"/>
+              </a:rPr>
+              <a:t>Clique para editar o texto mestre</a:t>
+            </a:r>
+            <a:endParaRPr b="0" lang="pt-BR" sz="2800" strike="noStrike" u="none">
+              <a:solidFill>
+                <a:srgbClr val="000000"/>
+              </a:solidFill>
+              <a:effectLst/>
+              <a:uFillTx/>
+              <a:latin typeface="Arial"/>
+            </a:endParaRPr>
+          </a:p>
+          <a:p>
+            <a:pPr lvl="1" marL="685800" indent="-228600" defTabSz="914400">
+              <a:lnSpc>
+                <a:spcPct val="90000"/>
+              </a:lnSpc>
+              <a:spcBef>
+                <a:spcPts val="499"/>
+              </a:spcBef>
+              <a:buClr>
+                <a:srgbClr val="000000"/>
+              </a:buClr>
+              <a:buFont typeface="Arial"/>
+              <a:buChar char="•"/>
+            </a:pPr>
+            <a:r>
+              <a:rPr b="0" lang="pt-BR" sz="2400" strike="noStrike" u="none">
+                <a:solidFill>
+                  <a:schemeClr val="dk1"/>
+                </a:solidFill>
+                <a:effectLst/>
+                <a:uFillTx/>
+                <a:latin typeface="Aptos"/>
+              </a:rPr>
+              <a:t>Segundo nível</a:t>
+            </a:r>
+            <a:endParaRPr b="0" lang="pt-BR" sz="2400" strike="noStrike" u="none">
+              <a:solidFill>
+                <a:srgbClr val="000000"/>
+              </a:solidFill>
+              <a:effectLst/>
+              <a:uFillTx/>
+              <a:latin typeface="Arial"/>
+            </a:endParaRPr>
+          </a:p>
+          <a:p>
+            <a:pPr lvl="2" marL="1143000" indent="-228600" defTabSz="914400">
+              <a:lnSpc>
+                <a:spcPct val="90000"/>
+              </a:lnSpc>
+              <a:spcBef>
+                <a:spcPts val="499"/>
+              </a:spcBef>
+              <a:buClr>
+                <a:srgbClr val="000000"/>
+              </a:buClr>
+              <a:buFont typeface="Arial"/>
+              <a:buChar char="•"/>
+            </a:pPr>
+            <a:r>
+              <a:rPr b="0" lang="pt-BR" sz="2000" strike="noStrike" u="none">
+                <a:solidFill>
+                  <a:schemeClr val="dk1"/>
+                </a:solidFill>
+                <a:effectLst/>
+                <a:uFillTx/>
+                <a:latin typeface="Aptos"/>
+              </a:rPr>
+              <a:t>Terceiro nível</a:t>
+            </a:r>
+            <a:endParaRPr b="0" lang="pt-BR" sz="2000" strike="noStrike" u="none">
+              <a:solidFill>
+                <a:srgbClr val="000000"/>
+              </a:solidFill>
+              <a:effectLst/>
+              <a:uFillTx/>
+              <a:latin typeface="Arial"/>
+            </a:endParaRPr>
+          </a:p>
+          <a:p>
+            <a:pPr lvl="3" marL="1600200" indent="-228600" defTabSz="914400">
+              <a:lnSpc>
+                <a:spcPct val="90000"/>
+              </a:lnSpc>
+              <a:spcBef>
+                <a:spcPts val="499"/>
+              </a:spcBef>
+              <a:buClr>
+                <a:srgbClr val="000000"/>
+              </a:buClr>
+              <a:buFont typeface="Arial"/>
+              <a:buChar char="•"/>
+            </a:pPr>
+            <a:r>
+              <a:rPr b="0" lang="pt-BR" sz="1800" strike="noStrike" u="none">
+                <a:solidFill>
+                  <a:schemeClr val="dk1"/>
+                </a:solidFill>
+                <a:effectLst/>
+                <a:uFillTx/>
+                <a:latin typeface="Aptos"/>
+              </a:rPr>
+              <a:t>Quarto nível</a:t>
+            </a:r>
+            <a:endParaRPr b="0" lang="pt-BR" sz="1800" strike="noStrike" u="none">
+              <a:solidFill>
+                <a:srgbClr val="000000"/>
+              </a:solidFill>
+              <a:effectLst/>
+              <a:uFillTx/>
+              <a:latin typeface="Arial"/>
+            </a:endParaRPr>
+          </a:p>
+          <a:p>
+            <a:pPr lvl="4" marL="2057400" indent="-228600" defTabSz="914400">
+              <a:lnSpc>
+                <a:spcPct val="90000"/>
+              </a:lnSpc>
+              <a:spcBef>
+                <a:spcPts val="499"/>
+              </a:spcBef>
+              <a:buClr>
+                <a:srgbClr val="000000"/>
+              </a:buClr>
+              <a:buFont typeface="Arial"/>
+              <a:buChar char="•"/>
+            </a:pPr>
+            <a:r>
+              <a:rPr b="0" lang="pt-BR" sz="1800" strike="noStrike" u="none">
+                <a:solidFill>
+                  <a:schemeClr val="dk1"/>
+                </a:solidFill>
+                <a:effectLst/>
+                <a:uFillTx/>
+                <a:latin typeface="Aptos"/>
+              </a:rPr>
+              <a:t>Quinto nível</a:t>
+            </a:r>
+            <a:endParaRPr b="0" lang="pt-BR" sz="1800" strike="noStrike" u="none">
+              <a:solidFill>
+                <a:srgbClr val="000000"/>
+              </a:solidFill>
+              <a:effectLst/>
+              <a:uFillTx/>
+              <a:latin typeface="Arial"/>
+            </a:endParaRPr>
+          </a:p>
+        </p:txBody>
+      </p:sp>
+      <p:sp>
+        <p:nvSpPr>
+          <p:cNvPr id="54" name="PlaceHolder 4"/>
+          <p:cNvSpPr>
+            <a:spLocks noGrp="1"/>
+          </p:cNvSpPr>
+          <p:nvPr>
+            <p:ph type="dt" idx="31"/>
+          </p:nvPr>
+        </p:nvSpPr>
+        <p:spPr>
+          <a:xfrm>
+            <a:off x="838080" y="6356520"/>
+            <a:ext cx="2740320" cy="362160"/>
+          </a:xfrm>
+          <a:prstGeom prst="rect">
+            <a:avLst/>
+          </a:prstGeom>
+          <a:noFill/>
+          <a:ln w="0">
+            <a:noFill/>
+          </a:ln>
+        </p:spPr>
+        <p:txBody>
+          <a:bodyPr lIns="91440" rIns="91440" tIns="45720" bIns="45720" anchor="ctr">
+            <a:noAutofit/>
+          </a:bodyPr>
+          <a:lstStyle>
+            <a:lvl1pPr indent="0" defTabSz="914400">
+              <a:lnSpc>
+                <a:spcPct val="100000"/>
+              </a:lnSpc>
+              <a:buNone/>
+              <a:tabLst>
+                <a:tab algn="l" pos="0"/>
+              </a:tabLst>
+              <a:defRPr b="0" lang="de-DE" sz="1200" strike="noStrike" u="none">
+                <a:solidFill>
+                  <a:schemeClr val="dk1">
+                    <a:tint val="82000"/>
+                  </a:schemeClr>
+                </a:solidFill>
+                <a:effectLst/>
+                <a:uFillTx/>
+                <a:latin typeface="Aptos"/>
+              </a:defRPr>
+            </a:lvl1pPr>
+          </a:lstStyle>
+          <a:p>
+            <a:pPr indent="0" defTabSz="914400">
+              <a:lnSpc>
+                <a:spcPct val="100000"/>
+              </a:lnSpc>
+              <a:buNone/>
+              <a:tabLst>
+                <a:tab algn="l" pos="0"/>
+              </a:tabLst>
+            </a:pPr>
+            <a:r>
+              <a:rPr b="0" lang="de-DE" sz="1200" strike="noStrike" u="none">
+                <a:solidFill>
+                  <a:schemeClr val="dk1">
+                    <a:tint val="82000"/>
+                  </a:schemeClr>
+                </a:solidFill>
+                <a:effectLst/>
+                <a:uFillTx/>
+                <a:latin typeface="Aptos"/>
+              </a:rPr>
+              <a:t>&lt;data/hora&gt;</a:t>
+            </a:r>
+            <a:endParaRPr b="0" lang="pt-BR" sz="1200" strike="noStrike" u="none">
+              <a:solidFill>
+                <a:srgbClr val="000000"/>
+              </a:solidFill>
+              <a:effectLst/>
+              <a:uFillTx/>
+              <a:latin typeface="Times New Roman"/>
+            </a:endParaRPr>
+          </a:p>
+        </p:txBody>
+      </p:sp>
+      <p:sp>
+        <p:nvSpPr>
+          <p:cNvPr id="55" name="PlaceHolder 5"/>
+          <p:cNvSpPr>
+            <a:spLocks noGrp="1"/>
+          </p:cNvSpPr>
+          <p:nvPr>
+            <p:ph type="ftr" idx="32"/>
+          </p:nvPr>
+        </p:nvSpPr>
+        <p:spPr>
+          <a:xfrm>
+            <a:off x="4038480" y="6356520"/>
+            <a:ext cx="4111920" cy="362160"/>
+          </a:xfrm>
+          <a:prstGeom prst="rect">
+            <a:avLst/>
+          </a:prstGeom>
+          <a:noFill/>
+          <a:ln w="0">
+            <a:noFill/>
+          </a:ln>
+        </p:spPr>
+        <p:txBody>
+          <a:bodyPr lIns="91440" rIns="91440" tIns="45720" bIns="45720" anchor="ctr">
+            <a:noAutofit/>
+          </a:bodyPr>
+          <a:lstStyle>
+            <a:lvl1pPr indent="0" algn="ctr">
+              <a:lnSpc>
+                <a:spcPct val="100000"/>
+              </a:lnSpc>
+              <a:buNone/>
+              <a:tabLst>
+                <a:tab algn="l" pos="0"/>
+              </a:tabLst>
+              <a:defRPr b="0" lang="pt-BR" sz="1400" strike="noStrike" u="none">
+                <a:solidFill>
+                  <a:srgbClr val="000000"/>
+                </a:solidFill>
+                <a:effectLst/>
+                <a:uFillTx/>
+                <a:latin typeface="Times New Roman"/>
+              </a:defRPr>
+            </a:lvl1pPr>
+          </a:lstStyle>
+          <a:p>
+            <a:pPr indent="0" algn="ctr">
+              <a:lnSpc>
+                <a:spcPct val="100000"/>
+              </a:lnSpc>
+              <a:buNone/>
+              <a:tabLst>
+                <a:tab algn="l" pos="0"/>
+              </a:tabLst>
+            </a:pPr>
+            <a:r>
+              <a:rPr b="0" lang="pt-BR" sz="1400" strike="noStrike" u="none">
+                <a:solidFill>
+                  <a:srgbClr val="000000"/>
+                </a:solidFill>
+                <a:effectLst/>
+                <a:uFillTx/>
+                <a:latin typeface="Times New Roman"/>
+              </a:rPr>
+              <a:t>&lt;rodapé&gt;</a:t>
+            </a:r>
+            <a:endParaRPr b="0" lang="pt-BR" sz="1400" strike="noStrike" u="none">
+              <a:solidFill>
+                <a:srgbClr val="000000"/>
+              </a:solidFill>
+              <a:effectLst/>
+              <a:uFillTx/>
+              <a:latin typeface="Times New Roman"/>
+            </a:endParaRPr>
+          </a:p>
+        </p:txBody>
+      </p:sp>
+      <p:sp>
+        <p:nvSpPr>
+          <p:cNvPr id="56" name="PlaceHolder 6"/>
+          <p:cNvSpPr>
+            <a:spLocks noGrp="1"/>
+          </p:cNvSpPr>
+          <p:nvPr>
+            <p:ph type="sldNum" idx="33"/>
+          </p:nvPr>
+        </p:nvSpPr>
+        <p:spPr>
+          <a:xfrm>
+            <a:off x="8610480" y="6356520"/>
+            <a:ext cx="2740320" cy="362160"/>
+          </a:xfrm>
+          <a:prstGeom prst="rect">
+            <a:avLst/>
+          </a:prstGeom>
+          <a:noFill/>
+          <a:ln w="0">
+            <a:noFill/>
+          </a:ln>
+        </p:spPr>
+        <p:txBody>
+          <a:bodyPr lIns="91440" rIns="91440" tIns="45720" bIns="45720" anchor="ctr">
+            <a:noAutofit/>
+          </a:bodyPr>
+          <a:lstStyle>
+            <a:lvl1pPr indent="0" algn="r" defTabSz="914400">
+              <a:lnSpc>
+                <a:spcPct val="100000"/>
+              </a:lnSpc>
+              <a:buNone/>
+              <a:tabLst>
+                <a:tab algn="l" pos="0"/>
+              </a:tabLst>
+              <a:defRPr b="0" lang="de-DE" sz="1200" strike="noStrike" u="none">
+                <a:solidFill>
+                  <a:schemeClr val="dk1">
+                    <a:tint val="82000"/>
+                  </a:schemeClr>
+                </a:solidFill>
+                <a:effectLst/>
+                <a:uFillTx/>
+                <a:latin typeface="Aptos"/>
+              </a:defRPr>
+            </a:lvl1pPr>
+          </a:lstStyle>
+          <a:p>
+            <a:pPr indent="0" algn="r" defTabSz="914400">
+              <a:lnSpc>
+                <a:spcPct val="100000"/>
+              </a:lnSpc>
+              <a:buNone/>
+              <a:tabLst>
+                <a:tab algn="l" pos="0"/>
+              </a:tabLst>
+            </a:pPr>
+            <a:fld id="{E541A4A6-25BA-4883-A00F-797D4F40E633}" type="slidenum">
+              <a:rPr b="0" lang="de-DE" sz="1200" strike="noStrike" u="none">
+                <a:solidFill>
+                  <a:schemeClr val="dk1">
+                    <a:tint val="82000"/>
+                  </a:schemeClr>
+                </a:solidFill>
+                <a:effectLst/>
+                <a:uFillTx/>
+                <a:latin typeface="Aptos"/>
+              </a:rPr>
+              <a:t>&lt;número&gt;</a:t>
+            </a:fld>
+            <a:endParaRPr b="0" lang="pt-BR" sz="1200" strike="noStrike" u="none">
+              <a:solidFill>
+                <a:srgbClr val="000000"/>
+              </a:solidFill>
+              <a:effectLst/>
+              <a:uFillTx/>
+              <a:latin typeface="Times New Roman"/>
+            </a:endParaRPr>
+          </a:p>
+        </p:txBody>
+      </p:sp>
+    </p:spTree>
+  </p:cSld>
+</p:sldLayout>
+</file>
+
+<file path=ppt/slideLayouts/slideLayout12.xml><?xml version="1.0" encoding="utf-8"?>
+<p:sldLayout xmlns:a="http://schemas.openxmlformats.org/drawingml/2006/main" xmlns:p="http://schemas.openxmlformats.org/presentationml/2006/main" xmlns:r="http://schemas.openxmlformats.org/officeDocument/2006/relationships" xmlns:p14="http://schemas.microsoft.com/office/powerpoint/2010/main" xmlns:p15="http://schemas.microsoft.com/office/powerpoint/2012/main" xmlns:mc="http://schemas.openxmlformats.org/markup-compatibility/2006" type="blank" preserve="1">
+  <p:cSld name="Comparação">
+    <p:bg>
+      <p:bgPr>
+        <a:solidFill>
+          <a:srgbClr val="ffffff"/>
+        </a:solidFill>
+      </p:bgPr>
+    </p:bg>
+    <p:spTree>
+      <p:nvGrpSpPr>
+        <p:cNvPr id="1" name=""/>
+        <p:cNvGrpSpPr/>
+        <p:nvPr/>
+      </p:nvGrpSpPr>
+      <p:grpSpPr>
+        <a:xfrm>
+          <a:off x="0" y="0"/>
+          <a:ext cx="0" cy="0"/>
+          <a:chOff x="0" y="0"/>
+          <a:chExt cx="0" cy="0"/>
+        </a:xfrm>
+      </p:grpSpPr>
+      <p:sp>
+        <p:nvSpPr>
+          <p:cNvPr id="57" name="PlaceHolder 1"/>
+          <p:cNvSpPr>
+            <a:spLocks noGrp="1"/>
+          </p:cNvSpPr>
+          <p:nvPr>
+            <p:ph type="title"/>
+          </p:nvPr>
+        </p:nvSpPr>
+        <p:spPr>
+          <a:xfrm>
+            <a:off x="839880" y="365040"/>
+            <a:ext cx="10512720" cy="1322640"/>
+          </a:xfrm>
+          <a:prstGeom prst="rect">
+            <a:avLst/>
+          </a:prstGeom>
+          <a:noFill/>
+          <a:ln w="0">
+            <a:noFill/>
+          </a:ln>
+        </p:spPr>
+        <p:txBody>
+          <a:bodyPr lIns="91440" rIns="91440" tIns="45720" bIns="45720" anchor="ctr">
+            <a:noAutofit/>
+          </a:bodyPr>
+          <a:p>
+            <a:pPr indent="0" defTabSz="914400">
+              <a:lnSpc>
+                <a:spcPct val="90000"/>
+              </a:lnSpc>
+              <a:buNone/>
+              <a:tabLst>
+                <a:tab algn="l" pos="0"/>
+              </a:tabLst>
+            </a:pPr>
+            <a:r>
+              <a:rPr b="0" lang="pt-BR" sz="4400" strike="noStrike" u="none">
+                <a:solidFill>
+                  <a:schemeClr val="dk1"/>
+                </a:solidFill>
+                <a:effectLst/>
+                <a:uFillTx/>
+                <a:latin typeface="Aptos Display"/>
+              </a:rPr>
+              <a:t>Clique para editar o título mestre</a:t>
+            </a:r>
+            <a:endParaRPr b="0" lang="pt-BR" sz="4400" strike="noStrike" u="none">
+              <a:solidFill>
+                <a:srgbClr val="000000"/>
+              </a:solidFill>
+              <a:effectLst/>
+              <a:uFillTx/>
+              <a:latin typeface="Arial"/>
+            </a:endParaRPr>
+          </a:p>
+        </p:txBody>
+      </p:sp>
+      <p:sp>
+        <p:nvSpPr>
+          <p:cNvPr id="58" name="PlaceHolder 2"/>
+          <p:cNvSpPr>
+            <a:spLocks noGrp="1"/>
+          </p:cNvSpPr>
+          <p:nvPr>
+            <p:ph type="body"/>
+          </p:nvPr>
+        </p:nvSpPr>
+        <p:spPr>
+          <a:xfrm>
+            <a:off x="839880" y="1681200"/>
+            <a:ext cx="5154840" cy="821160"/>
+          </a:xfrm>
+          <a:prstGeom prst="rect">
+            <a:avLst/>
+          </a:prstGeom>
+          <a:noFill/>
+          <a:ln w="0">
+            <a:noFill/>
+          </a:ln>
+        </p:spPr>
+        <p:txBody>
+          <a:bodyPr lIns="91440" rIns="91440" tIns="45720" bIns="45720" anchor="b">
+            <a:noAutofit/>
+          </a:bodyPr>
+          <a:p>
+            <a:pPr indent="0" defTabSz="914400">
+              <a:lnSpc>
+                <a:spcPct val="90000"/>
+              </a:lnSpc>
+              <a:spcBef>
+                <a:spcPts val="1001"/>
+              </a:spcBef>
+              <a:buNone/>
+              <a:tabLst>
+                <a:tab algn="l" pos="0"/>
+              </a:tabLst>
+            </a:pPr>
+            <a:r>
+              <a:rPr b="1" lang="pt-BR" sz="2400" strike="noStrike" u="none">
+                <a:solidFill>
+                  <a:schemeClr val="dk1"/>
+                </a:solidFill>
+                <a:effectLst/>
+                <a:uFillTx/>
+                <a:latin typeface="Aptos"/>
+              </a:rPr>
+              <a:t>Clique para editar o texto mestre</a:t>
+            </a:r>
+            <a:endParaRPr b="0" lang="pt-BR" sz="2400" strike="noStrike" u="none">
+              <a:solidFill>
+                <a:srgbClr val="000000"/>
+              </a:solidFill>
+              <a:effectLst/>
+              <a:uFillTx/>
+              <a:latin typeface="Arial"/>
+            </a:endParaRPr>
+          </a:p>
+        </p:txBody>
+      </p:sp>
+      <p:sp>
+        <p:nvSpPr>
+          <p:cNvPr id="59" name="PlaceHolder 3"/>
+          <p:cNvSpPr>
+            <a:spLocks noGrp="1"/>
+          </p:cNvSpPr>
+          <p:nvPr>
+            <p:ph type="body"/>
+          </p:nvPr>
+        </p:nvSpPr>
+        <p:spPr>
+          <a:xfrm>
+            <a:off x="839880" y="2505240"/>
+            <a:ext cx="5154840" cy="3681720"/>
+          </a:xfrm>
+          <a:prstGeom prst="rect">
+            <a:avLst/>
+          </a:prstGeom>
+          <a:noFill/>
+          <a:ln w="0">
+            <a:noFill/>
+          </a:ln>
+        </p:spPr>
+        <p:txBody>
+          <a:bodyPr lIns="91440" rIns="91440" tIns="45720" bIns="45720" anchor="t">
+            <a:noAutofit/>
+          </a:bodyPr>
+          <a:p>
+            <a:pPr marL="228600" indent="-228600" defTabSz="914400">
+              <a:lnSpc>
+                <a:spcPct val="90000"/>
+              </a:lnSpc>
+              <a:spcBef>
+                <a:spcPts val="1001"/>
+              </a:spcBef>
+              <a:buClr>
+                <a:srgbClr val="000000"/>
+              </a:buClr>
+              <a:buFont typeface="Arial"/>
+              <a:buChar char="•"/>
+            </a:pPr>
+            <a:r>
+              <a:rPr b="0" lang="pt-BR" sz="2800" strike="noStrike" u="none">
+                <a:solidFill>
+                  <a:schemeClr val="dk1"/>
+                </a:solidFill>
+                <a:effectLst/>
+                <a:uFillTx/>
+                <a:latin typeface="Aptos"/>
+              </a:rPr>
+              <a:t>Clique para editar o texto mestre</a:t>
+            </a:r>
+            <a:endParaRPr b="0" lang="pt-BR" sz="2800" strike="noStrike" u="none">
+              <a:solidFill>
+                <a:srgbClr val="000000"/>
+              </a:solidFill>
+              <a:effectLst/>
+              <a:uFillTx/>
+              <a:latin typeface="Arial"/>
+            </a:endParaRPr>
+          </a:p>
+          <a:p>
+            <a:pPr lvl="1" marL="685800" indent="-228600" defTabSz="914400">
+              <a:lnSpc>
+                <a:spcPct val="90000"/>
+              </a:lnSpc>
+              <a:spcBef>
+                <a:spcPts val="499"/>
+              </a:spcBef>
+              <a:buClr>
+                <a:srgbClr val="000000"/>
+              </a:buClr>
+              <a:buFont typeface="Arial"/>
+              <a:buChar char="•"/>
+            </a:pPr>
+            <a:r>
+              <a:rPr b="0" lang="pt-BR" sz="2400" strike="noStrike" u="none">
+                <a:solidFill>
+                  <a:schemeClr val="dk1"/>
+                </a:solidFill>
+                <a:effectLst/>
+                <a:uFillTx/>
+                <a:latin typeface="Aptos"/>
+              </a:rPr>
+              <a:t>Segundo nível</a:t>
+            </a:r>
+            <a:endParaRPr b="0" lang="pt-BR" sz="2400" strike="noStrike" u="none">
+              <a:solidFill>
+                <a:srgbClr val="000000"/>
+              </a:solidFill>
+              <a:effectLst/>
+              <a:uFillTx/>
+              <a:latin typeface="Arial"/>
+            </a:endParaRPr>
+          </a:p>
+          <a:p>
+            <a:pPr lvl="2" marL="1143000" indent="-228600" defTabSz="914400">
+              <a:lnSpc>
+                <a:spcPct val="90000"/>
+              </a:lnSpc>
+              <a:spcBef>
+                <a:spcPts val="499"/>
+              </a:spcBef>
+              <a:buClr>
+                <a:srgbClr val="000000"/>
+              </a:buClr>
+              <a:buFont typeface="Arial"/>
+              <a:buChar char="•"/>
+            </a:pPr>
+            <a:r>
+              <a:rPr b="0" lang="pt-BR" sz="2000" strike="noStrike" u="none">
+                <a:solidFill>
+                  <a:schemeClr val="dk1"/>
+                </a:solidFill>
+                <a:effectLst/>
+                <a:uFillTx/>
+                <a:latin typeface="Aptos"/>
+              </a:rPr>
+              <a:t>Terceiro nível</a:t>
+            </a:r>
+            <a:endParaRPr b="0" lang="pt-BR" sz="2000" strike="noStrike" u="none">
+              <a:solidFill>
+                <a:srgbClr val="000000"/>
+              </a:solidFill>
+              <a:effectLst/>
+              <a:uFillTx/>
+              <a:latin typeface="Arial"/>
+            </a:endParaRPr>
+          </a:p>
+          <a:p>
+            <a:pPr lvl="3" marL="1600200" indent="-228600" defTabSz="914400">
+              <a:lnSpc>
+                <a:spcPct val="90000"/>
+              </a:lnSpc>
+              <a:spcBef>
+                <a:spcPts val="499"/>
+              </a:spcBef>
+              <a:buClr>
+                <a:srgbClr val="000000"/>
+              </a:buClr>
+              <a:buFont typeface="Arial"/>
+              <a:buChar char="•"/>
+            </a:pPr>
+            <a:r>
+              <a:rPr b="0" lang="pt-BR" sz="1800" strike="noStrike" u="none">
+                <a:solidFill>
+                  <a:schemeClr val="dk1"/>
+                </a:solidFill>
+                <a:effectLst/>
+                <a:uFillTx/>
+                <a:latin typeface="Aptos"/>
+              </a:rPr>
+              <a:t>Quarto nível</a:t>
+            </a:r>
+            <a:endParaRPr b="0" lang="pt-BR" sz="1800" strike="noStrike" u="none">
+              <a:solidFill>
+                <a:srgbClr val="000000"/>
+              </a:solidFill>
+              <a:effectLst/>
+              <a:uFillTx/>
+              <a:latin typeface="Arial"/>
+            </a:endParaRPr>
+          </a:p>
+          <a:p>
+            <a:pPr lvl="4" marL="2057400" indent="-228600" defTabSz="914400">
+              <a:lnSpc>
+                <a:spcPct val="90000"/>
+              </a:lnSpc>
+              <a:spcBef>
+                <a:spcPts val="499"/>
+              </a:spcBef>
+              <a:buClr>
+                <a:srgbClr val="000000"/>
+              </a:buClr>
+              <a:buFont typeface="Arial"/>
+              <a:buChar char="•"/>
+            </a:pPr>
+            <a:r>
+              <a:rPr b="0" lang="pt-BR" sz="1800" strike="noStrike" u="none">
+                <a:solidFill>
+                  <a:schemeClr val="dk1"/>
+                </a:solidFill>
+                <a:effectLst/>
+                <a:uFillTx/>
+                <a:latin typeface="Aptos"/>
+              </a:rPr>
+              <a:t>Quinto nível</a:t>
+            </a:r>
+            <a:endParaRPr b="0" lang="pt-BR" sz="1800" strike="noStrike" u="none">
+              <a:solidFill>
+                <a:srgbClr val="000000"/>
+              </a:solidFill>
+              <a:effectLst/>
+              <a:uFillTx/>
+              <a:latin typeface="Arial"/>
+            </a:endParaRPr>
+          </a:p>
+        </p:txBody>
+      </p:sp>
+      <p:sp>
+        <p:nvSpPr>
+          <p:cNvPr id="60" name="PlaceHolder 4"/>
+          <p:cNvSpPr>
+            <a:spLocks noGrp="1"/>
+          </p:cNvSpPr>
+          <p:nvPr>
+            <p:ph type="body"/>
+          </p:nvPr>
+        </p:nvSpPr>
+        <p:spPr>
+          <a:xfrm>
+            <a:off x="6172200" y="1681200"/>
+            <a:ext cx="5180400" cy="821160"/>
+          </a:xfrm>
+          <a:prstGeom prst="rect">
+            <a:avLst/>
+          </a:prstGeom>
+          <a:noFill/>
+          <a:ln w="0">
+            <a:noFill/>
+          </a:ln>
+        </p:spPr>
+        <p:txBody>
+          <a:bodyPr lIns="91440" rIns="91440" tIns="45720" bIns="45720" anchor="b">
+            <a:noAutofit/>
+          </a:bodyPr>
+          <a:p>
+            <a:pPr indent="0" defTabSz="914400">
+              <a:lnSpc>
+                <a:spcPct val="90000"/>
+              </a:lnSpc>
+              <a:spcBef>
+                <a:spcPts val="1001"/>
+              </a:spcBef>
+              <a:buNone/>
+              <a:tabLst>
+                <a:tab algn="l" pos="0"/>
+              </a:tabLst>
+            </a:pPr>
+            <a:r>
+              <a:rPr b="1" lang="pt-BR" sz="2400" strike="noStrike" u="none">
+                <a:solidFill>
+                  <a:schemeClr val="dk1"/>
+                </a:solidFill>
+                <a:effectLst/>
+                <a:uFillTx/>
+                <a:latin typeface="Aptos"/>
+              </a:rPr>
+              <a:t>Clique para editar o texto mestre</a:t>
+            </a:r>
+            <a:endParaRPr b="0" lang="pt-BR" sz="2400" strike="noStrike" u="none">
+              <a:solidFill>
+                <a:srgbClr val="000000"/>
+              </a:solidFill>
+              <a:effectLst/>
+              <a:uFillTx/>
+              <a:latin typeface="Arial"/>
+            </a:endParaRPr>
+          </a:p>
+        </p:txBody>
+      </p:sp>
+      <p:sp>
+        <p:nvSpPr>
+          <p:cNvPr id="61" name="PlaceHolder 5"/>
+          <p:cNvSpPr>
+            <a:spLocks noGrp="1"/>
+          </p:cNvSpPr>
+          <p:nvPr>
+            <p:ph type="body"/>
+          </p:nvPr>
+        </p:nvSpPr>
+        <p:spPr>
+          <a:xfrm>
+            <a:off x="6172200" y="2505240"/>
+            <a:ext cx="5180400" cy="3681720"/>
+          </a:xfrm>
+          <a:prstGeom prst="rect">
+            <a:avLst/>
+          </a:prstGeom>
+          <a:noFill/>
+          <a:ln w="0">
+            <a:noFill/>
+          </a:ln>
+        </p:spPr>
+        <p:txBody>
+          <a:bodyPr lIns="91440" rIns="91440" tIns="45720" bIns="45720" anchor="t">
+            <a:noAutofit/>
+          </a:bodyPr>
+          <a:p>
+            <a:pPr marL="228600" indent="-228600" defTabSz="914400">
+              <a:lnSpc>
+                <a:spcPct val="90000"/>
+              </a:lnSpc>
+              <a:spcBef>
+                <a:spcPts val="1001"/>
+              </a:spcBef>
+              <a:buClr>
+                <a:srgbClr val="000000"/>
+              </a:buClr>
+              <a:buFont typeface="Arial"/>
+              <a:buChar char="•"/>
+            </a:pPr>
+            <a:r>
+              <a:rPr b="0" lang="pt-BR" sz="2800" strike="noStrike" u="none">
+                <a:solidFill>
+                  <a:schemeClr val="dk1"/>
+                </a:solidFill>
+                <a:effectLst/>
+                <a:uFillTx/>
+                <a:latin typeface="Aptos"/>
+              </a:rPr>
+              <a:t>Clique para editar o texto mestre</a:t>
+            </a:r>
+            <a:endParaRPr b="0" lang="pt-BR" sz="2800" strike="noStrike" u="none">
+              <a:solidFill>
+                <a:srgbClr val="000000"/>
+              </a:solidFill>
+              <a:effectLst/>
+              <a:uFillTx/>
+              <a:latin typeface="Arial"/>
+            </a:endParaRPr>
+          </a:p>
+          <a:p>
+            <a:pPr lvl="1" marL="685800" indent="-228600" defTabSz="914400">
+              <a:lnSpc>
+                <a:spcPct val="90000"/>
+              </a:lnSpc>
+              <a:spcBef>
+                <a:spcPts val="499"/>
+              </a:spcBef>
+              <a:buClr>
+                <a:srgbClr val="000000"/>
+              </a:buClr>
+              <a:buFont typeface="Arial"/>
+              <a:buChar char="•"/>
+            </a:pPr>
+            <a:r>
+              <a:rPr b="0" lang="pt-BR" sz="2400" strike="noStrike" u="none">
+                <a:solidFill>
+                  <a:schemeClr val="dk1"/>
+                </a:solidFill>
+                <a:effectLst/>
+                <a:uFillTx/>
+                <a:latin typeface="Aptos"/>
+              </a:rPr>
+              <a:t>Segundo nível</a:t>
+            </a:r>
+            <a:endParaRPr b="0" lang="pt-BR" sz="2400" strike="noStrike" u="none">
+              <a:solidFill>
+                <a:srgbClr val="000000"/>
+              </a:solidFill>
+              <a:effectLst/>
+              <a:uFillTx/>
+              <a:latin typeface="Arial"/>
+            </a:endParaRPr>
+          </a:p>
+          <a:p>
+            <a:pPr lvl="2" marL="1143000" indent="-228600" defTabSz="914400">
+              <a:lnSpc>
+                <a:spcPct val="90000"/>
+              </a:lnSpc>
+              <a:spcBef>
+                <a:spcPts val="499"/>
+              </a:spcBef>
+              <a:buClr>
+                <a:srgbClr val="000000"/>
+              </a:buClr>
+              <a:buFont typeface="Arial"/>
+              <a:buChar char="•"/>
+            </a:pPr>
+            <a:r>
+              <a:rPr b="0" lang="pt-BR" sz="2000" strike="noStrike" u="none">
+                <a:solidFill>
+                  <a:schemeClr val="dk1"/>
+                </a:solidFill>
+                <a:effectLst/>
+                <a:uFillTx/>
+                <a:latin typeface="Aptos"/>
+              </a:rPr>
+              <a:t>Terceiro nível</a:t>
+            </a:r>
+            <a:endParaRPr b="0" lang="pt-BR" sz="2000" strike="noStrike" u="none">
+              <a:solidFill>
+                <a:srgbClr val="000000"/>
+              </a:solidFill>
+              <a:effectLst/>
+              <a:uFillTx/>
+              <a:latin typeface="Arial"/>
+            </a:endParaRPr>
+          </a:p>
+          <a:p>
+            <a:pPr lvl="3" marL="1600200" indent="-228600" defTabSz="914400">
+              <a:lnSpc>
+                <a:spcPct val="90000"/>
+              </a:lnSpc>
+              <a:spcBef>
+                <a:spcPts val="499"/>
+              </a:spcBef>
+              <a:buClr>
+                <a:srgbClr val="000000"/>
+              </a:buClr>
+              <a:buFont typeface="Arial"/>
+              <a:buChar char="•"/>
+            </a:pPr>
+            <a:r>
+              <a:rPr b="0" lang="pt-BR" sz="1800" strike="noStrike" u="none">
+                <a:solidFill>
+                  <a:schemeClr val="dk1"/>
+                </a:solidFill>
+                <a:effectLst/>
+                <a:uFillTx/>
+                <a:latin typeface="Aptos"/>
+              </a:rPr>
+              <a:t>Quarto nível</a:t>
+            </a:r>
+            <a:endParaRPr b="0" lang="pt-BR" sz="1800" strike="noStrike" u="none">
+              <a:solidFill>
+                <a:srgbClr val="000000"/>
+              </a:solidFill>
+              <a:effectLst/>
+              <a:uFillTx/>
+              <a:latin typeface="Arial"/>
+            </a:endParaRPr>
+          </a:p>
+          <a:p>
+            <a:pPr lvl="4" marL="2057400" indent="-228600" defTabSz="914400">
+              <a:lnSpc>
+                <a:spcPct val="90000"/>
+              </a:lnSpc>
+              <a:spcBef>
+                <a:spcPts val="499"/>
+              </a:spcBef>
+              <a:buClr>
+                <a:srgbClr val="000000"/>
+              </a:buClr>
+              <a:buFont typeface="Arial"/>
+              <a:buChar char="•"/>
+            </a:pPr>
+            <a:r>
+              <a:rPr b="0" lang="pt-BR" sz="1800" strike="noStrike" u="none">
+                <a:solidFill>
+                  <a:schemeClr val="dk1"/>
+                </a:solidFill>
+                <a:effectLst/>
+                <a:uFillTx/>
+                <a:latin typeface="Aptos"/>
+              </a:rPr>
+              <a:t>Quinto nível</a:t>
+            </a:r>
+            <a:endParaRPr b="0" lang="pt-BR" sz="1800" strike="noStrike" u="none">
+              <a:solidFill>
+                <a:srgbClr val="000000"/>
+              </a:solidFill>
+              <a:effectLst/>
+              <a:uFillTx/>
+              <a:latin typeface="Arial"/>
+            </a:endParaRPr>
+          </a:p>
+        </p:txBody>
+      </p:sp>
+      <p:sp>
+        <p:nvSpPr>
+          <p:cNvPr id="62" name="PlaceHolder 6"/>
+          <p:cNvSpPr>
+            <a:spLocks noGrp="1"/>
+          </p:cNvSpPr>
+          <p:nvPr>
+            <p:ph type="dt" idx="34"/>
+          </p:nvPr>
+        </p:nvSpPr>
+        <p:spPr>
+          <a:xfrm>
+            <a:off x="838080" y="6356520"/>
+            <a:ext cx="2740320" cy="362160"/>
+          </a:xfrm>
+          <a:prstGeom prst="rect">
+            <a:avLst/>
+          </a:prstGeom>
+          <a:noFill/>
+          <a:ln w="0">
+            <a:noFill/>
+          </a:ln>
+        </p:spPr>
+        <p:txBody>
+          <a:bodyPr lIns="91440" rIns="91440" tIns="45720" bIns="45720" anchor="ctr">
+            <a:noAutofit/>
+          </a:bodyPr>
+          <a:lstStyle>
+            <a:lvl1pPr indent="0" defTabSz="914400">
+              <a:lnSpc>
+                <a:spcPct val="100000"/>
+              </a:lnSpc>
+              <a:buNone/>
+              <a:tabLst>
+                <a:tab algn="l" pos="0"/>
+              </a:tabLst>
+              <a:defRPr b="0" lang="de-DE" sz="1200" strike="noStrike" u="none">
+                <a:solidFill>
+                  <a:schemeClr val="dk1">
+                    <a:tint val="82000"/>
+                  </a:schemeClr>
+                </a:solidFill>
+                <a:effectLst/>
+                <a:uFillTx/>
+                <a:latin typeface="Aptos"/>
+              </a:defRPr>
+            </a:lvl1pPr>
+          </a:lstStyle>
+          <a:p>
+            <a:pPr indent="0" defTabSz="914400">
+              <a:lnSpc>
+                <a:spcPct val="100000"/>
+              </a:lnSpc>
+              <a:buNone/>
+              <a:tabLst>
+                <a:tab algn="l" pos="0"/>
+              </a:tabLst>
+            </a:pPr>
+            <a:r>
+              <a:rPr b="0" lang="de-DE" sz="1200" strike="noStrike" u="none">
+                <a:solidFill>
+                  <a:schemeClr val="dk1">
+                    <a:tint val="82000"/>
+                  </a:schemeClr>
+                </a:solidFill>
+                <a:effectLst/>
+                <a:uFillTx/>
+                <a:latin typeface="Aptos"/>
+              </a:rPr>
+              <a:t>&lt;data/hora&gt;</a:t>
+            </a:r>
+            <a:endParaRPr b="0" lang="pt-BR" sz="1200" strike="noStrike" u="none">
+              <a:solidFill>
+                <a:srgbClr val="000000"/>
+              </a:solidFill>
+              <a:effectLst/>
+              <a:uFillTx/>
+              <a:latin typeface="Times New Roman"/>
+            </a:endParaRPr>
+          </a:p>
+        </p:txBody>
+      </p:sp>
+      <p:sp>
+        <p:nvSpPr>
+          <p:cNvPr id="63" name="PlaceHolder 7"/>
+          <p:cNvSpPr>
+            <a:spLocks noGrp="1"/>
+          </p:cNvSpPr>
+          <p:nvPr>
+            <p:ph type="ftr" idx="35"/>
+          </p:nvPr>
+        </p:nvSpPr>
+        <p:spPr>
+          <a:xfrm>
+            <a:off x="4038480" y="6356520"/>
+            <a:ext cx="4111920" cy="362160"/>
+          </a:xfrm>
+          <a:prstGeom prst="rect">
+            <a:avLst/>
+          </a:prstGeom>
+          <a:noFill/>
+          <a:ln w="0">
+            <a:noFill/>
+          </a:ln>
+        </p:spPr>
+        <p:txBody>
+          <a:bodyPr lIns="91440" rIns="91440" tIns="45720" bIns="45720" anchor="ctr">
+            <a:noAutofit/>
+          </a:bodyPr>
+          <a:lstStyle>
+            <a:lvl1pPr indent="0" algn="ctr">
+              <a:lnSpc>
+                <a:spcPct val="100000"/>
+              </a:lnSpc>
+              <a:buNone/>
+              <a:tabLst>
+                <a:tab algn="l" pos="0"/>
+              </a:tabLst>
+              <a:defRPr b="0" lang="pt-BR" sz="1400" strike="noStrike" u="none">
+                <a:solidFill>
+                  <a:srgbClr val="000000"/>
+                </a:solidFill>
+                <a:effectLst/>
+                <a:uFillTx/>
+                <a:latin typeface="Times New Roman"/>
+              </a:defRPr>
+            </a:lvl1pPr>
+          </a:lstStyle>
+          <a:p>
+            <a:pPr indent="0" algn="ctr">
+              <a:lnSpc>
+                <a:spcPct val="100000"/>
+              </a:lnSpc>
+              <a:buNone/>
+              <a:tabLst>
+                <a:tab algn="l" pos="0"/>
+              </a:tabLst>
+            </a:pPr>
+            <a:r>
+              <a:rPr b="0" lang="pt-BR" sz="1400" strike="noStrike" u="none">
+                <a:solidFill>
+                  <a:srgbClr val="000000"/>
+                </a:solidFill>
+                <a:effectLst/>
+                <a:uFillTx/>
+                <a:latin typeface="Times New Roman"/>
+              </a:rPr>
+              <a:t>&lt;rodapé&gt;</a:t>
+            </a:r>
+            <a:endParaRPr b="0" lang="pt-BR" sz="1400" strike="noStrike" u="none">
+              <a:solidFill>
+                <a:srgbClr val="000000"/>
+              </a:solidFill>
+              <a:effectLst/>
+              <a:uFillTx/>
+              <a:latin typeface="Times New Roman"/>
+            </a:endParaRPr>
+          </a:p>
+        </p:txBody>
+      </p:sp>
+      <p:sp>
+        <p:nvSpPr>
+          <p:cNvPr id="64" name="PlaceHolder 8"/>
+          <p:cNvSpPr>
+            <a:spLocks noGrp="1"/>
+          </p:cNvSpPr>
+          <p:nvPr>
+            <p:ph type="sldNum" idx="36"/>
+          </p:nvPr>
+        </p:nvSpPr>
+        <p:spPr>
+          <a:xfrm>
+            <a:off x="8610480" y="6356520"/>
+            <a:ext cx="2740320" cy="362160"/>
+          </a:xfrm>
+          <a:prstGeom prst="rect">
+            <a:avLst/>
+          </a:prstGeom>
+          <a:noFill/>
+          <a:ln w="0">
+            <a:noFill/>
+          </a:ln>
+        </p:spPr>
+        <p:txBody>
+          <a:bodyPr lIns="91440" rIns="91440" tIns="45720" bIns="45720" anchor="ctr">
+            <a:noAutofit/>
+          </a:bodyPr>
+          <a:lstStyle>
+            <a:lvl1pPr indent="0" algn="r" defTabSz="914400">
+              <a:lnSpc>
+                <a:spcPct val="100000"/>
+              </a:lnSpc>
+              <a:buNone/>
+              <a:tabLst>
+                <a:tab algn="l" pos="0"/>
+              </a:tabLst>
+              <a:defRPr b="0" lang="de-DE" sz="1200" strike="noStrike" u="none">
+                <a:solidFill>
+                  <a:schemeClr val="dk1">
+                    <a:tint val="82000"/>
+                  </a:schemeClr>
+                </a:solidFill>
+                <a:effectLst/>
+                <a:uFillTx/>
+                <a:latin typeface="Aptos"/>
+              </a:defRPr>
+            </a:lvl1pPr>
+          </a:lstStyle>
+          <a:p>
+            <a:pPr indent="0" algn="r" defTabSz="914400">
+              <a:lnSpc>
+                <a:spcPct val="100000"/>
+              </a:lnSpc>
+              <a:buNone/>
+              <a:tabLst>
+                <a:tab algn="l" pos="0"/>
+              </a:tabLst>
+            </a:pPr>
+            <a:fld id="{D5FB72E0-8812-494B-8CA9-FD65879210FB}" type="slidenum">
+              <a:rPr b="0" lang="de-DE" sz="1200" strike="noStrike" u="none">
+                <a:solidFill>
+                  <a:schemeClr val="dk1">
+                    <a:tint val="82000"/>
+                  </a:schemeClr>
+                </a:solidFill>
+                <a:effectLst/>
+                <a:uFillTx/>
+                <a:latin typeface="Aptos"/>
+              </a:rPr>
+              <a:t>&lt;número&gt;</a:t>
+            </a:fld>
+            <a:endParaRPr b="0" lang="pt-BR" sz="1200" strike="noStrike" u="none">
+              <a:solidFill>
+                <a:srgbClr val="000000"/>
+              </a:solidFill>
+              <a:effectLst/>
+              <a:uFillTx/>
+              <a:latin typeface="Times New Roman"/>
+            </a:endParaRPr>
+          </a:p>
+        </p:txBody>
+      </p:sp>
+    </p:spTree>
+  </p:cSld>
+</p:sldLayout>
+</file>
+
+<file path=ppt/slideLayouts/slideLayout2.xml><?xml version="1.0" encoding="utf-8"?>
 <p:sldLayout xmlns:a="http://schemas.openxmlformats.org/drawingml/2006/main" xmlns:p="http://schemas.openxmlformats.org/presentationml/2006/main" xmlns:r="http://schemas.openxmlformats.org/officeDocument/2006/relationships" xmlns:p14="http://schemas.microsoft.com/office/powerpoint/2010/main" xmlns:p15="http://schemas.microsoft.com/office/powerpoint/2012/main" xmlns:mc="http://schemas.openxmlformats.org/markup-compatibility/2006" type="blank" preserve="1">
   <p:cSld name="Em branco">
     <p:bg>
@@ -649,18 +2353,18 @@
       </p:grpSpPr>
       <p:sp>
         <p:nvSpPr>
-          <p:cNvPr id="48" name="PlaceHolder 1"/>
+          <p:cNvPr id="4" name="PlaceHolder 1"/>
           <p:cNvSpPr>
             <a:spLocks noGrp="1"/>
           </p:cNvSpPr>
           <p:nvPr>
-            <p:ph type="dt" idx="28"/>
+            <p:ph type="dt" idx="4"/>
           </p:nvPr>
         </p:nvSpPr>
         <p:spPr>
           <a:xfrm>
             <a:off x="838080" y="6356520"/>
-            <a:ext cx="2741760" cy="363600"/>
+            <a:ext cx="2740320" cy="362160"/>
           </a:xfrm>
           <a:prstGeom prst="rect">
             <a:avLst/>
@@ -731,18 +2435,18 @@
       </p:sp>
       <p:sp>
         <p:nvSpPr>
-          <p:cNvPr id="49" name="PlaceHolder 2"/>
+          <p:cNvPr id="5" name="PlaceHolder 2"/>
           <p:cNvSpPr>
             <a:spLocks noGrp="1"/>
           </p:cNvSpPr>
           <p:nvPr>
-            <p:ph type="ftr" idx="29"/>
+            <p:ph type="ftr" idx="5"/>
           </p:nvPr>
         </p:nvSpPr>
         <p:spPr>
           <a:xfrm>
             <a:off x="4038480" y="6356520"/>
-            <a:ext cx="4113360" cy="363600"/>
+            <a:ext cx="4111920" cy="362160"/>
           </a:xfrm>
           <a:prstGeom prst="rect">
             <a:avLst/>
@@ -809,18 +2513,18 @@
       </p:sp>
       <p:sp>
         <p:nvSpPr>
-          <p:cNvPr id="50" name="PlaceHolder 3"/>
+          <p:cNvPr id="6" name="PlaceHolder 3"/>
           <p:cNvSpPr>
             <a:spLocks noGrp="1"/>
           </p:cNvSpPr>
           <p:nvPr>
-            <p:ph type="sldNum" idx="30"/>
+            <p:ph type="sldNum" idx="6"/>
           </p:nvPr>
         </p:nvSpPr>
         <p:spPr>
           <a:xfrm>
             <a:off x="8610480" y="6356520"/>
-            <a:ext cx="2741760" cy="363600"/>
+            <a:ext cx="2740320" cy="362160"/>
           </a:xfrm>
           <a:prstGeom prst="rect">
             <a:avLst/>
@@ -865,7 +2569,7 @@
                 <a:tab algn="l" pos="0"/>
               </a:tabLst>
             </a:pPr>
-            <a:fld id="{8CF88890-12CF-4D01-9943-4070A89D8725}" type="slidenum">
+            <a:fld id="{102D9042-62A7-48D1-A8CB-803FB77656D2}" type="slidenum">
               <a:rPr b="0" lang="de-DE" sz="1200" strike="noStrike" u="none">
                 <a:solidFill>
                   <a:schemeClr val="dk1">
@@ -891,7 +2595,7 @@
       </p:sp>
       <p:sp>
         <p:nvSpPr>
-          <p:cNvPr id="51" name="PlaceHolder 4"/>
+          <p:cNvPr id="7" name="PlaceHolder 4"/>
           <p:cNvSpPr>
             <a:spLocks noGrp="1"/>
           </p:cNvSpPr>
@@ -902,7 +2606,7 @@
         <p:spPr>
           <a:xfrm>
             <a:off x="609480" y="273600"/>
-            <a:ext cx="10972080" cy="1144440"/>
+            <a:ext cx="10970640" cy="1143000"/>
           </a:xfrm>
           <a:prstGeom prst="rect">
             <a:avLst/>
@@ -950,7 +2654,7 @@
       </p:sp>
       <p:sp>
         <p:nvSpPr>
-          <p:cNvPr id="52" name="PlaceHolder 5"/>
+          <p:cNvPr id="8" name="PlaceHolder 5"/>
           <p:cNvSpPr>
             <a:spLocks noGrp="1"/>
           </p:cNvSpPr>
@@ -961,7 +2665,7 @@
         <p:spPr>
           <a:xfrm>
             <a:off x="609480" y="1604520"/>
-            <a:ext cx="10972080" cy="3976920"/>
+            <a:ext cx="10970640" cy="3975480"/>
           </a:xfrm>
           <a:prstGeom prst="rect">
             <a:avLst/>
@@ -1227,7 +2931,7 @@
 </p:sldLayout>
 </file>
 
-<file path=ppt/slideLayouts/slideLayout11.xml><?xml version="1.0" encoding="utf-8"?>
+<file path=ppt/slideLayouts/slideLayout3.xml><?xml version="1.0" encoding="utf-8"?>
 <p:sldLayout xmlns:a="http://schemas.openxmlformats.org/drawingml/2006/main" xmlns:p="http://schemas.openxmlformats.org/presentationml/2006/main" xmlns:r="http://schemas.openxmlformats.org/officeDocument/2006/relationships" xmlns:p14="http://schemas.microsoft.com/office/powerpoint/2010/main" xmlns:p15="http://schemas.microsoft.com/office/powerpoint/2012/main" xmlns:mc="http://schemas.openxmlformats.org/markup-compatibility/2006" type="blank" preserve="1">
   <p:cSld name="Conteúdo com Legenda">
     <p:bg>
@@ -1253,7 +2957,7 @@
       </p:grpSpPr>
       <p:sp>
         <p:nvSpPr>
-          <p:cNvPr id="53" name="PlaceHolder 1"/>
+          <p:cNvPr id="9" name="PlaceHolder 1"/>
           <p:cNvSpPr>
             <a:spLocks noGrp="1"/>
           </p:cNvSpPr>
@@ -1264,7 +2968,7 @@
         <p:spPr>
           <a:xfrm>
             <a:off x="839880" y="457200"/>
-            <a:ext cx="3930840" cy="1598760"/>
+            <a:ext cx="3929400" cy="1597320"/>
           </a:xfrm>
           <a:prstGeom prst="rect">
             <a:avLst/>
@@ -1312,7 +3016,7 @@
       </p:sp>
       <p:sp>
         <p:nvSpPr>
-          <p:cNvPr id="54" name="PlaceHolder 2"/>
+          <p:cNvPr id="10" name="PlaceHolder 2"/>
           <p:cNvSpPr>
             <a:spLocks noGrp="1"/>
           </p:cNvSpPr>
@@ -1323,7 +3027,7 @@
         <p:spPr>
           <a:xfrm>
             <a:off x="5183280" y="987480"/>
-            <a:ext cx="6170760" cy="4872240"/>
+            <a:ext cx="6169320" cy="4870800"/>
           </a:xfrm>
           <a:prstGeom prst="rect">
             <a:avLst/>
@@ -1511,7 +3215,7 @@
       </p:sp>
       <p:sp>
         <p:nvSpPr>
-          <p:cNvPr id="55" name="PlaceHolder 3"/>
+          <p:cNvPr id="11" name="PlaceHolder 3"/>
           <p:cNvSpPr>
             <a:spLocks noGrp="1"/>
           </p:cNvSpPr>
@@ -1522,7 +3226,7 @@
         <p:spPr>
           <a:xfrm>
             <a:off x="839880" y="2057400"/>
-            <a:ext cx="3930840" cy="3810240"/>
+            <a:ext cx="3929400" cy="3808800"/>
           </a:xfrm>
           <a:prstGeom prst="rect">
             <a:avLst/>
@@ -1573,1806 +3277,7 @@
       </p:sp>
       <p:sp>
         <p:nvSpPr>
-          <p:cNvPr id="56" name="PlaceHolder 4"/>
-          <p:cNvSpPr>
-            <a:spLocks noGrp="1"/>
-          </p:cNvSpPr>
-          <p:nvPr>
-            <p:ph type="dt" idx="31"/>
-          </p:nvPr>
-        </p:nvSpPr>
-        <p:spPr>
-          <a:xfrm>
-            <a:off x="838080" y="6356520"/>
-            <a:ext cx="2741760" cy="363600"/>
-          </a:xfrm>
-          <a:prstGeom prst="rect">
-            <a:avLst/>
-          </a:prstGeom>
-          <a:noFill/>
-          <a:ln w="0">
-            <a:noFill/>
-          </a:ln>
-        </p:spPr>
-        <p:txBody>
-          <a:bodyPr lIns="91440" rIns="91440" tIns="45720" bIns="45720" anchor="ctr">
-            <a:noAutofit/>
-          </a:bodyPr>
-          <a:lstStyle>
-            <a:lvl1pPr indent="0" defTabSz="914400">
-              <a:lnSpc>
-                <a:spcPct val="100000"/>
-              </a:lnSpc>
-              <a:buNone/>
-              <a:tabLst>
-                <a:tab algn="l" pos="0"/>
-              </a:tabLst>
-              <a:defRPr b="0" lang="de-DE" sz="1200" strike="noStrike" u="none">
-                <a:solidFill>
-                  <a:schemeClr val="dk1">
-                    <a:tint val="82000"/>
-                  </a:schemeClr>
-                </a:solidFill>
-                <a:effectLst/>
-                <a:uFillTx/>
-                <a:latin typeface="Aptos"/>
-              </a:defRPr>
-            </a:lvl1pPr>
-          </a:lstStyle>
-          <a:p>
-            <a:pPr indent="0" defTabSz="914400">
-              <a:lnSpc>
-                <a:spcPct val="100000"/>
-              </a:lnSpc>
-              <a:buNone/>
-              <a:tabLst>
-                <a:tab algn="l" pos="0"/>
-              </a:tabLst>
-            </a:pPr>
-            <a:r>
-              <a:rPr b="0" lang="de-DE" sz="1200" strike="noStrike" u="none">
-                <a:solidFill>
-                  <a:schemeClr val="dk1">
-                    <a:tint val="82000"/>
-                  </a:schemeClr>
-                </a:solidFill>
-                <a:effectLst/>
-                <a:uFillTx/>
-                <a:latin typeface="Aptos"/>
-              </a:rPr>
-              <a:t>&lt;data/hora&gt;</a:t>
-            </a:r>
-            <a:endParaRPr b="0" lang="pt-BR" sz="1200" strike="noStrike" u="none">
-              <a:solidFill>
-                <a:srgbClr val="000000"/>
-              </a:solidFill>
-              <a:effectLst/>
-              <a:uFillTx/>
-              <a:latin typeface="Times New Roman"/>
-            </a:endParaRPr>
-          </a:p>
-        </p:txBody>
-      </p:sp>
-      <p:sp>
-        <p:nvSpPr>
-          <p:cNvPr id="57" name="PlaceHolder 5"/>
-          <p:cNvSpPr>
-            <a:spLocks noGrp="1"/>
-          </p:cNvSpPr>
-          <p:nvPr>
-            <p:ph type="ftr" idx="32"/>
-          </p:nvPr>
-        </p:nvSpPr>
-        <p:spPr>
-          <a:xfrm>
-            <a:off x="4038480" y="6356520"/>
-            <a:ext cx="4113360" cy="363600"/>
-          </a:xfrm>
-          <a:prstGeom prst="rect">
-            <a:avLst/>
-          </a:prstGeom>
-          <a:noFill/>
-          <a:ln w="0">
-            <a:noFill/>
-          </a:ln>
-        </p:spPr>
-        <p:txBody>
-          <a:bodyPr lIns="91440" rIns="91440" tIns="45720" bIns="45720" anchor="ctr">
-            <a:noAutofit/>
-          </a:bodyPr>
-          <a:lstStyle>
-            <a:lvl1pPr indent="0" algn="ctr">
-              <a:lnSpc>
-                <a:spcPct val="100000"/>
-              </a:lnSpc>
-              <a:buNone/>
-              <a:tabLst>
-                <a:tab algn="l" pos="0"/>
-              </a:tabLst>
-              <a:defRPr b="0" lang="pt-BR" sz="1400" strike="noStrike" u="none">
-                <a:solidFill>
-                  <a:srgbClr val="000000"/>
-                </a:solidFill>
-                <a:effectLst/>
-                <a:uFillTx/>
-                <a:latin typeface="Times New Roman"/>
-              </a:defRPr>
-            </a:lvl1pPr>
-          </a:lstStyle>
-          <a:p>
-            <a:pPr indent="0" algn="ctr">
-              <a:lnSpc>
-                <a:spcPct val="100000"/>
-              </a:lnSpc>
-              <a:buNone/>
-              <a:tabLst>
-                <a:tab algn="l" pos="0"/>
-              </a:tabLst>
-            </a:pPr>
-            <a:r>
-              <a:rPr b="0" lang="pt-BR" sz="1400" strike="noStrike" u="none">
-                <a:solidFill>
-                  <a:srgbClr val="000000"/>
-                </a:solidFill>
-                <a:effectLst/>
-                <a:uFillTx/>
-                <a:latin typeface="Times New Roman"/>
-              </a:rPr>
-              <a:t>&lt;rodapé&gt;</a:t>
-            </a:r>
-            <a:endParaRPr b="0" lang="pt-BR" sz="1400" strike="noStrike" u="none">
-              <a:solidFill>
-                <a:srgbClr val="000000"/>
-              </a:solidFill>
-              <a:effectLst/>
-              <a:uFillTx/>
-              <a:latin typeface="Times New Roman"/>
-            </a:endParaRPr>
-          </a:p>
-        </p:txBody>
-      </p:sp>
-      <p:sp>
-        <p:nvSpPr>
-          <p:cNvPr id="58" name="PlaceHolder 6"/>
-          <p:cNvSpPr>
-            <a:spLocks noGrp="1"/>
-          </p:cNvSpPr>
-          <p:nvPr>
-            <p:ph type="sldNum" idx="33"/>
-          </p:nvPr>
-        </p:nvSpPr>
-        <p:spPr>
-          <a:xfrm>
-            <a:off x="8610480" y="6356520"/>
-            <a:ext cx="2741760" cy="363600"/>
-          </a:xfrm>
-          <a:prstGeom prst="rect">
-            <a:avLst/>
-          </a:prstGeom>
-          <a:noFill/>
-          <a:ln w="0">
-            <a:noFill/>
-          </a:ln>
-        </p:spPr>
-        <p:txBody>
-          <a:bodyPr lIns="91440" rIns="91440" tIns="45720" bIns="45720" anchor="ctr">
-            <a:noAutofit/>
-          </a:bodyPr>
-          <a:lstStyle>
-            <a:lvl1pPr indent="0" algn="r" defTabSz="914400">
-              <a:lnSpc>
-                <a:spcPct val="100000"/>
-              </a:lnSpc>
-              <a:buNone/>
-              <a:tabLst>
-                <a:tab algn="l" pos="0"/>
-              </a:tabLst>
-              <a:defRPr b="0" lang="de-DE" sz="1200" strike="noStrike" u="none">
-                <a:solidFill>
-                  <a:schemeClr val="dk1">
-                    <a:tint val="82000"/>
-                  </a:schemeClr>
-                </a:solidFill>
-                <a:effectLst/>
-                <a:uFillTx/>
-                <a:latin typeface="Aptos"/>
-              </a:defRPr>
-            </a:lvl1pPr>
-          </a:lstStyle>
-          <a:p>
-            <a:pPr indent="0" algn="r" defTabSz="914400">
-              <a:lnSpc>
-                <a:spcPct val="100000"/>
-              </a:lnSpc>
-              <a:buNone/>
-              <a:tabLst>
-                <a:tab algn="l" pos="0"/>
-              </a:tabLst>
-            </a:pPr>
-            <a:fld id="{AE6B02C0-BC59-426B-9CD8-BBAB1E0B221F}" type="slidenum">
-              <a:rPr b="0" lang="de-DE" sz="1200" strike="noStrike" u="none">
-                <a:solidFill>
-                  <a:schemeClr val="dk1">
-                    <a:tint val="82000"/>
-                  </a:schemeClr>
-                </a:solidFill>
-                <a:effectLst/>
-                <a:uFillTx/>
-                <a:latin typeface="Aptos"/>
-              </a:rPr>
-              <a:t>&lt;número&gt;</a:t>
-            </a:fld>
-            <a:endParaRPr b="0" lang="pt-BR" sz="1200" strike="noStrike" u="none">
-              <a:solidFill>
-                <a:srgbClr val="000000"/>
-              </a:solidFill>
-              <a:effectLst/>
-              <a:uFillTx/>
-              <a:latin typeface="Times New Roman"/>
-            </a:endParaRPr>
-          </a:p>
-        </p:txBody>
-      </p:sp>
-    </p:spTree>
-  </p:cSld>
-</p:sldLayout>
-</file>
-
-<file path=ppt/slideLayouts/slideLayout12.xml><?xml version="1.0" encoding="utf-8"?>
-<p:sldLayout xmlns:a="http://schemas.openxmlformats.org/drawingml/2006/main" xmlns:p="http://schemas.openxmlformats.org/presentationml/2006/main" xmlns:r="http://schemas.openxmlformats.org/officeDocument/2006/relationships" xmlns:p14="http://schemas.microsoft.com/office/powerpoint/2010/main" xmlns:p15="http://schemas.microsoft.com/office/powerpoint/2012/main" xmlns:mc="http://schemas.openxmlformats.org/markup-compatibility/2006" type="blank" preserve="1">
-  <p:cSld name="Imagem com Legenda">
-    <p:bg>
-      <p:bgPr>
-        <a:solidFill>
-          <a:srgbClr val="ffffff"/>
-        </a:solidFill>
-      </p:bgPr>
-    </p:bg>
-    <p:spTree>
-      <p:nvGrpSpPr>
-        <p:cNvPr id="1" name=""/>
-        <p:cNvGrpSpPr/>
-        <p:nvPr/>
-      </p:nvGrpSpPr>
-      <p:grpSpPr>
-        <a:xfrm>
-          <a:off x="0" y="0"/>
-          <a:ext cx="0" cy="0"/>
-          <a:chOff x="0" y="0"/>
-          <a:chExt cx="0" cy="0"/>
-        </a:xfrm>
-      </p:grpSpPr>
-      <p:sp>
-        <p:nvSpPr>
-          <p:cNvPr id="59" name="PlaceHolder 1"/>
-          <p:cNvSpPr>
-            <a:spLocks noGrp="1"/>
-          </p:cNvSpPr>
-          <p:nvPr>
-            <p:ph type="title"/>
-          </p:nvPr>
-        </p:nvSpPr>
-        <p:spPr>
-          <a:xfrm>
-            <a:off x="839880" y="457200"/>
-            <a:ext cx="3930840" cy="1598760"/>
-          </a:xfrm>
-          <a:prstGeom prst="rect">
-            <a:avLst/>
-          </a:prstGeom>
-          <a:noFill/>
-          <a:ln w="0">
-            <a:noFill/>
-          </a:ln>
-        </p:spPr>
-        <p:txBody>
-          <a:bodyPr lIns="91440" rIns="91440" tIns="45720" bIns="45720" anchor="b">
-            <a:noAutofit/>
-          </a:bodyPr>
-          <a:p>
-            <a:pPr indent="0" defTabSz="914400">
-              <a:lnSpc>
-                <a:spcPct val="90000"/>
-              </a:lnSpc>
-              <a:buNone/>
-              <a:tabLst>
-                <a:tab algn="l" pos="0"/>
-              </a:tabLst>
-            </a:pPr>
-            <a:r>
-              <a:rPr b="0" lang="pt-BR" sz="3200" strike="noStrike" u="none">
-                <a:solidFill>
-                  <a:schemeClr val="dk1"/>
-                </a:solidFill>
-                <a:effectLst/>
-                <a:uFillTx/>
-                <a:latin typeface="Aptos Display"/>
-              </a:rPr>
-              <a:t>Clique para editar o título mestre</a:t>
-            </a:r>
-            <a:endParaRPr b="0" lang="pt-BR" sz="3200" strike="noStrike" u="none">
-              <a:solidFill>
-                <a:srgbClr val="000000"/>
-              </a:solidFill>
-              <a:effectLst/>
-              <a:uFillTx/>
-              <a:latin typeface="Arial"/>
-            </a:endParaRPr>
-          </a:p>
-        </p:txBody>
-      </p:sp>
-      <p:sp>
-        <p:nvSpPr>
-          <p:cNvPr id="60" name="PlaceHolder 2"/>
-          <p:cNvSpPr>
-            <a:spLocks noGrp="1"/>
-          </p:cNvSpPr>
-          <p:nvPr>
-            <p:ph type="body"/>
-          </p:nvPr>
-        </p:nvSpPr>
-        <p:spPr>
-          <a:xfrm>
-            <a:off x="5183280" y="987480"/>
-            <a:ext cx="6170760" cy="4872240"/>
-          </a:xfrm>
-          <a:prstGeom prst="rect">
-            <a:avLst/>
-          </a:prstGeom>
-          <a:noFill/>
-          <a:ln w="0">
-            <a:noFill/>
-          </a:ln>
-        </p:spPr>
-        <p:txBody>
-          <a:bodyPr lIns="90000" rIns="90000" tIns="45000" bIns="45000" anchor="t">
-            <a:noAutofit/>
-          </a:bodyPr>
-          <a:p>
-            <a:pPr marL="432000" indent="-324000">
-              <a:lnSpc>
-                <a:spcPct val="90000"/>
-              </a:lnSpc>
-              <a:spcBef>
-                <a:spcPts val="1417"/>
-              </a:spcBef>
-              <a:buClr>
-                <a:srgbClr val="000000"/>
-              </a:buClr>
-              <a:buSzPct val="45000"/>
-              <a:buFont typeface="Wingdings" charset="2"/>
-              <a:buChar char=""/>
-            </a:pPr>
-            <a:r>
-              <a:rPr b="0" lang="de-DE" sz="3200" strike="noStrike" u="none">
-                <a:solidFill>
-                  <a:schemeClr val="dk1"/>
-                </a:solidFill>
-                <a:effectLst/>
-                <a:uFillTx/>
-                <a:latin typeface="Aptos"/>
-              </a:rPr>
-              <a:t>Clique para editar o formato de texto dos tópicos</a:t>
-            </a:r>
-            <a:endParaRPr b="0" lang="pt-BR" sz="3200" strike="noStrike" u="none">
-              <a:solidFill>
-                <a:srgbClr val="000000"/>
-              </a:solidFill>
-              <a:effectLst/>
-              <a:uFillTx/>
-              <a:latin typeface="Arial"/>
-            </a:endParaRPr>
-          </a:p>
-          <a:p>
-            <a:pPr lvl="1" marL="864000" indent="-324000">
-              <a:lnSpc>
-                <a:spcPct val="90000"/>
-              </a:lnSpc>
-              <a:spcBef>
-                <a:spcPts val="1134"/>
-              </a:spcBef>
-              <a:buClr>
-                <a:srgbClr val="000000"/>
-              </a:buClr>
-              <a:buSzPct val="75000"/>
-              <a:buFont typeface="Symbol" charset="2"/>
-              <a:buChar char=""/>
-            </a:pPr>
-            <a:r>
-              <a:rPr b="0" lang="de-DE" sz="3200" strike="noStrike" u="none">
-                <a:solidFill>
-                  <a:schemeClr val="dk1"/>
-                </a:solidFill>
-                <a:effectLst/>
-                <a:uFillTx/>
-                <a:latin typeface="Aptos"/>
-              </a:rPr>
-              <a:t>2.º nível de tópicos</a:t>
-            </a:r>
-            <a:endParaRPr b="0" lang="pt-BR" sz="3200" strike="noStrike" u="none">
-              <a:solidFill>
-                <a:srgbClr val="000000"/>
-              </a:solidFill>
-              <a:effectLst/>
-              <a:uFillTx/>
-              <a:latin typeface="Arial"/>
-            </a:endParaRPr>
-          </a:p>
-          <a:p>
-            <a:pPr lvl="2" marL="1296000" indent="-288000">
-              <a:lnSpc>
-                <a:spcPct val="90000"/>
-              </a:lnSpc>
-              <a:spcBef>
-                <a:spcPts val="850"/>
-              </a:spcBef>
-              <a:buClr>
-                <a:srgbClr val="000000"/>
-              </a:buClr>
-              <a:buSzPct val="45000"/>
-              <a:buFont typeface="Wingdings" charset="2"/>
-              <a:buChar char=""/>
-            </a:pPr>
-            <a:r>
-              <a:rPr b="0" lang="de-DE" sz="3200" strike="noStrike" u="none">
-                <a:solidFill>
-                  <a:schemeClr val="dk1"/>
-                </a:solidFill>
-                <a:effectLst/>
-                <a:uFillTx/>
-                <a:latin typeface="Aptos"/>
-              </a:rPr>
-              <a:t>3.º nível de tópicos</a:t>
-            </a:r>
-            <a:endParaRPr b="0" lang="pt-BR" sz="3200" strike="noStrike" u="none">
-              <a:solidFill>
-                <a:srgbClr val="000000"/>
-              </a:solidFill>
-              <a:effectLst/>
-              <a:uFillTx/>
-              <a:latin typeface="Arial"/>
-            </a:endParaRPr>
-          </a:p>
-          <a:p>
-            <a:pPr lvl="3" marL="1728000" indent="-216000">
-              <a:lnSpc>
-                <a:spcPct val="90000"/>
-              </a:lnSpc>
-              <a:spcBef>
-                <a:spcPts val="567"/>
-              </a:spcBef>
-              <a:buClr>
-                <a:srgbClr val="000000"/>
-              </a:buClr>
-              <a:buSzPct val="75000"/>
-              <a:buFont typeface="Symbol" charset="2"/>
-              <a:buChar char=""/>
-            </a:pPr>
-            <a:r>
-              <a:rPr b="0" lang="de-DE" sz="3200" strike="noStrike" u="none">
-                <a:solidFill>
-                  <a:schemeClr val="dk1"/>
-                </a:solidFill>
-                <a:effectLst/>
-                <a:uFillTx/>
-                <a:latin typeface="Aptos"/>
-              </a:rPr>
-              <a:t>4.º nível de tópicos</a:t>
-            </a:r>
-            <a:endParaRPr b="0" lang="pt-BR" sz="3200" strike="noStrike" u="none">
-              <a:solidFill>
-                <a:srgbClr val="000000"/>
-              </a:solidFill>
-              <a:effectLst/>
-              <a:uFillTx/>
-              <a:latin typeface="Arial"/>
-            </a:endParaRPr>
-          </a:p>
-          <a:p>
-            <a:pPr lvl="4" marL="2160000" indent="-216000">
-              <a:lnSpc>
-                <a:spcPct val="90000"/>
-              </a:lnSpc>
-              <a:spcBef>
-                <a:spcPts val="283"/>
-              </a:spcBef>
-              <a:buClr>
-                <a:srgbClr val="000000"/>
-              </a:buClr>
-              <a:buSzPct val="45000"/>
-              <a:buFont typeface="Wingdings" charset="2"/>
-              <a:buChar char=""/>
-            </a:pPr>
-            <a:r>
-              <a:rPr b="0" lang="de-DE" sz="3200" strike="noStrike" u="none">
-                <a:solidFill>
-                  <a:schemeClr val="dk1"/>
-                </a:solidFill>
-                <a:effectLst/>
-                <a:uFillTx/>
-                <a:latin typeface="Aptos"/>
-              </a:rPr>
-              <a:t>5.º nível de tópicos</a:t>
-            </a:r>
-            <a:endParaRPr b="0" lang="pt-BR" sz="3200" strike="noStrike" u="none">
-              <a:solidFill>
-                <a:srgbClr val="000000"/>
-              </a:solidFill>
-              <a:effectLst/>
-              <a:uFillTx/>
-              <a:latin typeface="Arial"/>
-            </a:endParaRPr>
-          </a:p>
-          <a:p>
-            <a:pPr lvl="5" marL="2592000" indent="-216000">
-              <a:lnSpc>
-                <a:spcPct val="90000"/>
-              </a:lnSpc>
-              <a:spcBef>
-                <a:spcPts val="283"/>
-              </a:spcBef>
-              <a:buClr>
-                <a:srgbClr val="000000"/>
-              </a:buClr>
-              <a:buSzPct val="45000"/>
-              <a:buFont typeface="Wingdings" charset="2"/>
-              <a:buChar char=""/>
-            </a:pPr>
-            <a:r>
-              <a:rPr b="0" lang="de-DE" sz="3200" strike="noStrike" u="none">
-                <a:solidFill>
-                  <a:schemeClr val="dk1"/>
-                </a:solidFill>
-                <a:effectLst/>
-                <a:uFillTx/>
-                <a:latin typeface="Aptos"/>
-              </a:rPr>
-              <a:t>6.º nível de tópicos</a:t>
-            </a:r>
-            <a:endParaRPr b="0" lang="pt-BR" sz="3200" strike="noStrike" u="none">
-              <a:solidFill>
-                <a:srgbClr val="000000"/>
-              </a:solidFill>
-              <a:effectLst/>
-              <a:uFillTx/>
-              <a:latin typeface="Arial"/>
-            </a:endParaRPr>
-          </a:p>
-          <a:p>
-            <a:pPr lvl="6" marL="3024000" indent="-216000">
-              <a:lnSpc>
-                <a:spcPct val="90000"/>
-              </a:lnSpc>
-              <a:spcBef>
-                <a:spcPts val="283"/>
-              </a:spcBef>
-              <a:buClr>
-                <a:srgbClr val="000000"/>
-              </a:buClr>
-              <a:buSzPct val="45000"/>
-              <a:buFont typeface="Wingdings" charset="2"/>
-              <a:buChar char=""/>
-            </a:pPr>
-            <a:r>
-              <a:rPr b="0" lang="de-DE" sz="3200" strike="noStrike" u="none">
-                <a:solidFill>
-                  <a:schemeClr val="dk1"/>
-                </a:solidFill>
-                <a:effectLst/>
-                <a:uFillTx/>
-                <a:latin typeface="Aptos"/>
-              </a:rPr>
-              <a:t>7.º nível de tópicos</a:t>
-            </a:r>
-            <a:endParaRPr b="0" lang="pt-BR" sz="3200" strike="noStrike" u="none">
-              <a:solidFill>
-                <a:srgbClr val="000000"/>
-              </a:solidFill>
-              <a:effectLst/>
-              <a:uFillTx/>
-              <a:latin typeface="Arial"/>
-            </a:endParaRPr>
-          </a:p>
-        </p:txBody>
-      </p:sp>
-      <p:sp>
-        <p:nvSpPr>
-          <p:cNvPr id="61" name="PlaceHolder 3"/>
-          <p:cNvSpPr>
-            <a:spLocks noGrp="1"/>
-          </p:cNvSpPr>
-          <p:nvPr>
-            <p:ph type="body"/>
-          </p:nvPr>
-        </p:nvSpPr>
-        <p:spPr>
-          <a:xfrm>
-            <a:off x="839880" y="2057400"/>
-            <a:ext cx="3930840" cy="3810240"/>
-          </a:xfrm>
-          <a:prstGeom prst="rect">
-            <a:avLst/>
-          </a:prstGeom>
-          <a:noFill/>
-          <a:ln w="0">
-            <a:noFill/>
-          </a:ln>
-        </p:spPr>
-        <p:txBody>
-          <a:bodyPr lIns="91440" rIns="91440" tIns="45720" bIns="45720" anchor="t">
-            <a:noAutofit/>
-          </a:bodyPr>
-          <a:p>
-            <a:pPr indent="0" defTabSz="914400">
-              <a:lnSpc>
-                <a:spcPct val="90000"/>
-              </a:lnSpc>
-              <a:spcBef>
-                <a:spcPts val="1001"/>
-              </a:spcBef>
-              <a:buNone/>
-              <a:tabLst>
-                <a:tab algn="l" pos="0"/>
-              </a:tabLst>
-            </a:pPr>
-            <a:r>
-              <a:rPr b="0" lang="pt-BR" sz="1600" strike="noStrike" u="none">
-                <a:solidFill>
-                  <a:schemeClr val="dk1"/>
-                </a:solidFill>
-                <a:effectLst/>
-                <a:uFillTx/>
-                <a:latin typeface="Aptos"/>
-              </a:rPr>
-              <a:t>Clique para editar o texto mestre</a:t>
-            </a:r>
-            <a:endParaRPr b="0" lang="pt-BR" sz="1600" strike="noStrike" u="none">
-              <a:solidFill>
-                <a:srgbClr val="000000"/>
-              </a:solidFill>
-              <a:effectLst/>
-              <a:uFillTx/>
-              <a:latin typeface="Arial"/>
-            </a:endParaRPr>
-          </a:p>
-        </p:txBody>
-      </p:sp>
-      <p:sp>
-        <p:nvSpPr>
-          <p:cNvPr id="62" name="PlaceHolder 4"/>
-          <p:cNvSpPr>
-            <a:spLocks noGrp="1"/>
-          </p:cNvSpPr>
-          <p:nvPr>
-            <p:ph type="dt" idx="34"/>
-          </p:nvPr>
-        </p:nvSpPr>
-        <p:spPr>
-          <a:xfrm>
-            <a:off x="838080" y="6356520"/>
-            <a:ext cx="2741760" cy="363600"/>
-          </a:xfrm>
-          <a:prstGeom prst="rect">
-            <a:avLst/>
-          </a:prstGeom>
-          <a:noFill/>
-          <a:ln w="0">
-            <a:noFill/>
-          </a:ln>
-        </p:spPr>
-        <p:txBody>
-          <a:bodyPr lIns="91440" rIns="91440" tIns="45720" bIns="45720" anchor="ctr">
-            <a:noAutofit/>
-          </a:bodyPr>
-          <a:lstStyle>
-            <a:lvl1pPr indent="0" defTabSz="914400">
-              <a:lnSpc>
-                <a:spcPct val="100000"/>
-              </a:lnSpc>
-              <a:buNone/>
-              <a:tabLst>
-                <a:tab algn="l" pos="0"/>
-              </a:tabLst>
-              <a:defRPr b="0" lang="de-DE" sz="1200" strike="noStrike" u="none">
-                <a:solidFill>
-                  <a:schemeClr val="dk1">
-                    <a:tint val="82000"/>
-                  </a:schemeClr>
-                </a:solidFill>
-                <a:effectLst/>
-                <a:uFillTx/>
-                <a:latin typeface="Aptos"/>
-              </a:defRPr>
-            </a:lvl1pPr>
-          </a:lstStyle>
-          <a:p>
-            <a:pPr indent="0" defTabSz="914400">
-              <a:lnSpc>
-                <a:spcPct val="100000"/>
-              </a:lnSpc>
-              <a:buNone/>
-              <a:tabLst>
-                <a:tab algn="l" pos="0"/>
-              </a:tabLst>
-            </a:pPr>
-            <a:r>
-              <a:rPr b="0" lang="de-DE" sz="1200" strike="noStrike" u="none">
-                <a:solidFill>
-                  <a:schemeClr val="dk1">
-                    <a:tint val="82000"/>
-                  </a:schemeClr>
-                </a:solidFill>
-                <a:effectLst/>
-                <a:uFillTx/>
-                <a:latin typeface="Aptos"/>
-              </a:rPr>
-              <a:t>&lt;data/hora&gt;</a:t>
-            </a:r>
-            <a:endParaRPr b="0" lang="pt-BR" sz="1200" strike="noStrike" u="none">
-              <a:solidFill>
-                <a:srgbClr val="000000"/>
-              </a:solidFill>
-              <a:effectLst/>
-              <a:uFillTx/>
-              <a:latin typeface="Times New Roman"/>
-            </a:endParaRPr>
-          </a:p>
-        </p:txBody>
-      </p:sp>
-      <p:sp>
-        <p:nvSpPr>
-          <p:cNvPr id="63" name="PlaceHolder 5"/>
-          <p:cNvSpPr>
-            <a:spLocks noGrp="1"/>
-          </p:cNvSpPr>
-          <p:nvPr>
-            <p:ph type="ftr" idx="35"/>
-          </p:nvPr>
-        </p:nvSpPr>
-        <p:spPr>
-          <a:xfrm>
-            <a:off x="4038480" y="6356520"/>
-            <a:ext cx="4113360" cy="363600"/>
-          </a:xfrm>
-          <a:prstGeom prst="rect">
-            <a:avLst/>
-          </a:prstGeom>
-          <a:noFill/>
-          <a:ln w="0">
-            <a:noFill/>
-          </a:ln>
-        </p:spPr>
-        <p:txBody>
-          <a:bodyPr lIns="91440" rIns="91440" tIns="45720" bIns="45720" anchor="ctr">
-            <a:noAutofit/>
-          </a:bodyPr>
-          <a:lstStyle>
-            <a:lvl1pPr indent="0" algn="ctr">
-              <a:lnSpc>
-                <a:spcPct val="100000"/>
-              </a:lnSpc>
-              <a:buNone/>
-              <a:tabLst>
-                <a:tab algn="l" pos="0"/>
-              </a:tabLst>
-              <a:defRPr b="0" lang="pt-BR" sz="1400" strike="noStrike" u="none">
-                <a:solidFill>
-                  <a:srgbClr val="000000"/>
-                </a:solidFill>
-                <a:effectLst/>
-                <a:uFillTx/>
-                <a:latin typeface="Times New Roman"/>
-              </a:defRPr>
-            </a:lvl1pPr>
-          </a:lstStyle>
-          <a:p>
-            <a:pPr indent="0" algn="ctr">
-              <a:lnSpc>
-                <a:spcPct val="100000"/>
-              </a:lnSpc>
-              <a:buNone/>
-              <a:tabLst>
-                <a:tab algn="l" pos="0"/>
-              </a:tabLst>
-            </a:pPr>
-            <a:r>
-              <a:rPr b="0" lang="pt-BR" sz="1400" strike="noStrike" u="none">
-                <a:solidFill>
-                  <a:srgbClr val="000000"/>
-                </a:solidFill>
-                <a:effectLst/>
-                <a:uFillTx/>
-                <a:latin typeface="Times New Roman"/>
-              </a:rPr>
-              <a:t>&lt;rodapé&gt;</a:t>
-            </a:r>
-            <a:endParaRPr b="0" lang="pt-BR" sz="1400" strike="noStrike" u="none">
-              <a:solidFill>
-                <a:srgbClr val="000000"/>
-              </a:solidFill>
-              <a:effectLst/>
-              <a:uFillTx/>
-              <a:latin typeface="Times New Roman"/>
-            </a:endParaRPr>
-          </a:p>
-        </p:txBody>
-      </p:sp>
-      <p:sp>
-        <p:nvSpPr>
-          <p:cNvPr id="64" name="PlaceHolder 6"/>
-          <p:cNvSpPr>
-            <a:spLocks noGrp="1"/>
-          </p:cNvSpPr>
-          <p:nvPr>
-            <p:ph type="sldNum" idx="36"/>
-          </p:nvPr>
-        </p:nvSpPr>
-        <p:spPr>
-          <a:xfrm>
-            <a:off x="8610480" y="6356520"/>
-            <a:ext cx="2741760" cy="363600"/>
-          </a:xfrm>
-          <a:prstGeom prst="rect">
-            <a:avLst/>
-          </a:prstGeom>
-          <a:noFill/>
-          <a:ln w="0">
-            <a:noFill/>
-          </a:ln>
-        </p:spPr>
-        <p:txBody>
-          <a:bodyPr lIns="91440" rIns="91440" tIns="45720" bIns="45720" anchor="ctr">
-            <a:noAutofit/>
-          </a:bodyPr>
-          <a:lstStyle>
-            <a:lvl1pPr indent="0" algn="r" defTabSz="914400">
-              <a:lnSpc>
-                <a:spcPct val="100000"/>
-              </a:lnSpc>
-              <a:buNone/>
-              <a:tabLst>
-                <a:tab algn="l" pos="0"/>
-              </a:tabLst>
-              <a:defRPr b="0" lang="de-DE" sz="1200" strike="noStrike" u="none">
-                <a:solidFill>
-                  <a:schemeClr val="dk1">
-                    <a:tint val="82000"/>
-                  </a:schemeClr>
-                </a:solidFill>
-                <a:effectLst/>
-                <a:uFillTx/>
-                <a:latin typeface="Aptos"/>
-              </a:defRPr>
-            </a:lvl1pPr>
-          </a:lstStyle>
-          <a:p>
-            <a:pPr indent="0" algn="r" defTabSz="914400">
-              <a:lnSpc>
-                <a:spcPct val="100000"/>
-              </a:lnSpc>
-              <a:buNone/>
-              <a:tabLst>
-                <a:tab algn="l" pos="0"/>
-              </a:tabLst>
-            </a:pPr>
-            <a:fld id="{1E31E71A-DC38-49DE-9FDA-131153DCB1ED}" type="slidenum">
-              <a:rPr b="0" lang="de-DE" sz="1200" strike="noStrike" u="none">
-                <a:solidFill>
-                  <a:schemeClr val="dk1">
-                    <a:tint val="82000"/>
-                  </a:schemeClr>
-                </a:solidFill>
-                <a:effectLst/>
-                <a:uFillTx/>
-                <a:latin typeface="Aptos"/>
-              </a:rPr>
-              <a:t>&lt;número&gt;</a:t>
-            </a:fld>
-            <a:endParaRPr b="0" lang="pt-BR" sz="1200" strike="noStrike" u="none">
-              <a:solidFill>
-                <a:srgbClr val="000000"/>
-              </a:solidFill>
-              <a:effectLst/>
-              <a:uFillTx/>
-              <a:latin typeface="Times New Roman"/>
-            </a:endParaRPr>
-          </a:p>
-        </p:txBody>
-      </p:sp>
-    </p:spTree>
-  </p:cSld>
-</p:sldLayout>
-</file>
-
-<file path=ppt/slideLayouts/slideLayout2.xml><?xml version="1.0" encoding="utf-8"?>
-<p:sldLayout xmlns:a="http://schemas.openxmlformats.org/drawingml/2006/main" xmlns:p="http://schemas.openxmlformats.org/presentationml/2006/main" xmlns:r="http://schemas.openxmlformats.org/officeDocument/2006/relationships" xmlns:p14="http://schemas.microsoft.com/office/powerpoint/2010/main" xmlns:p15="http://schemas.microsoft.com/office/powerpoint/2012/main" xmlns:mc="http://schemas.openxmlformats.org/markup-compatibility/2006" type="tx" preserve="1">
-  <p:cSld name="Padrão">
-    <p:bg>
-      <p:bgPr>
-        <a:solidFill>
-          <a:srgbClr val="ffffff"/>
-        </a:solidFill>
-      </p:bgPr>
-    </p:bg>
-    <p:spTree>
-      <p:nvGrpSpPr>
-        <p:cNvPr id="1" name=""/>
-        <p:cNvGrpSpPr/>
-        <p:nvPr/>
-      </p:nvGrpSpPr>
-      <p:grpSpPr>
-        <a:xfrm>
-          <a:off x="0" y="0"/>
-          <a:ext cx="0" cy="0"/>
-          <a:chOff x="0" y="0"/>
-          <a:chExt cx="0" cy="0"/>
-        </a:xfrm>
-      </p:grpSpPr>
-      <p:sp>
-        <p:nvSpPr>
-          <p:cNvPr id="5" name="PlaceHolder 1"/>
-          <p:cNvSpPr>
-            <a:spLocks noGrp="1"/>
-          </p:cNvSpPr>
-          <p:nvPr>
-            <p:ph type="title"/>
-          </p:nvPr>
-        </p:nvSpPr>
-        <p:spPr>
-          <a:xfrm>
-            <a:off x="1523880" y="1122480"/>
-            <a:ext cx="9142560" cy="2386080"/>
-          </a:xfrm>
-          <a:prstGeom prst="rect">
-            <a:avLst/>
-          </a:prstGeom>
-          <a:noFill/>
-          <a:ln w="0">
-            <a:noFill/>
-          </a:ln>
-        </p:spPr>
-        <p:txBody>
-          <a:bodyPr lIns="91440" rIns="91440" tIns="45720" bIns="45720" anchor="b">
-            <a:noAutofit/>
-          </a:bodyPr>
-          <a:p>
-            <a:pPr indent="0" algn="ctr" defTabSz="914400">
-              <a:lnSpc>
-                <a:spcPct val="90000"/>
-              </a:lnSpc>
-              <a:buNone/>
-              <a:tabLst>
-                <a:tab algn="l" pos="0"/>
-              </a:tabLst>
-            </a:pPr>
-            <a:r>
-              <a:rPr b="0" lang="pt-BR" sz="6000" strike="noStrike" u="none">
-                <a:solidFill>
-                  <a:schemeClr val="dk1"/>
-                </a:solidFill>
-                <a:effectLst/>
-                <a:uFillTx/>
-                <a:latin typeface="Aptos Display"/>
-              </a:rPr>
-              <a:t>Clique para editar o título mestre</a:t>
-            </a:r>
-            <a:endParaRPr b="0" lang="pt-BR" sz="6000" strike="noStrike" u="none">
-              <a:solidFill>
-                <a:srgbClr val="000000"/>
-              </a:solidFill>
-              <a:effectLst/>
-              <a:uFillTx/>
-              <a:latin typeface="Arial"/>
-            </a:endParaRPr>
-          </a:p>
-        </p:txBody>
-      </p:sp>
-      <p:sp>
-        <p:nvSpPr>
-          <p:cNvPr id="6" name="PlaceHolder 2"/>
-          <p:cNvSpPr>
-            <a:spLocks noGrp="1"/>
-          </p:cNvSpPr>
-          <p:nvPr>
-            <p:ph type="dt" idx="4"/>
-          </p:nvPr>
-        </p:nvSpPr>
-        <p:spPr>
-          <a:xfrm>
-            <a:off x="838080" y="6356520"/>
-            <a:ext cx="2741760" cy="363600"/>
-          </a:xfrm>
-          <a:prstGeom prst="rect">
-            <a:avLst/>
-          </a:prstGeom>
-          <a:noFill/>
-          <a:ln w="0">
-            <a:noFill/>
-          </a:ln>
-        </p:spPr>
-        <p:txBody>
-          <a:bodyPr lIns="91440" rIns="91440" tIns="45720" bIns="45720" anchor="ctr">
-            <a:noAutofit/>
-          </a:bodyPr>
-          <a:lstStyle>
-            <a:lvl1pPr indent="0" defTabSz="914400">
-              <a:lnSpc>
-                <a:spcPct val="100000"/>
-              </a:lnSpc>
-              <a:buNone/>
-              <a:tabLst>
-                <a:tab algn="l" pos="0"/>
-              </a:tabLst>
-              <a:defRPr b="0" lang="de-DE" sz="1200" strike="noStrike" u="none">
-                <a:solidFill>
-                  <a:schemeClr val="dk1">
-                    <a:tint val="82000"/>
-                  </a:schemeClr>
-                </a:solidFill>
-                <a:effectLst/>
-                <a:uFillTx/>
-                <a:latin typeface="Aptos"/>
-              </a:defRPr>
-            </a:lvl1pPr>
-          </a:lstStyle>
-          <a:p>
-            <a:pPr indent="0" defTabSz="914400">
-              <a:lnSpc>
-                <a:spcPct val="100000"/>
-              </a:lnSpc>
-              <a:buNone/>
-              <a:tabLst>
-                <a:tab algn="l" pos="0"/>
-              </a:tabLst>
-            </a:pPr>
-            <a:r>
-              <a:rPr b="0" lang="de-DE" sz="1200" strike="noStrike" u="none">
-                <a:solidFill>
-                  <a:schemeClr val="dk1">
-                    <a:tint val="82000"/>
-                  </a:schemeClr>
-                </a:solidFill>
-                <a:effectLst/>
-                <a:uFillTx/>
-                <a:latin typeface="Aptos"/>
-              </a:rPr>
-              <a:t>&lt;data/hora&gt;</a:t>
-            </a:r>
-            <a:endParaRPr b="0" lang="pt-BR" sz="1200" strike="noStrike" u="none">
-              <a:solidFill>
-                <a:srgbClr val="000000"/>
-              </a:solidFill>
-              <a:effectLst/>
-              <a:uFillTx/>
-              <a:latin typeface="Times New Roman"/>
-            </a:endParaRPr>
-          </a:p>
-        </p:txBody>
-      </p:sp>
-      <p:sp>
-        <p:nvSpPr>
-          <p:cNvPr id="7" name="PlaceHolder 3"/>
-          <p:cNvSpPr>
-            <a:spLocks noGrp="1"/>
-          </p:cNvSpPr>
-          <p:nvPr>
-            <p:ph type="ftr" idx="5"/>
-          </p:nvPr>
-        </p:nvSpPr>
-        <p:spPr>
-          <a:xfrm>
-            <a:off x="4038480" y="6356520"/>
-            <a:ext cx="4113360" cy="363600"/>
-          </a:xfrm>
-          <a:prstGeom prst="rect">
-            <a:avLst/>
-          </a:prstGeom>
-          <a:noFill/>
-          <a:ln w="0">
-            <a:noFill/>
-          </a:ln>
-        </p:spPr>
-        <p:txBody>
-          <a:bodyPr lIns="91440" rIns="91440" tIns="45720" bIns="45720" anchor="ctr">
-            <a:noAutofit/>
-          </a:bodyPr>
-          <a:lstStyle>
-            <a:lvl1pPr indent="0" algn="ctr">
-              <a:lnSpc>
-                <a:spcPct val="100000"/>
-              </a:lnSpc>
-              <a:buNone/>
-              <a:tabLst>
-                <a:tab algn="l" pos="0"/>
-              </a:tabLst>
-              <a:defRPr b="0" lang="pt-BR" sz="1400" strike="noStrike" u="none">
-                <a:solidFill>
-                  <a:srgbClr val="000000"/>
-                </a:solidFill>
-                <a:effectLst/>
-                <a:uFillTx/>
-                <a:latin typeface="Times New Roman"/>
-              </a:defRPr>
-            </a:lvl1pPr>
-          </a:lstStyle>
-          <a:p>
-            <a:pPr indent="0" algn="ctr">
-              <a:lnSpc>
-                <a:spcPct val="100000"/>
-              </a:lnSpc>
-              <a:buNone/>
-              <a:tabLst>
-                <a:tab algn="l" pos="0"/>
-              </a:tabLst>
-            </a:pPr>
-            <a:r>
-              <a:rPr b="0" lang="pt-BR" sz="1400" strike="noStrike" u="none">
-                <a:solidFill>
-                  <a:srgbClr val="000000"/>
-                </a:solidFill>
-                <a:effectLst/>
-                <a:uFillTx/>
-                <a:latin typeface="Times New Roman"/>
-              </a:rPr>
-              <a:t>&lt;rodapé&gt;</a:t>
-            </a:r>
-            <a:endParaRPr b="0" lang="pt-BR" sz="1400" strike="noStrike" u="none">
-              <a:solidFill>
-                <a:srgbClr val="000000"/>
-              </a:solidFill>
-              <a:effectLst/>
-              <a:uFillTx/>
-              <a:latin typeface="Times New Roman"/>
-            </a:endParaRPr>
-          </a:p>
-        </p:txBody>
-      </p:sp>
-      <p:sp>
-        <p:nvSpPr>
-          <p:cNvPr id="8" name="PlaceHolder 4"/>
-          <p:cNvSpPr>
-            <a:spLocks noGrp="1"/>
-          </p:cNvSpPr>
-          <p:nvPr>
-            <p:ph type="sldNum" idx="6"/>
-          </p:nvPr>
-        </p:nvSpPr>
-        <p:spPr>
-          <a:xfrm>
-            <a:off x="8610480" y="6356520"/>
-            <a:ext cx="2741760" cy="363600"/>
-          </a:xfrm>
-          <a:prstGeom prst="rect">
-            <a:avLst/>
-          </a:prstGeom>
-          <a:noFill/>
-          <a:ln w="0">
-            <a:noFill/>
-          </a:ln>
-        </p:spPr>
-        <p:txBody>
-          <a:bodyPr lIns="91440" rIns="91440" tIns="45720" bIns="45720" anchor="ctr">
-            <a:noAutofit/>
-          </a:bodyPr>
-          <a:lstStyle>
-            <a:lvl1pPr indent="0" algn="r" defTabSz="914400">
-              <a:lnSpc>
-                <a:spcPct val="100000"/>
-              </a:lnSpc>
-              <a:buNone/>
-              <a:tabLst>
-                <a:tab algn="l" pos="0"/>
-              </a:tabLst>
-              <a:defRPr b="0" lang="de-DE" sz="1200" strike="noStrike" u="none">
-                <a:solidFill>
-                  <a:schemeClr val="dk1">
-                    <a:tint val="82000"/>
-                  </a:schemeClr>
-                </a:solidFill>
-                <a:effectLst/>
-                <a:uFillTx/>
-                <a:latin typeface="Aptos"/>
-              </a:defRPr>
-            </a:lvl1pPr>
-          </a:lstStyle>
-          <a:p>
-            <a:pPr indent="0" algn="r" defTabSz="914400">
-              <a:lnSpc>
-                <a:spcPct val="100000"/>
-              </a:lnSpc>
-              <a:buNone/>
-              <a:tabLst>
-                <a:tab algn="l" pos="0"/>
-              </a:tabLst>
-            </a:pPr>
-            <a:fld id="{57E2E3F8-9BE8-4826-9BF8-C507A306029A}" type="slidenum">
-              <a:rPr b="0" lang="de-DE" sz="1200" strike="noStrike" u="none">
-                <a:solidFill>
-                  <a:schemeClr val="dk1">
-                    <a:tint val="82000"/>
-                  </a:schemeClr>
-                </a:solidFill>
-                <a:effectLst/>
-                <a:uFillTx/>
-                <a:latin typeface="Aptos"/>
-              </a:rPr>
-              <a:t>&lt;número&gt;</a:t>
-            </a:fld>
-            <a:endParaRPr b="0" lang="pt-BR" sz="1200" strike="noStrike" u="none">
-              <a:solidFill>
-                <a:srgbClr val="000000"/>
-              </a:solidFill>
-              <a:effectLst/>
-              <a:uFillTx/>
-              <a:latin typeface="Times New Roman"/>
-            </a:endParaRPr>
-          </a:p>
-        </p:txBody>
-      </p:sp>
-      <p:sp>
-        <p:nvSpPr>
-          <p:cNvPr id="9" name="PlaceHolder 5"/>
-          <p:cNvSpPr>
-            <a:spLocks noGrp="1"/>
-          </p:cNvSpPr>
-          <p:nvPr>
-            <p:ph type="body"/>
-          </p:nvPr>
-        </p:nvSpPr>
-        <p:spPr>
-          <a:xfrm>
-            <a:off x="609480" y="1604520"/>
-            <a:ext cx="10971360" cy="3976200"/>
-          </a:xfrm>
-          <a:prstGeom prst="rect">
-            <a:avLst/>
-          </a:prstGeom>
-          <a:noFill/>
-          <a:ln w="0">
-            <a:noFill/>
-          </a:ln>
-        </p:spPr>
-        <p:txBody>
-          <a:bodyPr lIns="0" rIns="0" tIns="0" bIns="0" anchor="t">
-            <a:normAutofit/>
-          </a:bodyPr>
-          <a:p>
-            <a:pPr marL="432000" indent="-324000">
-              <a:lnSpc>
-                <a:spcPct val="90000"/>
-              </a:lnSpc>
-              <a:spcBef>
-                <a:spcPts val="1417"/>
-              </a:spcBef>
-              <a:buClr>
-                <a:srgbClr val="000000"/>
-              </a:buClr>
-              <a:buSzPct val="45000"/>
-              <a:buFont typeface="Wingdings" charset="2"/>
-              <a:buChar char=""/>
-            </a:pPr>
-            <a:r>
-              <a:rPr b="0" lang="de-DE" sz="2800" strike="noStrike" u="none">
-                <a:solidFill>
-                  <a:schemeClr val="dk1"/>
-                </a:solidFill>
-                <a:effectLst/>
-                <a:uFillTx/>
-                <a:latin typeface="Aptos"/>
-              </a:rPr>
-              <a:t>Clique para editar o formato de texto dos tópicos</a:t>
-            </a:r>
-            <a:endParaRPr b="0" lang="pt-BR" sz="2800" strike="noStrike" u="none">
-              <a:solidFill>
-                <a:srgbClr val="000000"/>
-              </a:solidFill>
-              <a:effectLst/>
-              <a:uFillTx/>
-              <a:latin typeface="Arial"/>
-            </a:endParaRPr>
-          </a:p>
-          <a:p>
-            <a:pPr lvl="1" marL="864000" indent="-324000">
-              <a:lnSpc>
-                <a:spcPct val="90000"/>
-              </a:lnSpc>
-              <a:spcBef>
-                <a:spcPts val="1134"/>
-              </a:spcBef>
-              <a:buClr>
-                <a:srgbClr val="000000"/>
-              </a:buClr>
-              <a:buSzPct val="75000"/>
-              <a:buFont typeface="Symbol" charset="2"/>
-              <a:buChar char=""/>
-            </a:pPr>
-            <a:r>
-              <a:rPr b="0" lang="de-DE" sz="2000" strike="noStrike" u="none">
-                <a:solidFill>
-                  <a:schemeClr val="dk1"/>
-                </a:solidFill>
-                <a:effectLst/>
-                <a:uFillTx/>
-                <a:latin typeface="Aptos"/>
-              </a:rPr>
-              <a:t>2.º nível de tópicos</a:t>
-            </a:r>
-            <a:endParaRPr b="0" lang="pt-BR" sz="2000" strike="noStrike" u="none">
-              <a:solidFill>
-                <a:srgbClr val="000000"/>
-              </a:solidFill>
-              <a:effectLst/>
-              <a:uFillTx/>
-              <a:latin typeface="Arial"/>
-            </a:endParaRPr>
-          </a:p>
-          <a:p>
-            <a:pPr lvl="2" marL="1296000" indent="-288000">
-              <a:lnSpc>
-                <a:spcPct val="90000"/>
-              </a:lnSpc>
-              <a:spcBef>
-                <a:spcPts val="850"/>
-              </a:spcBef>
-              <a:buClr>
-                <a:srgbClr val="000000"/>
-              </a:buClr>
-              <a:buSzPct val="45000"/>
-              <a:buFont typeface="Wingdings" charset="2"/>
-              <a:buChar char=""/>
-            </a:pPr>
-            <a:r>
-              <a:rPr b="0" lang="de-DE" sz="1800" strike="noStrike" u="none">
-                <a:solidFill>
-                  <a:schemeClr val="dk1"/>
-                </a:solidFill>
-                <a:effectLst/>
-                <a:uFillTx/>
-                <a:latin typeface="Aptos"/>
-              </a:rPr>
-              <a:t>3.º nível de tópicos</a:t>
-            </a:r>
-            <a:endParaRPr b="0" lang="pt-BR" sz="1800" strike="noStrike" u="none">
-              <a:solidFill>
-                <a:srgbClr val="000000"/>
-              </a:solidFill>
-              <a:effectLst/>
-              <a:uFillTx/>
-              <a:latin typeface="Arial"/>
-            </a:endParaRPr>
-          </a:p>
-          <a:p>
-            <a:pPr lvl="3" marL="1728000" indent="-216000">
-              <a:lnSpc>
-                <a:spcPct val="90000"/>
-              </a:lnSpc>
-              <a:spcBef>
-                <a:spcPts val="567"/>
-              </a:spcBef>
-              <a:buClr>
-                <a:srgbClr val="000000"/>
-              </a:buClr>
-              <a:buSzPct val="75000"/>
-              <a:buFont typeface="Symbol" charset="2"/>
-              <a:buChar char=""/>
-            </a:pPr>
-            <a:r>
-              <a:rPr b="0" lang="de-DE" sz="1800" strike="noStrike" u="none">
-                <a:solidFill>
-                  <a:schemeClr val="dk1"/>
-                </a:solidFill>
-                <a:effectLst/>
-                <a:uFillTx/>
-                <a:latin typeface="Aptos"/>
-              </a:rPr>
-              <a:t>4.º nível de tópicos</a:t>
-            </a:r>
-            <a:endParaRPr b="0" lang="pt-BR" sz="1800" strike="noStrike" u="none">
-              <a:solidFill>
-                <a:srgbClr val="000000"/>
-              </a:solidFill>
-              <a:effectLst/>
-              <a:uFillTx/>
-              <a:latin typeface="Arial"/>
-            </a:endParaRPr>
-          </a:p>
-          <a:p>
-            <a:pPr lvl="4" marL="2160000" indent="-216000">
-              <a:lnSpc>
-                <a:spcPct val="90000"/>
-              </a:lnSpc>
-              <a:spcBef>
-                <a:spcPts val="283"/>
-              </a:spcBef>
-              <a:buClr>
-                <a:srgbClr val="000000"/>
-              </a:buClr>
-              <a:buSzPct val="45000"/>
-              <a:buFont typeface="Wingdings" charset="2"/>
-              <a:buChar char=""/>
-            </a:pPr>
-            <a:r>
-              <a:rPr b="0" lang="de-DE" sz="2000" strike="noStrike" u="none">
-                <a:solidFill>
-                  <a:schemeClr val="dk1"/>
-                </a:solidFill>
-                <a:effectLst/>
-                <a:uFillTx/>
-                <a:latin typeface="Aptos"/>
-              </a:rPr>
-              <a:t>5.º nível de tópicos</a:t>
-            </a:r>
-            <a:endParaRPr b="0" lang="pt-BR" sz="2000" strike="noStrike" u="none">
-              <a:solidFill>
-                <a:srgbClr val="000000"/>
-              </a:solidFill>
-              <a:effectLst/>
-              <a:uFillTx/>
-              <a:latin typeface="Arial"/>
-            </a:endParaRPr>
-          </a:p>
-          <a:p>
-            <a:pPr lvl="5" marL="2592000" indent="-216000">
-              <a:lnSpc>
-                <a:spcPct val="90000"/>
-              </a:lnSpc>
-              <a:spcBef>
-                <a:spcPts val="283"/>
-              </a:spcBef>
-              <a:buClr>
-                <a:srgbClr val="000000"/>
-              </a:buClr>
-              <a:buSzPct val="45000"/>
-              <a:buFont typeface="Wingdings" charset="2"/>
-              <a:buChar char=""/>
-            </a:pPr>
-            <a:r>
-              <a:rPr b="0" lang="de-DE" sz="2000" strike="noStrike" u="none">
-                <a:solidFill>
-                  <a:schemeClr val="dk1"/>
-                </a:solidFill>
-                <a:effectLst/>
-                <a:uFillTx/>
-                <a:latin typeface="Aptos"/>
-              </a:rPr>
-              <a:t>6.º nível de tópicos</a:t>
-            </a:r>
-            <a:endParaRPr b="0" lang="pt-BR" sz="2000" strike="noStrike" u="none">
-              <a:solidFill>
-                <a:srgbClr val="000000"/>
-              </a:solidFill>
-              <a:effectLst/>
-              <a:uFillTx/>
-              <a:latin typeface="Arial"/>
-            </a:endParaRPr>
-          </a:p>
-          <a:p>
-            <a:pPr lvl="6" marL="3024000" indent="-216000">
-              <a:lnSpc>
-                <a:spcPct val="90000"/>
-              </a:lnSpc>
-              <a:spcBef>
-                <a:spcPts val="283"/>
-              </a:spcBef>
-              <a:buClr>
-                <a:srgbClr val="000000"/>
-              </a:buClr>
-              <a:buSzPct val="45000"/>
-              <a:buFont typeface="Wingdings" charset="2"/>
-              <a:buChar char=""/>
-            </a:pPr>
-            <a:r>
-              <a:rPr b="0" lang="de-DE" sz="2000" strike="noStrike" u="none">
-                <a:solidFill>
-                  <a:schemeClr val="dk1"/>
-                </a:solidFill>
-                <a:effectLst/>
-                <a:uFillTx/>
-                <a:latin typeface="Aptos"/>
-              </a:rPr>
-              <a:t>7.º nível de tópicos</a:t>
-            </a:r>
-            <a:endParaRPr b="0" lang="pt-BR" sz="2000" strike="noStrike" u="none">
-              <a:solidFill>
-                <a:srgbClr val="000000"/>
-              </a:solidFill>
-              <a:effectLst/>
-              <a:uFillTx/>
-              <a:latin typeface="Arial"/>
-            </a:endParaRPr>
-          </a:p>
-        </p:txBody>
-      </p:sp>
-    </p:spTree>
-  </p:cSld>
-</p:sldLayout>
-</file>
-
-<file path=ppt/slideLayouts/slideLayout3.xml><?xml version="1.0" encoding="utf-8"?>
-<p:sldLayout xmlns:a="http://schemas.openxmlformats.org/drawingml/2006/main" xmlns:p="http://schemas.openxmlformats.org/presentationml/2006/main" xmlns:r="http://schemas.openxmlformats.org/officeDocument/2006/relationships" xmlns:p14="http://schemas.microsoft.com/office/powerpoint/2010/main" xmlns:p15="http://schemas.microsoft.com/office/powerpoint/2012/main" xmlns:mc="http://schemas.openxmlformats.org/markup-compatibility/2006" type="vertTx" preserve="1">
-  <p:cSld name="Título e texto vertical">
-    <p:bg>
-      <p:bgPr>
-        <a:solidFill>
-          <a:srgbClr val="ffffff"/>
-        </a:solidFill>
-      </p:bgPr>
-    </p:bg>
-    <p:spTree>
-      <p:nvGrpSpPr>
-        <p:cNvPr id="1" name=""/>
-        <p:cNvGrpSpPr/>
-        <p:nvPr/>
-      </p:nvGrpSpPr>
-      <p:grpSpPr>
-        <a:xfrm>
-          <a:off x="0" y="0"/>
-          <a:ext cx="0" cy="0"/>
-          <a:chOff x="0" y="0"/>
-          <a:chExt cx="0" cy="0"/>
-        </a:xfrm>
-      </p:grpSpPr>
-      <p:sp>
-        <p:nvSpPr>
-          <p:cNvPr id="10" name="PlaceHolder 1"/>
-          <p:cNvSpPr>
-            <a:spLocks noGrp="1"/>
-          </p:cNvSpPr>
-          <p:nvPr>
-            <p:ph type="title"/>
-          </p:nvPr>
-        </p:nvSpPr>
-        <p:spPr>
-          <a:xfrm>
-            <a:off x="838080" y="365040"/>
-            <a:ext cx="10514160" cy="1324080"/>
-          </a:xfrm>
-          <a:prstGeom prst="rect">
-            <a:avLst/>
-          </a:prstGeom>
-          <a:noFill/>
-          <a:ln w="0">
-            <a:noFill/>
-          </a:ln>
-        </p:spPr>
-        <p:txBody>
-          <a:bodyPr lIns="91440" rIns="91440" tIns="45720" bIns="45720" anchor="ctr">
-            <a:noAutofit/>
-          </a:bodyPr>
-          <a:p>
-            <a:pPr indent="0" defTabSz="914400">
-              <a:lnSpc>
-                <a:spcPct val="90000"/>
-              </a:lnSpc>
-              <a:buNone/>
-              <a:tabLst>
-                <a:tab algn="l" pos="0"/>
-              </a:tabLst>
-            </a:pPr>
-            <a:r>
-              <a:rPr b="0" lang="pt-BR" sz="4400" strike="noStrike" u="none">
-                <a:solidFill>
-                  <a:schemeClr val="dk1"/>
-                </a:solidFill>
-                <a:effectLst/>
-                <a:uFillTx/>
-                <a:latin typeface="Aptos Display"/>
-              </a:rPr>
-              <a:t>Clique para editar o título mestre</a:t>
-            </a:r>
-            <a:endParaRPr b="0" lang="pt-BR" sz="4400" strike="noStrike" u="none">
-              <a:solidFill>
-                <a:srgbClr val="000000"/>
-              </a:solidFill>
-              <a:effectLst/>
-              <a:uFillTx/>
-              <a:latin typeface="Arial"/>
-            </a:endParaRPr>
-          </a:p>
-        </p:txBody>
-      </p:sp>
-      <p:sp>
-        <p:nvSpPr>
-          <p:cNvPr id="11" name="PlaceHolder 2"/>
-          <p:cNvSpPr>
-            <a:spLocks noGrp="1"/>
-          </p:cNvSpPr>
-          <p:nvPr>
-            <p:ph type="body"/>
-          </p:nvPr>
-        </p:nvSpPr>
-        <p:spPr>
-          <a:xfrm>
-            <a:off x="838080" y="1825560"/>
-            <a:ext cx="10514160" cy="4349880"/>
-          </a:xfrm>
-          <a:prstGeom prst="rect">
-            <a:avLst/>
-          </a:prstGeom>
-          <a:noFill/>
-          <a:ln w="0">
-            <a:noFill/>
-          </a:ln>
-        </p:spPr>
-        <p:txBody>
-          <a:bodyPr lIns="91440" rIns="91440" tIns="45720" bIns="45720" anchor="t" vert="eaVert">
-            <a:noAutofit/>
-          </a:bodyPr>
-          <a:p>
-            <a:pPr marL="228600" indent="-228600" defTabSz="914400">
-              <a:lnSpc>
-                <a:spcPct val="90000"/>
-              </a:lnSpc>
-              <a:spcBef>
-                <a:spcPts val="1001"/>
-              </a:spcBef>
-              <a:buClr>
-                <a:srgbClr val="000000"/>
-              </a:buClr>
-              <a:buFont typeface="Arial"/>
-              <a:buChar char="•"/>
-            </a:pPr>
-            <a:r>
-              <a:rPr b="0" lang="pt-BR" sz="2800" strike="noStrike" u="none">
-                <a:solidFill>
-                  <a:schemeClr val="dk1"/>
-                </a:solidFill>
-                <a:effectLst/>
-                <a:uFillTx/>
-                <a:latin typeface="Aptos"/>
-              </a:rPr>
-              <a:t>Clique para editar o texto mestre</a:t>
-            </a:r>
-            <a:endParaRPr b="0" lang="pt-BR" sz="2800" strike="noStrike" u="none">
-              <a:solidFill>
-                <a:srgbClr val="000000"/>
-              </a:solidFill>
-              <a:effectLst/>
-              <a:uFillTx/>
-              <a:latin typeface="Arial"/>
-            </a:endParaRPr>
-          </a:p>
-          <a:p>
-            <a:pPr lvl="1" marL="685800" indent="-228600" defTabSz="914400">
-              <a:lnSpc>
-                <a:spcPct val="90000"/>
-              </a:lnSpc>
-              <a:spcBef>
-                <a:spcPts val="499"/>
-              </a:spcBef>
-              <a:buClr>
-                <a:srgbClr val="000000"/>
-              </a:buClr>
-              <a:buFont typeface="Arial"/>
-              <a:buChar char="•"/>
-            </a:pPr>
-            <a:r>
-              <a:rPr b="0" lang="pt-BR" sz="2400" strike="noStrike" u="none">
-                <a:solidFill>
-                  <a:schemeClr val="dk1"/>
-                </a:solidFill>
-                <a:effectLst/>
-                <a:uFillTx/>
-                <a:latin typeface="Aptos"/>
-              </a:rPr>
-              <a:t>Segundo nível</a:t>
-            </a:r>
-            <a:endParaRPr b="0" lang="pt-BR" sz="2400" strike="noStrike" u="none">
-              <a:solidFill>
-                <a:srgbClr val="000000"/>
-              </a:solidFill>
-              <a:effectLst/>
-              <a:uFillTx/>
-              <a:latin typeface="Arial"/>
-            </a:endParaRPr>
-          </a:p>
-          <a:p>
-            <a:pPr lvl="2" marL="1143000" indent="-228600" defTabSz="914400">
-              <a:lnSpc>
-                <a:spcPct val="90000"/>
-              </a:lnSpc>
-              <a:spcBef>
-                <a:spcPts val="499"/>
-              </a:spcBef>
-              <a:buClr>
-                <a:srgbClr val="000000"/>
-              </a:buClr>
-              <a:buFont typeface="Arial"/>
-              <a:buChar char="•"/>
-            </a:pPr>
-            <a:r>
-              <a:rPr b="0" lang="pt-BR" sz="2000" strike="noStrike" u="none">
-                <a:solidFill>
-                  <a:schemeClr val="dk1"/>
-                </a:solidFill>
-                <a:effectLst/>
-                <a:uFillTx/>
-                <a:latin typeface="Aptos"/>
-              </a:rPr>
-              <a:t>Terceiro nível</a:t>
-            </a:r>
-            <a:endParaRPr b="0" lang="pt-BR" sz="2000" strike="noStrike" u="none">
-              <a:solidFill>
-                <a:srgbClr val="000000"/>
-              </a:solidFill>
-              <a:effectLst/>
-              <a:uFillTx/>
-              <a:latin typeface="Arial"/>
-            </a:endParaRPr>
-          </a:p>
-          <a:p>
-            <a:pPr lvl="3" marL="1600200" indent="-228600" defTabSz="914400">
-              <a:lnSpc>
-                <a:spcPct val="90000"/>
-              </a:lnSpc>
-              <a:spcBef>
-                <a:spcPts val="499"/>
-              </a:spcBef>
-              <a:buClr>
-                <a:srgbClr val="000000"/>
-              </a:buClr>
-              <a:buFont typeface="Arial"/>
-              <a:buChar char="•"/>
-            </a:pPr>
-            <a:r>
-              <a:rPr b="0" lang="pt-BR" sz="1800" strike="noStrike" u="none">
-                <a:solidFill>
-                  <a:schemeClr val="dk1"/>
-                </a:solidFill>
-                <a:effectLst/>
-                <a:uFillTx/>
-                <a:latin typeface="Aptos"/>
-              </a:rPr>
-              <a:t>Quarto nível</a:t>
-            </a:r>
-            <a:endParaRPr b="0" lang="pt-BR" sz="1800" strike="noStrike" u="none">
-              <a:solidFill>
-                <a:srgbClr val="000000"/>
-              </a:solidFill>
-              <a:effectLst/>
-              <a:uFillTx/>
-              <a:latin typeface="Arial"/>
-            </a:endParaRPr>
-          </a:p>
-          <a:p>
-            <a:pPr lvl="4" marL="2057400" indent="-228600" defTabSz="914400">
-              <a:lnSpc>
-                <a:spcPct val="90000"/>
-              </a:lnSpc>
-              <a:spcBef>
-                <a:spcPts val="499"/>
-              </a:spcBef>
-              <a:buClr>
-                <a:srgbClr val="000000"/>
-              </a:buClr>
-              <a:buFont typeface="Arial"/>
-              <a:buChar char="•"/>
-            </a:pPr>
-            <a:r>
-              <a:rPr b="0" lang="pt-BR" sz="1800" strike="noStrike" u="none">
-                <a:solidFill>
-                  <a:schemeClr val="dk1"/>
-                </a:solidFill>
-                <a:effectLst/>
-                <a:uFillTx/>
-                <a:latin typeface="Aptos"/>
-              </a:rPr>
-              <a:t>Quinto nível</a:t>
-            </a:r>
-            <a:endParaRPr b="0" lang="pt-BR" sz="1800" strike="noStrike" u="none">
-              <a:solidFill>
-                <a:srgbClr val="000000"/>
-              </a:solidFill>
-              <a:effectLst/>
-              <a:uFillTx/>
-              <a:latin typeface="Arial"/>
-            </a:endParaRPr>
-          </a:p>
-        </p:txBody>
-      </p:sp>
-      <p:sp>
-        <p:nvSpPr>
-          <p:cNvPr id="12" name="PlaceHolder 3"/>
+          <p:cNvPr id="12" name="PlaceHolder 4"/>
           <p:cNvSpPr>
             <a:spLocks noGrp="1"/>
           </p:cNvSpPr>
@@ -3383,7 +3288,7 @@
         <p:spPr>
           <a:xfrm>
             <a:off x="838080" y="6356520"/>
-            <a:ext cx="2741760" cy="363600"/>
+            <a:ext cx="2740320" cy="362160"/>
           </a:xfrm>
           <a:prstGeom prst="rect">
             <a:avLst/>
@@ -3454,7 +3359,7 @@
       </p:sp>
       <p:sp>
         <p:nvSpPr>
-          <p:cNvPr id="13" name="PlaceHolder 4"/>
+          <p:cNvPr id="13" name="PlaceHolder 5"/>
           <p:cNvSpPr>
             <a:spLocks noGrp="1"/>
           </p:cNvSpPr>
@@ -3465,7 +3370,7 @@
         <p:spPr>
           <a:xfrm>
             <a:off x="4038480" y="6356520"/>
-            <a:ext cx="4113360" cy="363600"/>
+            <a:ext cx="4111920" cy="362160"/>
           </a:xfrm>
           <a:prstGeom prst="rect">
             <a:avLst/>
@@ -3532,7 +3437,7 @@
       </p:sp>
       <p:sp>
         <p:nvSpPr>
-          <p:cNvPr id="14" name="PlaceHolder 5"/>
+          <p:cNvPr id="14" name="PlaceHolder 6"/>
           <p:cNvSpPr>
             <a:spLocks noGrp="1"/>
           </p:cNvSpPr>
@@ -3543,7 +3448,7 @@
         <p:spPr>
           <a:xfrm>
             <a:off x="8610480" y="6356520"/>
-            <a:ext cx="2741760" cy="363600"/>
+            <a:ext cx="2740320" cy="362160"/>
           </a:xfrm>
           <a:prstGeom prst="rect">
             <a:avLst/>
@@ -3588,7 +3493,7 @@
                 <a:tab algn="l" pos="0"/>
               </a:tabLst>
             </a:pPr>
-            <a:fld id="{4F9AF558-53AD-40FB-BF31-723424E8E87B}" type="slidenum">
+            <a:fld id="{3756937D-B599-4772-A6E2-CD01E2B7C3E1}" type="slidenum">
               <a:rPr b="0" lang="de-DE" sz="1200" strike="noStrike" u="none">
                 <a:solidFill>
                   <a:schemeClr val="dk1">
@@ -3618,8 +3523,8 @@
 </file>
 
 <file path=ppt/slideLayouts/slideLayout4.xml><?xml version="1.0" encoding="utf-8"?>
-<p:sldLayout xmlns:a="http://schemas.openxmlformats.org/drawingml/2006/main" xmlns:p="http://schemas.openxmlformats.org/presentationml/2006/main" xmlns:r="http://schemas.openxmlformats.org/officeDocument/2006/relationships" xmlns:p14="http://schemas.microsoft.com/office/powerpoint/2010/main" xmlns:p15="http://schemas.microsoft.com/office/powerpoint/2012/main" xmlns:mc="http://schemas.openxmlformats.org/markup-compatibility/2006" type="vertTitleAndTx" preserve="1">
-  <p:cSld name="Título e texto verticais">
+<p:sldLayout xmlns:a="http://schemas.openxmlformats.org/drawingml/2006/main" xmlns:p="http://schemas.openxmlformats.org/presentationml/2006/main" xmlns:r="http://schemas.openxmlformats.org/officeDocument/2006/relationships" xmlns:p14="http://schemas.microsoft.com/office/powerpoint/2010/main" xmlns:p15="http://schemas.microsoft.com/office/powerpoint/2012/main" xmlns:mc="http://schemas.openxmlformats.org/markup-compatibility/2006" type="blank" preserve="1">
+  <p:cSld name="Imagem com Legenda">
     <p:bg>
       <p:bgPr>
         <a:solidFill>
@@ -3653,8 +3558,8 @@
         </p:nvSpPr>
         <p:spPr>
           <a:xfrm>
-            <a:off x="8724960" y="365040"/>
-            <a:ext cx="2627640" cy="5810400"/>
+            <a:off x="839880" y="457200"/>
+            <a:ext cx="3929400" cy="1597320"/>
           </a:xfrm>
           <a:prstGeom prst="rect">
             <a:avLst/>
@@ -3665,7 +3570,7 @@
           </a:ln>
         </p:spPr>
         <p:txBody>
-          <a:bodyPr lIns="91440" rIns="91440" tIns="45720" bIns="45720" anchor="ctr" vert="eaVert">
+          <a:bodyPr lIns="91440" rIns="91440" tIns="45720" bIns="45720" anchor="b">
             <a:noAutofit/>
           </a:bodyPr>
           <a:p>
@@ -3679,7 +3584,7 @@
               </a:tabLst>
             </a:pPr>
             <a:r>
-              <a:rPr b="0" lang="pt-BR" sz="4400" strike="noStrike" u="none">
+              <a:rPr b="0" lang="pt-BR" sz="3200" strike="noStrike" u="none">
                 <a:solidFill>
                   <a:schemeClr val="dk1"/>
                 </a:solidFill>
@@ -3689,7 +3594,7 @@
               </a:rPr>
               <a:t>Clique para editar o título mestre</a:t>
             </a:r>
-            <a:endParaRPr b="0" lang="pt-BR" sz="4400" strike="noStrike" u="none">
+            <a:endParaRPr b="0" lang="pt-BR" sz="3200" strike="noStrike" u="none">
               <a:solidFill>
                 <a:srgbClr val="000000"/>
               </a:solidFill>
@@ -3712,8 +3617,8 @@
         </p:nvSpPr>
         <p:spPr>
           <a:xfrm>
-            <a:off x="838080" y="365040"/>
-            <a:ext cx="7732800" cy="5810400"/>
+            <a:off x="5183280" y="987480"/>
+            <a:ext cx="6169320" cy="4870800"/>
           </a:xfrm>
           <a:prstGeom prst="rect">
             <a:avLst/>
@@ -3724,25 +3629,26 @@
           </a:ln>
         </p:spPr>
         <p:txBody>
-          <a:bodyPr lIns="91440" rIns="91440" tIns="45720" bIns="45720" anchor="t" vert="eaVert">
+          <a:bodyPr lIns="90000" rIns="90000" tIns="45000" bIns="45000" anchor="t">
             <a:noAutofit/>
           </a:bodyPr>
           <a:p>
-            <a:pPr marL="228600" indent="-228600" defTabSz="914400">
+            <a:pPr marL="432000" indent="-324000">
               <a:lnSpc>
                 <a:spcPct val="90000"/>
               </a:lnSpc>
               <a:spcBef>
-                <a:spcPts val="1001"/>
+                <a:spcPts val="1417"/>
               </a:spcBef>
               <a:buClr>
                 <a:srgbClr val="000000"/>
               </a:buClr>
-              <a:buFont typeface="Arial"/>
-              <a:buChar char="•"/>
-            </a:pPr>
-            <a:r>
-              <a:rPr b="0" lang="pt-BR" sz="2800" strike="noStrike" u="none">
+              <a:buSzPct val="45000"/>
+              <a:buFont typeface="Wingdings" charset="2"/>
+              <a:buChar char=""/>
+            </a:pPr>
+            <a:r>
+              <a:rPr b="0" lang="de-DE" sz="3200" strike="noStrike" u="none">
                 <a:solidFill>
                   <a:schemeClr val="dk1"/>
                 </a:solidFill>
@@ -3750,33 +3656,34 @@
                 <a:uFillTx/>
                 <a:latin typeface="Aptos"/>
               </a:rPr>
-              <a:t>Clique para editar o texto mestre</a:t>
-            </a:r>
-            <a:endParaRPr b="0" lang="pt-BR" sz="2800" strike="noStrike" u="none">
-              <a:solidFill>
-                <a:srgbClr val="000000"/>
-              </a:solidFill>
-              <a:effectLst/>
-              <a:uFillTx/>
-              <a:latin typeface="Arial"/>
-            </a:endParaRPr>
-          </a:p>
-          <a:p>
-            <a:pPr lvl="1" marL="685800" indent="-228600" defTabSz="914400">
+              <a:t>Clique para editar o formato de texto dos tópicos</a:t>
+            </a:r>
+            <a:endParaRPr b="0" lang="pt-BR" sz="3200" strike="noStrike" u="none">
+              <a:solidFill>
+                <a:srgbClr val="000000"/>
+              </a:solidFill>
+              <a:effectLst/>
+              <a:uFillTx/>
+              <a:latin typeface="Arial"/>
+            </a:endParaRPr>
+          </a:p>
+          <a:p>
+            <a:pPr lvl="1" marL="864000" indent="-324000">
               <a:lnSpc>
                 <a:spcPct val="90000"/>
               </a:lnSpc>
               <a:spcBef>
-                <a:spcPts val="499"/>
+                <a:spcPts val="1134"/>
               </a:spcBef>
               <a:buClr>
                 <a:srgbClr val="000000"/>
               </a:buClr>
-              <a:buFont typeface="Arial"/>
-              <a:buChar char="•"/>
-            </a:pPr>
-            <a:r>
-              <a:rPr b="0" lang="pt-BR" sz="2400" strike="noStrike" u="none">
+              <a:buSzPct val="75000"/>
+              <a:buFont typeface="Symbol" charset="2"/>
+              <a:buChar char=""/>
+            </a:pPr>
+            <a:r>
+              <a:rPr b="0" lang="de-DE" sz="3200" strike="noStrike" u="none">
                 <a:solidFill>
                   <a:schemeClr val="dk1"/>
                 </a:solidFill>
@@ -3784,33 +3691,34 @@
                 <a:uFillTx/>
                 <a:latin typeface="Aptos"/>
               </a:rPr>
-              <a:t>Segundo nível</a:t>
-            </a:r>
-            <a:endParaRPr b="0" lang="pt-BR" sz="2400" strike="noStrike" u="none">
-              <a:solidFill>
-                <a:srgbClr val="000000"/>
-              </a:solidFill>
-              <a:effectLst/>
-              <a:uFillTx/>
-              <a:latin typeface="Arial"/>
-            </a:endParaRPr>
-          </a:p>
-          <a:p>
-            <a:pPr lvl="2" marL="1143000" indent="-228600" defTabSz="914400">
+              <a:t>2.º nível de tópicos</a:t>
+            </a:r>
+            <a:endParaRPr b="0" lang="pt-BR" sz="3200" strike="noStrike" u="none">
+              <a:solidFill>
+                <a:srgbClr val="000000"/>
+              </a:solidFill>
+              <a:effectLst/>
+              <a:uFillTx/>
+              <a:latin typeface="Arial"/>
+            </a:endParaRPr>
+          </a:p>
+          <a:p>
+            <a:pPr lvl="2" marL="1296000" indent="-288000">
               <a:lnSpc>
                 <a:spcPct val="90000"/>
               </a:lnSpc>
               <a:spcBef>
-                <a:spcPts val="499"/>
+                <a:spcPts val="850"/>
               </a:spcBef>
               <a:buClr>
                 <a:srgbClr val="000000"/>
               </a:buClr>
-              <a:buFont typeface="Arial"/>
-              <a:buChar char="•"/>
-            </a:pPr>
-            <a:r>
-              <a:rPr b="0" lang="pt-BR" sz="2000" strike="noStrike" u="none">
+              <a:buSzPct val="45000"/>
+              <a:buFont typeface="Wingdings" charset="2"/>
+              <a:buChar char=""/>
+            </a:pPr>
+            <a:r>
+              <a:rPr b="0" lang="de-DE" sz="3200" strike="noStrike" u="none">
                 <a:solidFill>
                   <a:schemeClr val="dk1"/>
                 </a:solidFill>
@@ -3818,33 +3726,34 @@
                 <a:uFillTx/>
                 <a:latin typeface="Aptos"/>
               </a:rPr>
-              <a:t>Terceiro nível</a:t>
-            </a:r>
-            <a:endParaRPr b="0" lang="pt-BR" sz="2000" strike="noStrike" u="none">
-              <a:solidFill>
-                <a:srgbClr val="000000"/>
-              </a:solidFill>
-              <a:effectLst/>
-              <a:uFillTx/>
-              <a:latin typeface="Arial"/>
-            </a:endParaRPr>
-          </a:p>
-          <a:p>
-            <a:pPr lvl="3" marL="1600200" indent="-228600" defTabSz="914400">
+              <a:t>3.º nível de tópicos</a:t>
+            </a:r>
+            <a:endParaRPr b="0" lang="pt-BR" sz="3200" strike="noStrike" u="none">
+              <a:solidFill>
+                <a:srgbClr val="000000"/>
+              </a:solidFill>
+              <a:effectLst/>
+              <a:uFillTx/>
+              <a:latin typeface="Arial"/>
+            </a:endParaRPr>
+          </a:p>
+          <a:p>
+            <a:pPr lvl="3" marL="1728000" indent="-216000">
               <a:lnSpc>
                 <a:spcPct val="90000"/>
               </a:lnSpc>
               <a:spcBef>
-                <a:spcPts val="499"/>
+                <a:spcPts val="567"/>
               </a:spcBef>
               <a:buClr>
                 <a:srgbClr val="000000"/>
               </a:buClr>
-              <a:buFont typeface="Arial"/>
-              <a:buChar char="•"/>
-            </a:pPr>
-            <a:r>
-              <a:rPr b="0" lang="pt-BR" sz="1800" strike="noStrike" u="none">
+              <a:buSzPct val="75000"/>
+              <a:buFont typeface="Symbol" charset="2"/>
+              <a:buChar char=""/>
+            </a:pPr>
+            <a:r>
+              <a:rPr b="0" lang="de-DE" sz="3200" strike="noStrike" u="none">
                 <a:solidFill>
                   <a:schemeClr val="dk1"/>
                 </a:solidFill>
@@ -3852,33 +3761,34 @@
                 <a:uFillTx/>
                 <a:latin typeface="Aptos"/>
               </a:rPr>
-              <a:t>Quarto nível</a:t>
-            </a:r>
-            <a:endParaRPr b="0" lang="pt-BR" sz="1800" strike="noStrike" u="none">
-              <a:solidFill>
-                <a:srgbClr val="000000"/>
-              </a:solidFill>
-              <a:effectLst/>
-              <a:uFillTx/>
-              <a:latin typeface="Arial"/>
-            </a:endParaRPr>
-          </a:p>
-          <a:p>
-            <a:pPr lvl="4" marL="2057400" indent="-228600" defTabSz="914400">
+              <a:t>4.º nível de tópicos</a:t>
+            </a:r>
+            <a:endParaRPr b="0" lang="pt-BR" sz="3200" strike="noStrike" u="none">
+              <a:solidFill>
+                <a:srgbClr val="000000"/>
+              </a:solidFill>
+              <a:effectLst/>
+              <a:uFillTx/>
+              <a:latin typeface="Arial"/>
+            </a:endParaRPr>
+          </a:p>
+          <a:p>
+            <a:pPr lvl="4" marL="2160000" indent="-216000">
               <a:lnSpc>
                 <a:spcPct val="90000"/>
               </a:lnSpc>
               <a:spcBef>
-                <a:spcPts val="499"/>
+                <a:spcPts val="283"/>
               </a:spcBef>
               <a:buClr>
                 <a:srgbClr val="000000"/>
               </a:buClr>
-              <a:buFont typeface="Arial"/>
-              <a:buChar char="•"/>
-            </a:pPr>
-            <a:r>
-              <a:rPr b="0" lang="pt-BR" sz="1800" strike="noStrike" u="none">
+              <a:buSzPct val="45000"/>
+              <a:buFont typeface="Wingdings" charset="2"/>
+              <a:buChar char=""/>
+            </a:pPr>
+            <a:r>
+              <a:rPr b="0" lang="de-DE" sz="3200" strike="noStrike" u="none">
                 <a:solidFill>
                   <a:schemeClr val="dk1"/>
                 </a:solidFill>
@@ -3886,9 +3796,79 @@
                 <a:uFillTx/>
                 <a:latin typeface="Aptos"/>
               </a:rPr>
-              <a:t>Quinto nível</a:t>
-            </a:r>
-            <a:endParaRPr b="0" lang="pt-BR" sz="1800" strike="noStrike" u="none">
+              <a:t>5.º nível de tópicos</a:t>
+            </a:r>
+            <a:endParaRPr b="0" lang="pt-BR" sz="3200" strike="noStrike" u="none">
+              <a:solidFill>
+                <a:srgbClr val="000000"/>
+              </a:solidFill>
+              <a:effectLst/>
+              <a:uFillTx/>
+              <a:latin typeface="Arial"/>
+            </a:endParaRPr>
+          </a:p>
+          <a:p>
+            <a:pPr lvl="5" marL="2592000" indent="-216000">
+              <a:lnSpc>
+                <a:spcPct val="90000"/>
+              </a:lnSpc>
+              <a:spcBef>
+                <a:spcPts val="283"/>
+              </a:spcBef>
+              <a:buClr>
+                <a:srgbClr val="000000"/>
+              </a:buClr>
+              <a:buSzPct val="45000"/>
+              <a:buFont typeface="Wingdings" charset="2"/>
+              <a:buChar char=""/>
+            </a:pPr>
+            <a:r>
+              <a:rPr b="0" lang="de-DE" sz="3200" strike="noStrike" u="none">
+                <a:solidFill>
+                  <a:schemeClr val="dk1"/>
+                </a:solidFill>
+                <a:effectLst/>
+                <a:uFillTx/>
+                <a:latin typeface="Aptos"/>
+              </a:rPr>
+              <a:t>6.º nível de tópicos</a:t>
+            </a:r>
+            <a:endParaRPr b="0" lang="pt-BR" sz="3200" strike="noStrike" u="none">
+              <a:solidFill>
+                <a:srgbClr val="000000"/>
+              </a:solidFill>
+              <a:effectLst/>
+              <a:uFillTx/>
+              <a:latin typeface="Arial"/>
+            </a:endParaRPr>
+          </a:p>
+          <a:p>
+            <a:pPr lvl="6" marL="3024000" indent="-216000">
+              <a:lnSpc>
+                <a:spcPct val="90000"/>
+              </a:lnSpc>
+              <a:spcBef>
+                <a:spcPts val="283"/>
+              </a:spcBef>
+              <a:buClr>
+                <a:srgbClr val="000000"/>
+              </a:buClr>
+              <a:buSzPct val="45000"/>
+              <a:buFont typeface="Wingdings" charset="2"/>
+              <a:buChar char=""/>
+            </a:pPr>
+            <a:r>
+              <a:rPr b="0" lang="de-DE" sz="3200" strike="noStrike" u="none">
+                <a:solidFill>
+                  <a:schemeClr val="dk1"/>
+                </a:solidFill>
+                <a:effectLst/>
+                <a:uFillTx/>
+                <a:latin typeface="Aptos"/>
+              </a:rPr>
+              <a:t>7.º nível de tópicos</a:t>
+            </a:r>
+            <a:endParaRPr b="0" lang="pt-BR" sz="3200" strike="noStrike" u="none">
               <a:solidFill>
                 <a:srgbClr val="000000"/>
               </a:solidFill>
@@ -3906,13 +3886,13 @@
             <a:spLocks noGrp="1"/>
           </p:cNvSpPr>
           <p:nvPr>
-            <p:ph type="dt" idx="10"/>
+            <p:ph type="body"/>
           </p:nvPr>
         </p:nvSpPr>
         <p:spPr>
           <a:xfrm>
-            <a:off x="838080" y="6356520"/>
-            <a:ext cx="2741760" cy="363600"/>
+            <a:off x="839880" y="2057400"/>
+            <a:ext cx="3929400" cy="3808800"/>
           </a:xfrm>
           <a:prstGeom prst="rect">
             <a:avLst/>
@@ -3923,60 +3903,40 @@
           </a:ln>
         </p:spPr>
         <p:txBody>
-          <a:bodyPr lIns="91440" rIns="91440" tIns="45720" bIns="45720" anchor="ctr">
+          <a:bodyPr lIns="91440" rIns="91440" tIns="45720" bIns="45720" anchor="t">
             <a:noAutofit/>
           </a:bodyPr>
-          <a:lstStyle>
-            <a:lvl1pPr indent="0" defTabSz="914400">
-              <a:lnSpc>
-                <a:spcPct val="100000"/>
-              </a:lnSpc>
+          <a:p>
+            <a:pPr indent="0" defTabSz="914400">
+              <a:lnSpc>
+                <a:spcPct val="90000"/>
+              </a:lnSpc>
+              <a:spcBef>
+                <a:spcPts val="1001"/>
+              </a:spcBef>
               <a:buNone/>
               <a:tabLst>
                 <a:tab algn="l" pos="0"/>
               </a:tabLst>
-              <a:defRPr b="0" lang="de-DE" sz="1200" strike="noStrike" u="none">
-                <a:solidFill>
-                  <a:schemeClr val="dk1">
-                    <a:tint val="82000"/>
-                  </a:schemeClr>
-                </a:solidFill>
-                <a:effectLst/>
-                <a:uFillTx/>
-                <a:latin typeface="Aptos"/>
-              </a:defRPr>
-            </a:lvl1pPr>
-          </a:lstStyle>
-          <a:p>
-            <a:pPr indent="0" defTabSz="914400">
-              <a:lnSpc>
-                <a:spcPct val="100000"/>
-              </a:lnSpc>
-              <a:buNone/>
-              <a:tabLst>
-                <a:tab algn="l" pos="0"/>
-              </a:tabLst>
-            </a:pPr>
-            <a:r>
-              <a:rPr b="0" lang="de-DE" sz="1200" strike="noStrike" u="none">
-                <a:solidFill>
-                  <a:schemeClr val="dk1">
-                    <a:tint val="82000"/>
-                  </a:schemeClr>
-                </a:solidFill>
-                <a:effectLst/>
-                <a:uFillTx/>
-                <a:latin typeface="Aptos"/>
-              </a:rPr>
-              <a:t>&lt;data/hora&gt;</a:t>
-            </a:r>
-            <a:endParaRPr b="0" lang="pt-BR" sz="1200" strike="noStrike" u="none">
-              <a:solidFill>
-                <a:srgbClr val="000000"/>
-              </a:solidFill>
-              <a:effectLst/>
-              <a:uFillTx/>
-              <a:latin typeface="Times New Roman"/>
+            </a:pPr>
+            <a:r>
+              <a:rPr b="0" lang="pt-BR" sz="1600" strike="noStrike" u="none">
+                <a:solidFill>
+                  <a:schemeClr val="dk1"/>
+                </a:solidFill>
+                <a:effectLst/>
+                <a:uFillTx/>
+                <a:latin typeface="Aptos"/>
+              </a:rPr>
+              <a:t>Clique para editar o texto mestre</a:t>
+            </a:r>
+            <a:endParaRPr b="0" lang="pt-BR" sz="1600" strike="noStrike" u="none">
+              <a:solidFill>
+                <a:srgbClr val="000000"/>
+              </a:solidFill>
+              <a:effectLst/>
+              <a:uFillTx/>
+              <a:latin typeface="Arial"/>
             </a:endParaRPr>
           </a:p>
         </p:txBody>
@@ -3988,13 +3948,13 @@
             <a:spLocks noGrp="1"/>
           </p:cNvSpPr>
           <p:nvPr>
-            <p:ph type="ftr" idx="11"/>
+            <p:ph type="dt" idx="10"/>
           </p:nvPr>
         </p:nvSpPr>
         <p:spPr>
           <a:xfrm>
-            <a:off x="4038480" y="6356520"/>
-            <a:ext cx="4113360" cy="363600"/>
+            <a:off x="838080" y="6356520"/>
+            <a:ext cx="2740320" cy="362160"/>
           </a:xfrm>
           <a:prstGeom prst="rect">
             <a:avLst/>
@@ -4009,7 +3969,7 @@
             <a:noAutofit/>
           </a:bodyPr>
           <a:lstStyle>
-            <a:lvl1pPr indent="0" algn="ctr">
+            <a:lvl1pPr indent="0" defTabSz="914400">
               <a:lnSpc>
                 <a:spcPct val="100000"/>
               </a:lnSpc>
@@ -4017,18 +3977,20 @@
               <a:tabLst>
                 <a:tab algn="l" pos="0"/>
               </a:tabLst>
-              <a:defRPr b="0" lang="pt-BR" sz="1400" strike="noStrike" u="none">
-                <a:solidFill>
-                  <a:srgbClr val="000000"/>
-                </a:solidFill>
-                <a:effectLst/>
-                <a:uFillTx/>
-                <a:latin typeface="Times New Roman"/>
+              <a:defRPr b="0" lang="de-DE" sz="1200" strike="noStrike" u="none">
+                <a:solidFill>
+                  <a:schemeClr val="dk1">
+                    <a:tint val="82000"/>
+                  </a:schemeClr>
+                </a:solidFill>
+                <a:effectLst/>
+                <a:uFillTx/>
+                <a:latin typeface="Aptos"/>
               </a:defRPr>
             </a:lvl1pPr>
           </a:lstStyle>
           <a:p>
-            <a:pPr indent="0" algn="ctr">
+            <a:pPr indent="0" defTabSz="914400">
               <a:lnSpc>
                 <a:spcPct val="100000"/>
               </a:lnSpc>
@@ -4038,17 +4000,19 @@
               </a:tabLst>
             </a:pPr>
             <a:r>
-              <a:rPr b="0" lang="pt-BR" sz="1400" strike="noStrike" u="none">
-                <a:solidFill>
-                  <a:srgbClr val="000000"/>
-                </a:solidFill>
-                <a:effectLst/>
-                <a:uFillTx/>
-                <a:latin typeface="Times New Roman"/>
-              </a:rPr>
-              <a:t>&lt;rodapé&gt;</a:t>
-            </a:r>
-            <a:endParaRPr b="0" lang="pt-BR" sz="1400" strike="noStrike" u="none">
+              <a:rPr b="0" lang="de-DE" sz="1200" strike="noStrike" u="none">
+                <a:solidFill>
+                  <a:schemeClr val="dk1">
+                    <a:tint val="82000"/>
+                  </a:schemeClr>
+                </a:solidFill>
+                <a:effectLst/>
+                <a:uFillTx/>
+                <a:latin typeface="Aptos"/>
+              </a:rPr>
+              <a:t>&lt;data/hora&gt;</a:t>
+            </a:r>
+            <a:endParaRPr b="0" lang="pt-BR" sz="1200" strike="noStrike" u="none">
               <a:solidFill>
                 <a:srgbClr val="000000"/>
               </a:solidFill>
@@ -4066,13 +4030,91 @@
             <a:spLocks noGrp="1"/>
           </p:cNvSpPr>
           <p:nvPr>
+            <p:ph type="ftr" idx="11"/>
+          </p:nvPr>
+        </p:nvSpPr>
+        <p:spPr>
+          <a:xfrm>
+            <a:off x="4038480" y="6356520"/>
+            <a:ext cx="4111920" cy="362160"/>
+          </a:xfrm>
+          <a:prstGeom prst="rect">
+            <a:avLst/>
+          </a:prstGeom>
+          <a:noFill/>
+          <a:ln w="0">
+            <a:noFill/>
+          </a:ln>
+        </p:spPr>
+        <p:txBody>
+          <a:bodyPr lIns="91440" rIns="91440" tIns="45720" bIns="45720" anchor="ctr">
+            <a:noAutofit/>
+          </a:bodyPr>
+          <a:lstStyle>
+            <a:lvl1pPr indent="0" algn="ctr">
+              <a:lnSpc>
+                <a:spcPct val="100000"/>
+              </a:lnSpc>
+              <a:buNone/>
+              <a:tabLst>
+                <a:tab algn="l" pos="0"/>
+              </a:tabLst>
+              <a:defRPr b="0" lang="pt-BR" sz="1400" strike="noStrike" u="none">
+                <a:solidFill>
+                  <a:srgbClr val="000000"/>
+                </a:solidFill>
+                <a:effectLst/>
+                <a:uFillTx/>
+                <a:latin typeface="Times New Roman"/>
+              </a:defRPr>
+            </a:lvl1pPr>
+          </a:lstStyle>
+          <a:p>
+            <a:pPr indent="0" algn="ctr">
+              <a:lnSpc>
+                <a:spcPct val="100000"/>
+              </a:lnSpc>
+              <a:buNone/>
+              <a:tabLst>
+                <a:tab algn="l" pos="0"/>
+              </a:tabLst>
+            </a:pPr>
+            <a:r>
+              <a:rPr b="0" lang="pt-BR" sz="1400" strike="noStrike" u="none">
+                <a:solidFill>
+                  <a:srgbClr val="000000"/>
+                </a:solidFill>
+                <a:effectLst/>
+                <a:uFillTx/>
+                <a:latin typeface="Times New Roman"/>
+              </a:rPr>
+              <a:t>&lt;rodapé&gt;</a:t>
+            </a:r>
+            <a:endParaRPr b="0" lang="pt-BR" sz="1400" strike="noStrike" u="none">
+              <a:solidFill>
+                <a:srgbClr val="000000"/>
+              </a:solidFill>
+              <a:effectLst/>
+              <a:uFillTx/>
+              <a:latin typeface="Times New Roman"/>
+            </a:endParaRPr>
+          </a:p>
+        </p:txBody>
+      </p:sp>
+      <p:sp>
+        <p:nvSpPr>
+          <p:cNvPr id="20" name="PlaceHolder 6"/>
+          <p:cNvSpPr>
+            <a:spLocks noGrp="1"/>
+          </p:cNvSpPr>
+          <p:nvPr>
             <p:ph type="sldNum" idx="12"/>
           </p:nvPr>
         </p:nvSpPr>
         <p:spPr>
           <a:xfrm>
             <a:off x="8610480" y="6356520"/>
-            <a:ext cx="2741760" cy="363600"/>
+            <a:ext cx="2740320" cy="362160"/>
           </a:xfrm>
           <a:prstGeom prst="rect">
             <a:avLst/>
@@ -4117,7 +4159,7 @@
                 <a:tab algn="l" pos="0"/>
               </a:tabLst>
             </a:pPr>
-            <a:fld id="{5EAE9FA9-5AD9-47A0-BAC6-0A4294CEE046}" type="slidenum">
+            <a:fld id="{86AB139C-8D52-4D66-B12F-09EEA09F2C92}" type="slidenum">
               <a:rPr b="0" lang="de-DE" sz="1200" strike="noStrike" u="none">
                 <a:solidFill>
                   <a:schemeClr val="dk1">
@@ -4147,8 +4189,8 @@
 </file>
 
 <file path=ppt/slideLayouts/slideLayout5.xml><?xml version="1.0" encoding="utf-8"?>
-<p:sldLayout xmlns:a="http://schemas.openxmlformats.org/drawingml/2006/main" xmlns:p="http://schemas.openxmlformats.org/presentationml/2006/main" xmlns:r="http://schemas.openxmlformats.org/officeDocument/2006/relationships" xmlns:p14="http://schemas.microsoft.com/office/powerpoint/2010/main" xmlns:p15="http://schemas.microsoft.com/office/powerpoint/2012/main" xmlns:mc="http://schemas.openxmlformats.org/markup-compatibility/2006" type="obj" preserve="1">
-  <p:cSld name="Título e conteúdo">
+<p:sldLayout xmlns:a="http://schemas.openxmlformats.org/drawingml/2006/main" xmlns:p="http://schemas.openxmlformats.org/presentationml/2006/main" xmlns:r="http://schemas.openxmlformats.org/officeDocument/2006/relationships" xmlns:p14="http://schemas.microsoft.com/office/powerpoint/2010/main" xmlns:p15="http://schemas.microsoft.com/office/powerpoint/2012/main" xmlns:mc="http://schemas.openxmlformats.org/markup-compatibility/2006" type="title" preserve="1">
+  <p:cSld name="Slide de título">
     <p:bg>
       <p:bgPr>
         <a:solidFill>
@@ -4172,7 +4214,7 @@
       </p:grpSpPr>
       <p:sp>
         <p:nvSpPr>
-          <p:cNvPr id="20" name="PlaceHolder 1"/>
+          <p:cNvPr id="21" name="PlaceHolder 1"/>
           <p:cNvSpPr>
             <a:spLocks noGrp="1"/>
           </p:cNvSpPr>
@@ -4182,8 +4224,67 @@
         </p:nvSpPr>
         <p:spPr>
           <a:xfrm>
-            <a:off x="838080" y="365040"/>
-            <a:ext cx="10514160" cy="1324080"/>
+            <a:off x="1523880" y="1122480"/>
+            <a:ext cx="9141120" cy="2384640"/>
+          </a:xfrm>
+          <a:prstGeom prst="rect">
+            <a:avLst/>
+          </a:prstGeom>
+          <a:noFill/>
+          <a:ln w="0">
+            <a:noFill/>
+          </a:ln>
+        </p:spPr>
+        <p:txBody>
+          <a:bodyPr lIns="91440" rIns="91440" tIns="45720" bIns="45720" anchor="b">
+            <a:noAutofit/>
+          </a:bodyPr>
+          <a:p>
+            <a:pPr indent="0" algn="ctr" defTabSz="914400">
+              <a:lnSpc>
+                <a:spcPct val="90000"/>
+              </a:lnSpc>
+              <a:buNone/>
+              <a:tabLst>
+                <a:tab algn="l" pos="0"/>
+              </a:tabLst>
+            </a:pPr>
+            <a:r>
+              <a:rPr b="0" lang="pt-BR" sz="6000" strike="noStrike" u="none">
+                <a:solidFill>
+                  <a:schemeClr val="dk1"/>
+                </a:solidFill>
+                <a:effectLst/>
+                <a:uFillTx/>
+                <a:latin typeface="Aptos Display"/>
+              </a:rPr>
+              <a:t>Clique para editar o título mestre</a:t>
+            </a:r>
+            <a:endParaRPr b="0" lang="pt-BR" sz="6000" strike="noStrike" u="none">
+              <a:solidFill>
+                <a:srgbClr val="000000"/>
+              </a:solidFill>
+              <a:effectLst/>
+              <a:uFillTx/>
+              <a:latin typeface="Arial"/>
+            </a:endParaRPr>
+          </a:p>
+        </p:txBody>
+      </p:sp>
+      <p:sp>
+        <p:nvSpPr>
+          <p:cNvPr id="22" name="PlaceHolder 2"/>
+          <p:cNvSpPr>
+            <a:spLocks noGrp="1"/>
+          </p:cNvSpPr>
+          <p:nvPr>
+            <p:ph type="dt" idx="13"/>
+          </p:nvPr>
+        </p:nvSpPr>
+        <p:spPr>
+          <a:xfrm>
+            <a:off x="838080" y="6356520"/>
+            <a:ext cx="2740320" cy="362160"/>
           </a:xfrm>
           <a:prstGeom prst="rect">
             <a:avLst/>
@@ -4197,41 +4298,224 @@
           <a:bodyPr lIns="91440" rIns="91440" tIns="45720" bIns="45720" anchor="ctr">
             <a:noAutofit/>
           </a:bodyPr>
-          <a:p>
-            <a:pPr indent="0" defTabSz="914400">
-              <a:lnSpc>
-                <a:spcPct val="90000"/>
+          <a:lstStyle>
+            <a:lvl1pPr indent="0" defTabSz="914400">
+              <a:lnSpc>
+                <a:spcPct val="100000"/>
               </a:lnSpc>
               <a:buNone/>
               <a:tabLst>
                 <a:tab algn="l" pos="0"/>
               </a:tabLst>
-            </a:pPr>
-            <a:r>
-              <a:rPr b="0" lang="pt-BR" sz="4400" strike="noStrike" u="none">
-                <a:solidFill>
-                  <a:schemeClr val="dk1"/>
-                </a:solidFill>
-                <a:effectLst/>
-                <a:uFillTx/>
-                <a:latin typeface="Aptos Display"/>
-              </a:rPr>
-              <a:t>Clique para editar o título mestre</a:t>
-            </a:r>
-            <a:endParaRPr b="0" lang="pt-BR" sz="4400" strike="noStrike" u="none">
-              <a:solidFill>
-                <a:srgbClr val="000000"/>
-              </a:solidFill>
-              <a:effectLst/>
-              <a:uFillTx/>
-              <a:latin typeface="Arial"/>
+              <a:defRPr b="0" lang="de-DE" sz="1200" strike="noStrike" u="none">
+                <a:solidFill>
+                  <a:schemeClr val="dk1">
+                    <a:tint val="82000"/>
+                  </a:schemeClr>
+                </a:solidFill>
+                <a:effectLst/>
+                <a:uFillTx/>
+                <a:latin typeface="Aptos"/>
+              </a:defRPr>
+            </a:lvl1pPr>
+          </a:lstStyle>
+          <a:p>
+            <a:pPr indent="0" defTabSz="914400">
+              <a:lnSpc>
+                <a:spcPct val="100000"/>
+              </a:lnSpc>
+              <a:buNone/>
+              <a:tabLst>
+                <a:tab algn="l" pos="0"/>
+              </a:tabLst>
+            </a:pPr>
+            <a:r>
+              <a:rPr b="0" lang="de-DE" sz="1200" strike="noStrike" u="none">
+                <a:solidFill>
+                  <a:schemeClr val="dk1">
+                    <a:tint val="82000"/>
+                  </a:schemeClr>
+                </a:solidFill>
+                <a:effectLst/>
+                <a:uFillTx/>
+                <a:latin typeface="Aptos"/>
+              </a:rPr>
+              <a:t>&lt;data/hora&gt;</a:t>
+            </a:r>
+            <a:endParaRPr b="0" lang="pt-BR" sz="1200" strike="noStrike" u="none">
+              <a:solidFill>
+                <a:srgbClr val="000000"/>
+              </a:solidFill>
+              <a:effectLst/>
+              <a:uFillTx/>
+              <a:latin typeface="Times New Roman"/>
             </a:endParaRPr>
           </a:p>
         </p:txBody>
       </p:sp>
       <p:sp>
         <p:nvSpPr>
-          <p:cNvPr id="21" name="PlaceHolder 2"/>
+          <p:cNvPr id="23" name="PlaceHolder 3"/>
+          <p:cNvSpPr>
+            <a:spLocks noGrp="1"/>
+          </p:cNvSpPr>
+          <p:nvPr>
+            <p:ph type="ftr" idx="14"/>
+          </p:nvPr>
+        </p:nvSpPr>
+        <p:spPr>
+          <a:xfrm>
+            <a:off x="4038480" y="6356520"/>
+            <a:ext cx="4111920" cy="362160"/>
+          </a:xfrm>
+          <a:prstGeom prst="rect">
+            <a:avLst/>
+          </a:prstGeom>
+          <a:noFill/>
+          <a:ln w="0">
+            <a:noFill/>
+          </a:ln>
+        </p:spPr>
+        <p:txBody>
+          <a:bodyPr lIns="91440" rIns="91440" tIns="45720" bIns="45720" anchor="ctr">
+            <a:noAutofit/>
+          </a:bodyPr>
+          <a:lstStyle>
+            <a:lvl1pPr indent="0" algn="ctr">
+              <a:lnSpc>
+                <a:spcPct val="100000"/>
+              </a:lnSpc>
+              <a:buNone/>
+              <a:tabLst>
+                <a:tab algn="l" pos="0"/>
+              </a:tabLst>
+              <a:defRPr b="0" lang="pt-BR" sz="1400" strike="noStrike" u="none">
+                <a:solidFill>
+                  <a:srgbClr val="000000"/>
+                </a:solidFill>
+                <a:effectLst/>
+                <a:uFillTx/>
+                <a:latin typeface="Times New Roman"/>
+              </a:defRPr>
+            </a:lvl1pPr>
+          </a:lstStyle>
+          <a:p>
+            <a:pPr indent="0" algn="ctr">
+              <a:lnSpc>
+                <a:spcPct val="100000"/>
+              </a:lnSpc>
+              <a:buNone/>
+              <a:tabLst>
+                <a:tab algn="l" pos="0"/>
+              </a:tabLst>
+            </a:pPr>
+            <a:r>
+              <a:rPr b="0" lang="pt-BR" sz="1400" strike="noStrike" u="none">
+                <a:solidFill>
+                  <a:srgbClr val="000000"/>
+                </a:solidFill>
+                <a:effectLst/>
+                <a:uFillTx/>
+                <a:latin typeface="Times New Roman"/>
+              </a:rPr>
+              <a:t>&lt;rodapé&gt;</a:t>
+            </a:r>
+            <a:endParaRPr b="0" lang="pt-BR" sz="1400" strike="noStrike" u="none">
+              <a:solidFill>
+                <a:srgbClr val="000000"/>
+              </a:solidFill>
+              <a:effectLst/>
+              <a:uFillTx/>
+              <a:latin typeface="Times New Roman"/>
+            </a:endParaRPr>
+          </a:p>
+        </p:txBody>
+      </p:sp>
+      <p:sp>
+        <p:nvSpPr>
+          <p:cNvPr id="24" name="PlaceHolder 4"/>
+          <p:cNvSpPr>
+            <a:spLocks noGrp="1"/>
+          </p:cNvSpPr>
+          <p:nvPr>
+            <p:ph type="sldNum" idx="15"/>
+          </p:nvPr>
+        </p:nvSpPr>
+        <p:spPr>
+          <a:xfrm>
+            <a:off x="8610480" y="6356520"/>
+            <a:ext cx="2740320" cy="362160"/>
+          </a:xfrm>
+          <a:prstGeom prst="rect">
+            <a:avLst/>
+          </a:prstGeom>
+          <a:noFill/>
+          <a:ln w="0">
+            <a:noFill/>
+          </a:ln>
+        </p:spPr>
+        <p:txBody>
+          <a:bodyPr lIns="91440" rIns="91440" tIns="45720" bIns="45720" anchor="ctr">
+            <a:noAutofit/>
+          </a:bodyPr>
+          <a:lstStyle>
+            <a:lvl1pPr indent="0" algn="r" defTabSz="914400">
+              <a:lnSpc>
+                <a:spcPct val="100000"/>
+              </a:lnSpc>
+              <a:buNone/>
+              <a:tabLst>
+                <a:tab algn="l" pos="0"/>
+              </a:tabLst>
+              <a:defRPr b="0" lang="de-DE" sz="1200" strike="noStrike" u="none">
+                <a:solidFill>
+                  <a:schemeClr val="dk1">
+                    <a:tint val="82000"/>
+                  </a:schemeClr>
+                </a:solidFill>
+                <a:effectLst/>
+                <a:uFillTx/>
+                <a:latin typeface="Aptos"/>
+              </a:defRPr>
+            </a:lvl1pPr>
+          </a:lstStyle>
+          <a:p>
+            <a:pPr indent="0" algn="r" defTabSz="914400">
+              <a:lnSpc>
+                <a:spcPct val="100000"/>
+              </a:lnSpc>
+              <a:buNone/>
+              <a:tabLst>
+                <a:tab algn="l" pos="0"/>
+              </a:tabLst>
+            </a:pPr>
+            <a:fld id="{4B3D426E-B1C9-4580-B3A5-08C5B464F7F9}" type="slidenum">
+              <a:rPr b="0" lang="de-DE" sz="1200" strike="noStrike" u="none">
+                <a:solidFill>
+                  <a:schemeClr val="dk1">
+                    <a:tint val="82000"/>
+                  </a:schemeClr>
+                </a:solidFill>
+                <a:effectLst/>
+                <a:uFillTx/>
+                <a:latin typeface="Aptos"/>
+              </a:rPr>
+              <a:t>&lt;número&gt;</a:t>
+            </a:fld>
+            <a:endParaRPr b="0" lang="pt-BR" sz="1200" strike="noStrike" u="none">
+              <a:solidFill>
+                <a:srgbClr val="000000"/>
+              </a:solidFill>
+              <a:effectLst/>
+              <a:uFillTx/>
+              <a:latin typeface="Times New Roman"/>
+            </a:endParaRPr>
+          </a:p>
+        </p:txBody>
+      </p:sp>
+      <p:sp>
+        <p:nvSpPr>
+          <p:cNvPr id="25" name="PlaceHolder 5"/>
           <p:cNvSpPr>
             <a:spLocks noGrp="1"/>
           </p:cNvSpPr>
@@ -4241,8 +4525,8 @@
         </p:nvSpPr>
         <p:spPr>
           <a:xfrm>
-            <a:off x="838080" y="1825560"/>
-            <a:ext cx="10514160" cy="4349880"/>
+            <a:off x="609480" y="1604520"/>
+            <a:ext cx="10969920" cy="3974760"/>
           </a:xfrm>
           <a:prstGeom prst="rect">
             <a:avLst/>
@@ -4253,25 +4537,26 @@
           </a:ln>
         </p:spPr>
         <p:txBody>
-          <a:bodyPr lIns="91440" rIns="91440" tIns="45720" bIns="45720" anchor="t">
-            <a:noAutofit/>
+          <a:bodyPr lIns="0" rIns="0" tIns="0" bIns="0" anchor="t">
+            <a:normAutofit/>
           </a:bodyPr>
           <a:p>
-            <a:pPr marL="228600" indent="-228600" defTabSz="914400">
+            <a:pPr marL="432000" indent="-324000">
               <a:lnSpc>
                 <a:spcPct val="90000"/>
               </a:lnSpc>
               <a:spcBef>
-                <a:spcPts val="1001"/>
+                <a:spcPts val="1417"/>
               </a:spcBef>
               <a:buClr>
                 <a:srgbClr val="000000"/>
               </a:buClr>
-              <a:buFont typeface="Arial"/>
-              <a:buChar char="•"/>
-            </a:pPr>
-            <a:r>
-              <a:rPr b="0" lang="pt-BR" sz="2800" strike="noStrike" u="none">
+              <a:buSzPct val="45000"/>
+              <a:buFont typeface="Wingdings" charset="2"/>
+              <a:buChar char=""/>
+            </a:pPr>
+            <a:r>
+              <a:rPr b="0" lang="de-DE" sz="2800" strike="noStrike" u="none">
                 <a:solidFill>
                   <a:schemeClr val="dk1"/>
                 </a:solidFill>
@@ -4279,7 +4564,7 @@
                 <a:uFillTx/>
                 <a:latin typeface="Aptos"/>
               </a:rPr>
-              <a:t>Clique para editar o texto mestre</a:t>
+              <a:t>Clique para editar o formato de texto dos tópicos</a:t>
             </a:r>
             <a:endParaRPr b="0" lang="pt-BR" sz="2800" strike="noStrike" u="none">
               <a:solidFill>
@@ -4291,21 +4576,22 @@
             </a:endParaRPr>
           </a:p>
           <a:p>
-            <a:pPr lvl="1" marL="685800" indent="-228600" defTabSz="914400">
+            <a:pPr lvl="1" marL="864000" indent="-324000">
               <a:lnSpc>
                 <a:spcPct val="90000"/>
               </a:lnSpc>
               <a:spcBef>
-                <a:spcPts val="499"/>
+                <a:spcPts val="1134"/>
               </a:spcBef>
               <a:buClr>
                 <a:srgbClr val="000000"/>
               </a:buClr>
-              <a:buFont typeface="Arial"/>
-              <a:buChar char="•"/>
-            </a:pPr>
-            <a:r>
-              <a:rPr b="0" lang="pt-BR" sz="2400" strike="noStrike" u="none">
+              <a:buSzPct val="75000"/>
+              <a:buFont typeface="Symbol" charset="2"/>
+              <a:buChar char=""/>
+            </a:pPr>
+            <a:r>
+              <a:rPr b="0" lang="de-DE" sz="2000" strike="noStrike" u="none">
                 <a:solidFill>
                   <a:schemeClr val="dk1"/>
                 </a:solidFill>
@@ -4313,33 +4599,34 @@
                 <a:uFillTx/>
                 <a:latin typeface="Aptos"/>
               </a:rPr>
-              <a:t>Segundo nível</a:t>
-            </a:r>
-            <a:endParaRPr b="0" lang="pt-BR" sz="2400" strike="noStrike" u="none">
-              <a:solidFill>
-                <a:srgbClr val="000000"/>
-              </a:solidFill>
-              <a:effectLst/>
-              <a:uFillTx/>
-              <a:latin typeface="Arial"/>
-            </a:endParaRPr>
-          </a:p>
-          <a:p>
-            <a:pPr lvl="2" marL="1143000" indent="-228600" defTabSz="914400">
+              <a:t>2.º nível de tópicos</a:t>
+            </a:r>
+            <a:endParaRPr b="0" lang="pt-BR" sz="2000" strike="noStrike" u="none">
+              <a:solidFill>
+                <a:srgbClr val="000000"/>
+              </a:solidFill>
+              <a:effectLst/>
+              <a:uFillTx/>
+              <a:latin typeface="Arial"/>
+            </a:endParaRPr>
+          </a:p>
+          <a:p>
+            <a:pPr lvl="2" marL="1296000" indent="-288000">
               <a:lnSpc>
                 <a:spcPct val="90000"/>
               </a:lnSpc>
               <a:spcBef>
-                <a:spcPts val="499"/>
+                <a:spcPts val="850"/>
               </a:spcBef>
               <a:buClr>
                 <a:srgbClr val="000000"/>
               </a:buClr>
-              <a:buFont typeface="Arial"/>
-              <a:buChar char="•"/>
-            </a:pPr>
-            <a:r>
-              <a:rPr b="0" lang="pt-BR" sz="2000" strike="noStrike" u="none">
+              <a:buSzPct val="45000"/>
+              <a:buFont typeface="Wingdings" charset="2"/>
+              <a:buChar char=""/>
+            </a:pPr>
+            <a:r>
+              <a:rPr b="0" lang="de-DE" sz="1800" strike="noStrike" u="none">
                 <a:solidFill>
                   <a:schemeClr val="dk1"/>
                 </a:solidFill>
@@ -4347,33 +4634,34 @@
                 <a:uFillTx/>
                 <a:latin typeface="Aptos"/>
               </a:rPr>
-              <a:t>Terceiro nível</a:t>
-            </a:r>
-            <a:endParaRPr b="0" lang="pt-BR" sz="2000" strike="noStrike" u="none">
-              <a:solidFill>
-                <a:srgbClr val="000000"/>
-              </a:solidFill>
-              <a:effectLst/>
-              <a:uFillTx/>
-              <a:latin typeface="Arial"/>
-            </a:endParaRPr>
-          </a:p>
-          <a:p>
-            <a:pPr lvl="3" marL="1600200" indent="-228600" defTabSz="914400">
+              <a:t>3.º nível de tópicos</a:t>
+            </a:r>
+            <a:endParaRPr b="0" lang="pt-BR" sz="1800" strike="noStrike" u="none">
+              <a:solidFill>
+                <a:srgbClr val="000000"/>
+              </a:solidFill>
+              <a:effectLst/>
+              <a:uFillTx/>
+              <a:latin typeface="Arial"/>
+            </a:endParaRPr>
+          </a:p>
+          <a:p>
+            <a:pPr lvl="3" marL="1728000" indent="-216000">
               <a:lnSpc>
                 <a:spcPct val="90000"/>
               </a:lnSpc>
               <a:spcBef>
-                <a:spcPts val="499"/>
+                <a:spcPts val="567"/>
               </a:spcBef>
               <a:buClr>
                 <a:srgbClr val="000000"/>
               </a:buClr>
-              <a:buFont typeface="Arial"/>
-              <a:buChar char="•"/>
-            </a:pPr>
-            <a:r>
-              <a:rPr b="0" lang="pt-BR" sz="1800" strike="noStrike" u="none">
+              <a:buSzPct val="75000"/>
+              <a:buFont typeface="Symbol" charset="2"/>
+              <a:buChar char=""/>
+            </a:pPr>
+            <a:r>
+              <a:rPr b="0" lang="de-DE" sz="1800" strike="noStrike" u="none">
                 <a:solidFill>
                   <a:schemeClr val="dk1"/>
                 </a:solidFill>
@@ -4381,7 +4669,7 @@
                 <a:uFillTx/>
                 <a:latin typeface="Aptos"/>
               </a:rPr>
-              <a:t>Quarto nível</a:t>
+              <a:t>4.º nível de tópicos</a:t>
             </a:r>
             <a:endParaRPr b="0" lang="pt-BR" sz="1800" strike="noStrike" u="none">
               <a:solidFill>
@@ -4393,21 +4681,22 @@
             </a:endParaRPr>
           </a:p>
           <a:p>
-            <a:pPr lvl="4" marL="2057400" indent="-228600" defTabSz="914400">
+            <a:pPr lvl="4" marL="2160000" indent="-216000">
               <a:lnSpc>
                 <a:spcPct val="90000"/>
               </a:lnSpc>
               <a:spcBef>
-                <a:spcPts val="499"/>
+                <a:spcPts val="283"/>
               </a:spcBef>
               <a:buClr>
                 <a:srgbClr val="000000"/>
               </a:buClr>
-              <a:buFont typeface="Arial"/>
-              <a:buChar char="•"/>
-            </a:pPr>
-            <a:r>
-              <a:rPr b="0" lang="pt-BR" sz="1800" strike="noStrike" u="none">
+              <a:buSzPct val="45000"/>
+              <a:buFont typeface="Wingdings" charset="2"/>
+              <a:buChar char=""/>
+            </a:pPr>
+            <a:r>
+              <a:rPr b="0" lang="de-DE" sz="2000" strike="noStrike" u="none">
                 <a:solidFill>
                   <a:schemeClr val="dk1"/>
                 </a:solidFill>
@@ -4415,257 +4704,85 @@
                 <a:uFillTx/>
                 <a:latin typeface="Aptos"/>
               </a:rPr>
-              <a:t>Quinto nível</a:t>
-            </a:r>
-            <a:endParaRPr b="0" lang="pt-BR" sz="1800" strike="noStrike" u="none">
-              <a:solidFill>
-                <a:srgbClr val="000000"/>
-              </a:solidFill>
-              <a:effectLst/>
-              <a:uFillTx/>
-              <a:latin typeface="Arial"/>
-            </a:endParaRPr>
-          </a:p>
-        </p:txBody>
-      </p:sp>
-      <p:sp>
-        <p:nvSpPr>
-          <p:cNvPr id="22" name="PlaceHolder 3"/>
-          <p:cNvSpPr>
-            <a:spLocks noGrp="1"/>
-          </p:cNvSpPr>
-          <p:nvPr>
-            <p:ph type="dt" idx="13"/>
-          </p:nvPr>
-        </p:nvSpPr>
-        <p:spPr>
-          <a:xfrm>
-            <a:off x="838080" y="6356520"/>
-            <a:ext cx="2741760" cy="363600"/>
-          </a:xfrm>
-          <a:prstGeom prst="rect">
-            <a:avLst/>
-          </a:prstGeom>
-          <a:noFill/>
-          <a:ln w="0">
-            <a:noFill/>
-          </a:ln>
-        </p:spPr>
-        <p:txBody>
-          <a:bodyPr lIns="91440" rIns="91440" tIns="45720" bIns="45720" anchor="ctr">
-            <a:noAutofit/>
-          </a:bodyPr>
-          <a:lstStyle>
-            <a:lvl1pPr indent="0" defTabSz="914400">
-              <a:lnSpc>
-                <a:spcPct val="100000"/>
-              </a:lnSpc>
-              <a:buNone/>
-              <a:tabLst>
-                <a:tab algn="l" pos="0"/>
-              </a:tabLst>
-              <a:defRPr b="0" lang="de-DE" sz="1200" strike="noStrike" u="none">
-                <a:solidFill>
-                  <a:schemeClr val="dk1">
-                    <a:tint val="82000"/>
-                  </a:schemeClr>
-                </a:solidFill>
-                <a:effectLst/>
-                <a:uFillTx/>
-                <a:latin typeface="Aptos"/>
-              </a:defRPr>
-            </a:lvl1pPr>
-          </a:lstStyle>
-          <a:p>
-            <a:pPr indent="0" defTabSz="914400">
-              <a:lnSpc>
-                <a:spcPct val="100000"/>
-              </a:lnSpc>
-              <a:buNone/>
-              <a:tabLst>
-                <a:tab algn="l" pos="0"/>
-              </a:tabLst>
-            </a:pPr>
-            <a:r>
-              <a:rPr b="0" lang="de-DE" sz="1200" strike="noStrike" u="none">
-                <a:solidFill>
-                  <a:schemeClr val="dk1">
-                    <a:tint val="82000"/>
-                  </a:schemeClr>
-                </a:solidFill>
-                <a:effectLst/>
-                <a:uFillTx/>
-                <a:latin typeface="Aptos"/>
-              </a:rPr>
-              <a:t>&lt;data/hora&gt;</a:t>
-            </a:r>
-            <a:endParaRPr b="0" lang="pt-BR" sz="1200" strike="noStrike" u="none">
-              <a:solidFill>
-                <a:srgbClr val="000000"/>
-              </a:solidFill>
-              <a:effectLst/>
-              <a:uFillTx/>
-              <a:latin typeface="Times New Roman"/>
-            </a:endParaRPr>
-          </a:p>
-        </p:txBody>
-      </p:sp>
-      <p:sp>
-        <p:nvSpPr>
-          <p:cNvPr id="23" name="PlaceHolder 4"/>
-          <p:cNvSpPr>
-            <a:spLocks noGrp="1"/>
-          </p:cNvSpPr>
-          <p:nvPr>
-            <p:ph type="ftr" idx="14"/>
-          </p:nvPr>
-        </p:nvSpPr>
-        <p:spPr>
-          <a:xfrm>
-            <a:off x="4038480" y="6356520"/>
-            <a:ext cx="4113360" cy="363600"/>
-          </a:xfrm>
-          <a:prstGeom prst="rect">
-            <a:avLst/>
-          </a:prstGeom>
-          <a:noFill/>
-          <a:ln w="0">
-            <a:noFill/>
-          </a:ln>
-        </p:spPr>
-        <p:txBody>
-          <a:bodyPr lIns="91440" rIns="91440" tIns="45720" bIns="45720" anchor="ctr">
-            <a:noAutofit/>
-          </a:bodyPr>
-          <a:lstStyle>
-            <a:lvl1pPr indent="0" algn="ctr">
-              <a:lnSpc>
-                <a:spcPct val="100000"/>
-              </a:lnSpc>
-              <a:buNone/>
-              <a:tabLst>
-                <a:tab algn="l" pos="0"/>
-              </a:tabLst>
-              <a:defRPr b="0" lang="pt-BR" sz="1400" strike="noStrike" u="none">
-                <a:solidFill>
-                  <a:srgbClr val="000000"/>
-                </a:solidFill>
-                <a:effectLst/>
-                <a:uFillTx/>
-                <a:latin typeface="Times New Roman"/>
-              </a:defRPr>
-            </a:lvl1pPr>
-          </a:lstStyle>
-          <a:p>
-            <a:pPr indent="0" algn="ctr">
-              <a:lnSpc>
-                <a:spcPct val="100000"/>
-              </a:lnSpc>
-              <a:buNone/>
-              <a:tabLst>
-                <a:tab algn="l" pos="0"/>
-              </a:tabLst>
-            </a:pPr>
-            <a:r>
-              <a:rPr b="0" lang="pt-BR" sz="1400" strike="noStrike" u="none">
-                <a:solidFill>
-                  <a:srgbClr val="000000"/>
-                </a:solidFill>
-                <a:effectLst/>
-                <a:uFillTx/>
-                <a:latin typeface="Times New Roman"/>
-              </a:rPr>
-              <a:t>&lt;rodapé&gt;</a:t>
-            </a:r>
-            <a:endParaRPr b="0" lang="pt-BR" sz="1400" strike="noStrike" u="none">
-              <a:solidFill>
-                <a:srgbClr val="000000"/>
-              </a:solidFill>
-              <a:effectLst/>
-              <a:uFillTx/>
-              <a:latin typeface="Times New Roman"/>
-            </a:endParaRPr>
-          </a:p>
-        </p:txBody>
-      </p:sp>
-      <p:sp>
-        <p:nvSpPr>
-          <p:cNvPr id="24" name="PlaceHolder 5"/>
-          <p:cNvSpPr>
-            <a:spLocks noGrp="1"/>
-          </p:cNvSpPr>
-          <p:nvPr>
-            <p:ph type="sldNum" idx="15"/>
-          </p:nvPr>
-        </p:nvSpPr>
-        <p:spPr>
-          <a:xfrm>
-            <a:off x="8610480" y="6356520"/>
-            <a:ext cx="2741760" cy="363600"/>
-          </a:xfrm>
-          <a:prstGeom prst="rect">
-            <a:avLst/>
-          </a:prstGeom>
-          <a:noFill/>
-          <a:ln w="0">
-            <a:noFill/>
-          </a:ln>
-        </p:spPr>
-        <p:txBody>
-          <a:bodyPr lIns="91440" rIns="91440" tIns="45720" bIns="45720" anchor="ctr">
-            <a:noAutofit/>
-          </a:bodyPr>
-          <a:lstStyle>
-            <a:lvl1pPr indent="0" algn="r" defTabSz="914400">
-              <a:lnSpc>
-                <a:spcPct val="100000"/>
-              </a:lnSpc>
-              <a:buNone/>
-              <a:tabLst>
-                <a:tab algn="l" pos="0"/>
-              </a:tabLst>
-              <a:defRPr b="0" lang="de-DE" sz="1200" strike="noStrike" u="none">
-                <a:solidFill>
-                  <a:schemeClr val="dk1">
-                    <a:tint val="82000"/>
-                  </a:schemeClr>
-                </a:solidFill>
-                <a:effectLst/>
-                <a:uFillTx/>
-                <a:latin typeface="Aptos"/>
-              </a:defRPr>
-            </a:lvl1pPr>
-          </a:lstStyle>
-          <a:p>
-            <a:pPr indent="0" algn="r" defTabSz="914400">
-              <a:lnSpc>
-                <a:spcPct val="100000"/>
-              </a:lnSpc>
-              <a:buNone/>
-              <a:tabLst>
-                <a:tab algn="l" pos="0"/>
-              </a:tabLst>
-            </a:pPr>
-            <a:fld id="{95E8E07D-1BB6-456D-B733-AD9DED9F25D4}" type="slidenum">
-              <a:rPr b="0" lang="de-DE" sz="1200" strike="noStrike" u="none">
-                <a:solidFill>
-                  <a:schemeClr val="dk1">
-                    <a:tint val="82000"/>
-                  </a:schemeClr>
-                </a:solidFill>
-                <a:effectLst/>
-                <a:uFillTx/>
-                <a:latin typeface="Aptos"/>
-              </a:rPr>
-              <a:t>&lt;número&gt;</a:t>
-            </a:fld>
-            <a:endParaRPr b="0" lang="pt-BR" sz="1200" strike="noStrike" u="none">
-              <a:solidFill>
-                <a:srgbClr val="000000"/>
-              </a:solidFill>
-              <a:effectLst/>
-              <a:uFillTx/>
-              <a:latin typeface="Times New Roman"/>
+              <a:t>5.º nível de tópicos</a:t>
+            </a:r>
+            <a:endParaRPr b="0" lang="pt-BR" sz="2000" strike="noStrike" u="none">
+              <a:solidFill>
+                <a:srgbClr val="000000"/>
+              </a:solidFill>
+              <a:effectLst/>
+              <a:uFillTx/>
+              <a:latin typeface="Arial"/>
+            </a:endParaRPr>
+          </a:p>
+          <a:p>
+            <a:pPr lvl="5" marL="2592000" indent="-216000">
+              <a:lnSpc>
+                <a:spcPct val="90000"/>
+              </a:lnSpc>
+              <a:spcBef>
+                <a:spcPts val="283"/>
+              </a:spcBef>
+              <a:buClr>
+                <a:srgbClr val="000000"/>
+              </a:buClr>
+              <a:buSzPct val="45000"/>
+              <a:buFont typeface="Wingdings" charset="2"/>
+              <a:buChar char=""/>
+            </a:pPr>
+            <a:r>
+              <a:rPr b="0" lang="de-DE" sz="2000" strike="noStrike" u="none">
+                <a:solidFill>
+                  <a:schemeClr val="dk1"/>
+                </a:solidFill>
+                <a:effectLst/>
+                <a:uFillTx/>
+                <a:latin typeface="Aptos"/>
+              </a:rPr>
+              <a:t>6.º nível de tópicos</a:t>
+            </a:r>
+            <a:endParaRPr b="0" lang="pt-BR" sz="2000" strike="noStrike" u="none">
+              <a:solidFill>
+                <a:srgbClr val="000000"/>
+              </a:solidFill>
+              <a:effectLst/>
+              <a:uFillTx/>
+              <a:latin typeface="Arial"/>
+            </a:endParaRPr>
+          </a:p>
+          <a:p>
+            <a:pPr lvl="6" marL="3024000" indent="-216000">
+              <a:lnSpc>
+                <a:spcPct val="90000"/>
+              </a:lnSpc>
+              <a:spcBef>
+                <a:spcPts val="283"/>
+              </a:spcBef>
+              <a:buClr>
+                <a:srgbClr val="000000"/>
+              </a:buClr>
+              <a:buSzPct val="45000"/>
+              <a:buFont typeface="Wingdings" charset="2"/>
+              <a:buChar char=""/>
+            </a:pPr>
+            <a:r>
+              <a:rPr b="0" lang="de-DE" sz="2000" strike="noStrike" u="none">
+                <a:solidFill>
+                  <a:schemeClr val="dk1"/>
+                </a:solidFill>
+                <a:effectLst/>
+                <a:uFillTx/>
+                <a:latin typeface="Aptos"/>
+              </a:rPr>
+              <a:t>7.º nível de tópicos</a:t>
+            </a:r>
+            <a:endParaRPr b="0" lang="pt-BR" sz="2000" strike="noStrike" u="none">
+              <a:solidFill>
+                <a:srgbClr val="000000"/>
+              </a:solidFill>
+              <a:effectLst/>
+              <a:uFillTx/>
+              <a:latin typeface="Arial"/>
             </a:endParaRPr>
           </a:p>
         </p:txBody>
@@ -4676,8 +4793,8 @@
 </file>
 
 <file path=ppt/slideLayouts/slideLayout6.xml><?xml version="1.0" encoding="utf-8"?>
-<p:sldLayout xmlns:a="http://schemas.openxmlformats.org/drawingml/2006/main" xmlns:p="http://schemas.openxmlformats.org/presentationml/2006/main" xmlns:r="http://schemas.openxmlformats.org/officeDocument/2006/relationships" xmlns:p14="http://schemas.microsoft.com/office/powerpoint/2010/main" xmlns:p15="http://schemas.microsoft.com/office/powerpoint/2012/main" xmlns:mc="http://schemas.openxmlformats.org/markup-compatibility/2006" type="blank" preserve="1">
-  <p:cSld name="Cabeçalho da Seção">
+<p:sldLayout xmlns:a="http://schemas.openxmlformats.org/drawingml/2006/main" xmlns:p="http://schemas.openxmlformats.org/presentationml/2006/main" xmlns:r="http://schemas.openxmlformats.org/officeDocument/2006/relationships" xmlns:p14="http://schemas.microsoft.com/office/powerpoint/2010/main" xmlns:p15="http://schemas.microsoft.com/office/powerpoint/2012/main" xmlns:mc="http://schemas.openxmlformats.org/markup-compatibility/2006" type="tx" preserve="1">
+  <p:cSld name="Padrão">
     <p:bg>
       <p:bgPr>
         <a:solidFill>
@@ -4701,7 +4818,7 @@
       </p:grpSpPr>
       <p:sp>
         <p:nvSpPr>
-          <p:cNvPr id="25" name="PlaceHolder 1"/>
+          <p:cNvPr id="26" name="PlaceHolder 1"/>
           <p:cNvSpPr>
             <a:spLocks noGrp="1"/>
           </p:cNvSpPr>
@@ -4711,8 +4828,8 @@
         </p:nvSpPr>
         <p:spPr>
           <a:xfrm>
-            <a:off x="831960" y="1709640"/>
-            <a:ext cx="10514160" cy="2851200"/>
+            <a:off x="1523880" y="1122480"/>
+            <a:ext cx="9141120" cy="2384640"/>
           </a:xfrm>
           <a:prstGeom prst="rect">
             <a:avLst/>
@@ -4727,7 +4844,7 @@
             <a:noAutofit/>
           </a:bodyPr>
           <a:p>
-            <a:pPr indent="0" defTabSz="914400">
+            <a:pPr indent="0" algn="ctr" defTabSz="914400">
               <a:lnSpc>
                 <a:spcPct val="90000"/>
               </a:lnSpc>
@@ -4760,7 +4877,249 @@
       </p:sp>
       <p:sp>
         <p:nvSpPr>
-          <p:cNvPr id="26" name="PlaceHolder 2"/>
+          <p:cNvPr id="27" name="PlaceHolder 2"/>
+          <p:cNvSpPr>
+            <a:spLocks noGrp="1"/>
+          </p:cNvSpPr>
+          <p:nvPr>
+            <p:ph type="dt" idx="16"/>
+          </p:nvPr>
+        </p:nvSpPr>
+        <p:spPr>
+          <a:xfrm>
+            <a:off x="838080" y="6356520"/>
+            <a:ext cx="2740320" cy="362160"/>
+          </a:xfrm>
+          <a:prstGeom prst="rect">
+            <a:avLst/>
+          </a:prstGeom>
+          <a:noFill/>
+          <a:ln w="0">
+            <a:noFill/>
+          </a:ln>
+        </p:spPr>
+        <p:txBody>
+          <a:bodyPr lIns="91440" rIns="91440" tIns="45720" bIns="45720" anchor="ctr">
+            <a:noAutofit/>
+          </a:bodyPr>
+          <a:lstStyle>
+            <a:lvl1pPr indent="0" defTabSz="914400">
+              <a:lnSpc>
+                <a:spcPct val="100000"/>
+              </a:lnSpc>
+              <a:buNone/>
+              <a:tabLst>
+                <a:tab algn="l" pos="0"/>
+              </a:tabLst>
+              <a:defRPr b="0" lang="de-DE" sz="1200" strike="noStrike" u="none">
+                <a:solidFill>
+                  <a:schemeClr val="dk1">
+                    <a:tint val="82000"/>
+                  </a:schemeClr>
+                </a:solidFill>
+                <a:effectLst/>
+                <a:uFillTx/>
+                <a:latin typeface="Aptos"/>
+              </a:defRPr>
+            </a:lvl1pPr>
+          </a:lstStyle>
+          <a:p>
+            <a:pPr indent="0" defTabSz="914400">
+              <a:lnSpc>
+                <a:spcPct val="100000"/>
+              </a:lnSpc>
+              <a:buNone/>
+              <a:tabLst>
+                <a:tab algn="l" pos="0"/>
+              </a:tabLst>
+            </a:pPr>
+            <a:r>
+              <a:rPr b="0" lang="de-DE" sz="1200" strike="noStrike" u="none">
+                <a:solidFill>
+                  <a:schemeClr val="dk1">
+                    <a:tint val="82000"/>
+                  </a:schemeClr>
+                </a:solidFill>
+                <a:effectLst/>
+                <a:uFillTx/>
+                <a:latin typeface="Aptos"/>
+              </a:rPr>
+              <a:t>&lt;data/hora&gt;</a:t>
+            </a:r>
+            <a:endParaRPr b="0" lang="pt-BR" sz="1200" strike="noStrike" u="none">
+              <a:solidFill>
+                <a:srgbClr val="000000"/>
+              </a:solidFill>
+              <a:effectLst/>
+              <a:uFillTx/>
+              <a:latin typeface="Times New Roman"/>
+            </a:endParaRPr>
+          </a:p>
+        </p:txBody>
+      </p:sp>
+      <p:sp>
+        <p:nvSpPr>
+          <p:cNvPr id="28" name="PlaceHolder 3"/>
+          <p:cNvSpPr>
+            <a:spLocks noGrp="1"/>
+          </p:cNvSpPr>
+          <p:nvPr>
+            <p:ph type="ftr" idx="17"/>
+          </p:nvPr>
+        </p:nvSpPr>
+        <p:spPr>
+          <a:xfrm>
+            <a:off x="4038480" y="6356520"/>
+            <a:ext cx="4111920" cy="362160"/>
+          </a:xfrm>
+          <a:prstGeom prst="rect">
+            <a:avLst/>
+          </a:prstGeom>
+          <a:noFill/>
+          <a:ln w="0">
+            <a:noFill/>
+          </a:ln>
+        </p:spPr>
+        <p:txBody>
+          <a:bodyPr lIns="91440" rIns="91440" tIns="45720" bIns="45720" anchor="ctr">
+            <a:noAutofit/>
+          </a:bodyPr>
+          <a:lstStyle>
+            <a:lvl1pPr indent="0" algn="ctr">
+              <a:lnSpc>
+                <a:spcPct val="100000"/>
+              </a:lnSpc>
+              <a:buNone/>
+              <a:tabLst>
+                <a:tab algn="l" pos="0"/>
+              </a:tabLst>
+              <a:defRPr b="0" lang="pt-BR" sz="1400" strike="noStrike" u="none">
+                <a:solidFill>
+                  <a:srgbClr val="000000"/>
+                </a:solidFill>
+                <a:effectLst/>
+                <a:uFillTx/>
+                <a:latin typeface="Times New Roman"/>
+              </a:defRPr>
+            </a:lvl1pPr>
+          </a:lstStyle>
+          <a:p>
+            <a:pPr indent="0" algn="ctr">
+              <a:lnSpc>
+                <a:spcPct val="100000"/>
+              </a:lnSpc>
+              <a:buNone/>
+              <a:tabLst>
+                <a:tab algn="l" pos="0"/>
+              </a:tabLst>
+            </a:pPr>
+            <a:r>
+              <a:rPr b="0" lang="pt-BR" sz="1400" strike="noStrike" u="none">
+                <a:solidFill>
+                  <a:srgbClr val="000000"/>
+                </a:solidFill>
+                <a:effectLst/>
+                <a:uFillTx/>
+                <a:latin typeface="Times New Roman"/>
+              </a:rPr>
+              <a:t>&lt;rodapé&gt;</a:t>
+            </a:r>
+            <a:endParaRPr b="0" lang="pt-BR" sz="1400" strike="noStrike" u="none">
+              <a:solidFill>
+                <a:srgbClr val="000000"/>
+              </a:solidFill>
+              <a:effectLst/>
+              <a:uFillTx/>
+              <a:latin typeface="Times New Roman"/>
+            </a:endParaRPr>
+          </a:p>
+        </p:txBody>
+      </p:sp>
+      <p:sp>
+        <p:nvSpPr>
+          <p:cNvPr id="29" name="PlaceHolder 4"/>
+          <p:cNvSpPr>
+            <a:spLocks noGrp="1"/>
+          </p:cNvSpPr>
+          <p:nvPr>
+            <p:ph type="sldNum" idx="18"/>
+          </p:nvPr>
+        </p:nvSpPr>
+        <p:spPr>
+          <a:xfrm>
+            <a:off x="8610480" y="6356520"/>
+            <a:ext cx="2740320" cy="362160"/>
+          </a:xfrm>
+          <a:prstGeom prst="rect">
+            <a:avLst/>
+          </a:prstGeom>
+          <a:noFill/>
+          <a:ln w="0">
+            <a:noFill/>
+          </a:ln>
+        </p:spPr>
+        <p:txBody>
+          <a:bodyPr lIns="91440" rIns="91440" tIns="45720" bIns="45720" anchor="ctr">
+            <a:noAutofit/>
+          </a:bodyPr>
+          <a:lstStyle>
+            <a:lvl1pPr indent="0" algn="r" defTabSz="914400">
+              <a:lnSpc>
+                <a:spcPct val="100000"/>
+              </a:lnSpc>
+              <a:buNone/>
+              <a:tabLst>
+                <a:tab algn="l" pos="0"/>
+              </a:tabLst>
+              <a:defRPr b="0" lang="de-DE" sz="1200" strike="noStrike" u="none">
+                <a:solidFill>
+                  <a:schemeClr val="dk1">
+                    <a:tint val="82000"/>
+                  </a:schemeClr>
+                </a:solidFill>
+                <a:effectLst/>
+                <a:uFillTx/>
+                <a:latin typeface="Aptos"/>
+              </a:defRPr>
+            </a:lvl1pPr>
+          </a:lstStyle>
+          <a:p>
+            <a:pPr indent="0" algn="r" defTabSz="914400">
+              <a:lnSpc>
+                <a:spcPct val="100000"/>
+              </a:lnSpc>
+              <a:buNone/>
+              <a:tabLst>
+                <a:tab algn="l" pos="0"/>
+              </a:tabLst>
+            </a:pPr>
+            <a:fld id="{430666EC-10F7-48A6-8DE3-35BA0A8038BC}" type="slidenum">
+              <a:rPr b="0" lang="de-DE" sz="1200" strike="noStrike" u="none">
+                <a:solidFill>
+                  <a:schemeClr val="dk1">
+                    <a:tint val="82000"/>
+                  </a:schemeClr>
+                </a:solidFill>
+                <a:effectLst/>
+                <a:uFillTx/>
+                <a:latin typeface="Aptos"/>
+              </a:rPr>
+              <a:t>&lt;número&gt;</a:t>
+            </a:fld>
+            <a:endParaRPr b="0" lang="pt-BR" sz="1200" strike="noStrike" u="none">
+              <a:solidFill>
+                <a:srgbClr val="000000"/>
+              </a:solidFill>
+              <a:effectLst/>
+              <a:uFillTx/>
+              <a:latin typeface="Times New Roman"/>
+            </a:endParaRPr>
+          </a:p>
+        </p:txBody>
+      </p:sp>
+      <p:sp>
+        <p:nvSpPr>
+          <p:cNvPr id="30" name="PlaceHolder 5"/>
           <p:cNvSpPr>
             <a:spLocks noGrp="1"/>
           </p:cNvSpPr>
@@ -4770,8 +5129,8 @@
         </p:nvSpPr>
         <p:spPr>
           <a:xfrm>
-            <a:off x="831960" y="4589640"/>
-            <a:ext cx="10514160" cy="1498680"/>
+            <a:off x="609480" y="1604520"/>
+            <a:ext cx="10969920" cy="3974760"/>
           </a:xfrm>
           <a:prstGeom prst="rect">
             <a:avLst/>
@@ -4782,284 +5141,252 @@
           </a:ln>
         </p:spPr>
         <p:txBody>
-          <a:bodyPr lIns="91440" rIns="91440" tIns="45720" bIns="45720" anchor="t">
-            <a:noAutofit/>
+          <a:bodyPr lIns="0" rIns="0" tIns="0" bIns="0" anchor="t">
+            <a:normAutofit/>
           </a:bodyPr>
           <a:p>
-            <a:pPr indent="0" defTabSz="914400">
+            <a:pPr marL="432000" indent="-324000">
               <a:lnSpc>
                 <a:spcPct val="90000"/>
               </a:lnSpc>
               <a:spcBef>
-                <a:spcPts val="1001"/>
+                <a:spcPts val="1417"/>
               </a:spcBef>
-              <a:buNone/>
-              <a:tabLst>
-                <a:tab algn="l" pos="0"/>
-              </a:tabLst>
-            </a:pPr>
-            <a:r>
-              <a:rPr b="0" lang="pt-BR" sz="2400" strike="noStrike" u="none">
-                <a:solidFill>
-                  <a:schemeClr val="dk1">
-                    <a:tint val="82000"/>
-                  </a:schemeClr>
-                </a:solidFill>
-                <a:effectLst/>
-                <a:uFillTx/>
-                <a:latin typeface="Aptos"/>
-              </a:rPr>
-              <a:t>Clique para editar o texto mestre</a:t>
-            </a:r>
-            <a:endParaRPr b="0" lang="pt-BR" sz="2400" strike="noStrike" u="none">
-              <a:solidFill>
-                <a:srgbClr val="000000"/>
-              </a:solidFill>
-              <a:effectLst/>
-              <a:uFillTx/>
-              <a:latin typeface="Arial"/>
-            </a:endParaRPr>
-          </a:p>
-        </p:txBody>
-      </p:sp>
-      <p:sp>
-        <p:nvSpPr>
-          <p:cNvPr id="27" name="PlaceHolder 3"/>
-          <p:cNvSpPr>
-            <a:spLocks noGrp="1"/>
-          </p:cNvSpPr>
-          <p:nvPr>
-            <p:ph type="dt" idx="16"/>
-          </p:nvPr>
-        </p:nvSpPr>
-        <p:spPr>
-          <a:xfrm>
-            <a:off x="838080" y="6356520"/>
-            <a:ext cx="2741760" cy="363600"/>
-          </a:xfrm>
-          <a:prstGeom prst="rect">
-            <a:avLst/>
-          </a:prstGeom>
-          <a:noFill/>
-          <a:ln w="0">
-            <a:noFill/>
-          </a:ln>
-        </p:spPr>
-        <p:txBody>
-          <a:bodyPr lIns="91440" rIns="91440" tIns="45720" bIns="45720" anchor="ctr">
-            <a:noAutofit/>
-          </a:bodyPr>
-          <a:lstStyle>
-            <a:lvl1pPr indent="0" defTabSz="914400">
-              <a:lnSpc>
-                <a:spcPct val="100000"/>
-              </a:lnSpc>
-              <a:buNone/>
-              <a:tabLst>
-                <a:tab algn="l" pos="0"/>
-              </a:tabLst>
-              <a:defRPr b="0" lang="de-DE" sz="1200" strike="noStrike" u="none">
-                <a:solidFill>
-                  <a:schemeClr val="dk1">
-                    <a:tint val="82000"/>
-                  </a:schemeClr>
-                </a:solidFill>
-                <a:effectLst/>
-                <a:uFillTx/>
-                <a:latin typeface="Aptos"/>
-              </a:defRPr>
-            </a:lvl1pPr>
-          </a:lstStyle>
-          <a:p>
-            <a:pPr indent="0" defTabSz="914400">
-              <a:lnSpc>
-                <a:spcPct val="100000"/>
-              </a:lnSpc>
-              <a:buNone/>
-              <a:tabLst>
-                <a:tab algn="l" pos="0"/>
-              </a:tabLst>
-            </a:pPr>
-            <a:r>
-              <a:rPr b="0" lang="de-DE" sz="1200" strike="noStrike" u="none">
-                <a:solidFill>
-                  <a:schemeClr val="dk1">
-                    <a:tint val="82000"/>
-                  </a:schemeClr>
-                </a:solidFill>
-                <a:effectLst/>
-                <a:uFillTx/>
-                <a:latin typeface="Aptos"/>
-              </a:rPr>
-              <a:t>&lt;data/hora&gt;</a:t>
-            </a:r>
-            <a:endParaRPr b="0" lang="pt-BR" sz="1200" strike="noStrike" u="none">
-              <a:solidFill>
-                <a:srgbClr val="000000"/>
-              </a:solidFill>
-              <a:effectLst/>
-              <a:uFillTx/>
-              <a:latin typeface="Times New Roman"/>
-            </a:endParaRPr>
-          </a:p>
-        </p:txBody>
-      </p:sp>
-      <p:sp>
-        <p:nvSpPr>
-          <p:cNvPr id="28" name="PlaceHolder 4"/>
-          <p:cNvSpPr>
-            <a:spLocks noGrp="1"/>
-          </p:cNvSpPr>
-          <p:nvPr>
-            <p:ph type="ftr" idx="17"/>
-          </p:nvPr>
-        </p:nvSpPr>
-        <p:spPr>
-          <a:xfrm>
-            <a:off x="4038480" y="6356520"/>
-            <a:ext cx="4113360" cy="363600"/>
-          </a:xfrm>
-          <a:prstGeom prst="rect">
-            <a:avLst/>
-          </a:prstGeom>
-          <a:noFill/>
-          <a:ln w="0">
-            <a:noFill/>
-          </a:ln>
-        </p:spPr>
-        <p:txBody>
-          <a:bodyPr lIns="91440" rIns="91440" tIns="45720" bIns="45720" anchor="ctr">
-            <a:noAutofit/>
-          </a:bodyPr>
-          <a:lstStyle>
-            <a:lvl1pPr indent="0" algn="ctr">
-              <a:lnSpc>
-                <a:spcPct val="100000"/>
-              </a:lnSpc>
-              <a:buNone/>
-              <a:tabLst>
-                <a:tab algn="l" pos="0"/>
-              </a:tabLst>
-              <a:defRPr b="0" lang="pt-BR" sz="1400" strike="noStrike" u="none">
-                <a:solidFill>
-                  <a:srgbClr val="000000"/>
-                </a:solidFill>
-                <a:effectLst/>
-                <a:uFillTx/>
-                <a:latin typeface="Times New Roman"/>
-              </a:defRPr>
-            </a:lvl1pPr>
-          </a:lstStyle>
-          <a:p>
-            <a:pPr indent="0" algn="ctr">
-              <a:lnSpc>
-                <a:spcPct val="100000"/>
-              </a:lnSpc>
-              <a:buNone/>
-              <a:tabLst>
-                <a:tab algn="l" pos="0"/>
-              </a:tabLst>
-            </a:pPr>
-            <a:r>
-              <a:rPr b="0" lang="pt-BR" sz="1400" strike="noStrike" u="none">
-                <a:solidFill>
-                  <a:srgbClr val="000000"/>
-                </a:solidFill>
-                <a:effectLst/>
-                <a:uFillTx/>
-                <a:latin typeface="Times New Roman"/>
-              </a:rPr>
-              <a:t>&lt;rodapé&gt;</a:t>
-            </a:r>
-            <a:endParaRPr b="0" lang="pt-BR" sz="1400" strike="noStrike" u="none">
-              <a:solidFill>
-                <a:srgbClr val="000000"/>
-              </a:solidFill>
-              <a:effectLst/>
-              <a:uFillTx/>
-              <a:latin typeface="Times New Roman"/>
-            </a:endParaRPr>
-          </a:p>
-        </p:txBody>
-      </p:sp>
-      <p:sp>
-        <p:nvSpPr>
-          <p:cNvPr id="29" name="PlaceHolder 5"/>
-          <p:cNvSpPr>
-            <a:spLocks noGrp="1"/>
-          </p:cNvSpPr>
-          <p:nvPr>
-            <p:ph type="sldNum" idx="18"/>
-          </p:nvPr>
-        </p:nvSpPr>
-        <p:spPr>
-          <a:xfrm>
-            <a:off x="8610480" y="6356520"/>
-            <a:ext cx="2741760" cy="363600"/>
-          </a:xfrm>
-          <a:prstGeom prst="rect">
-            <a:avLst/>
-          </a:prstGeom>
-          <a:noFill/>
-          <a:ln w="0">
-            <a:noFill/>
-          </a:ln>
-        </p:spPr>
-        <p:txBody>
-          <a:bodyPr lIns="91440" rIns="91440" tIns="45720" bIns="45720" anchor="ctr">
-            <a:noAutofit/>
-          </a:bodyPr>
-          <a:lstStyle>
-            <a:lvl1pPr indent="0" algn="r" defTabSz="914400">
-              <a:lnSpc>
-                <a:spcPct val="100000"/>
-              </a:lnSpc>
-              <a:buNone/>
-              <a:tabLst>
-                <a:tab algn="l" pos="0"/>
-              </a:tabLst>
-              <a:defRPr b="0" lang="de-DE" sz="1200" strike="noStrike" u="none">
-                <a:solidFill>
-                  <a:schemeClr val="dk1">
-                    <a:tint val="82000"/>
-                  </a:schemeClr>
-                </a:solidFill>
-                <a:effectLst/>
-                <a:uFillTx/>
-                <a:latin typeface="Aptos"/>
-              </a:defRPr>
-            </a:lvl1pPr>
-          </a:lstStyle>
-          <a:p>
-            <a:pPr indent="0" algn="r" defTabSz="914400">
-              <a:lnSpc>
-                <a:spcPct val="100000"/>
-              </a:lnSpc>
-              <a:buNone/>
-              <a:tabLst>
-                <a:tab algn="l" pos="0"/>
-              </a:tabLst>
-            </a:pPr>
-            <a:fld id="{142532DC-5B58-4FCD-93C2-CC79CAFD45FC}" type="slidenum">
-              <a:rPr b="0" lang="de-DE" sz="1200" strike="noStrike" u="none">
-                <a:solidFill>
-                  <a:schemeClr val="dk1">
-                    <a:tint val="82000"/>
-                  </a:schemeClr>
-                </a:solidFill>
-                <a:effectLst/>
-                <a:uFillTx/>
-                <a:latin typeface="Aptos"/>
-              </a:rPr>
-              <a:t>&lt;número&gt;</a:t>
-            </a:fld>
-            <a:endParaRPr b="0" lang="pt-BR" sz="1200" strike="noStrike" u="none">
-              <a:solidFill>
-                <a:srgbClr val="000000"/>
-              </a:solidFill>
-              <a:effectLst/>
-              <a:uFillTx/>
-              <a:latin typeface="Times New Roman"/>
+              <a:buClr>
+                <a:srgbClr val="000000"/>
+              </a:buClr>
+              <a:buSzPct val="45000"/>
+              <a:buFont typeface="Wingdings" charset="2"/>
+              <a:buChar char=""/>
+            </a:pPr>
+            <a:r>
+              <a:rPr b="0" lang="de-DE" sz="2800" strike="noStrike" u="none">
+                <a:solidFill>
+                  <a:schemeClr val="dk1"/>
+                </a:solidFill>
+                <a:effectLst/>
+                <a:uFillTx/>
+                <a:latin typeface="Aptos"/>
+              </a:rPr>
+              <a:t>Clique para editar o formato de texto dos tópicos</a:t>
+            </a:r>
+            <a:endParaRPr b="0" lang="pt-BR" sz="2800" strike="noStrike" u="none">
+              <a:solidFill>
+                <a:srgbClr val="000000"/>
+              </a:solidFill>
+              <a:effectLst/>
+              <a:uFillTx/>
+              <a:latin typeface="Arial"/>
+            </a:endParaRPr>
+          </a:p>
+          <a:p>
+            <a:pPr lvl="1" marL="864000" indent="-324000">
+              <a:lnSpc>
+                <a:spcPct val="90000"/>
+              </a:lnSpc>
+              <a:spcBef>
+                <a:spcPts val="1134"/>
+              </a:spcBef>
+              <a:buClr>
+                <a:srgbClr val="000000"/>
+              </a:buClr>
+              <a:buSzPct val="75000"/>
+              <a:buFont typeface="Symbol" charset="2"/>
+              <a:buChar char=""/>
+            </a:pPr>
+            <a:r>
+              <a:rPr b="0" lang="de-DE" sz="2000" strike="noStrike" u="none">
+                <a:solidFill>
+                  <a:schemeClr val="dk1"/>
+                </a:solidFill>
+                <a:effectLst/>
+                <a:uFillTx/>
+                <a:latin typeface="Aptos"/>
+              </a:rPr>
+              <a:t>2.º nível de tópicos</a:t>
+            </a:r>
+            <a:endParaRPr b="0" lang="pt-BR" sz="2000" strike="noStrike" u="none">
+              <a:solidFill>
+                <a:srgbClr val="000000"/>
+              </a:solidFill>
+              <a:effectLst/>
+              <a:uFillTx/>
+              <a:latin typeface="Arial"/>
+            </a:endParaRPr>
+          </a:p>
+          <a:p>
+            <a:pPr lvl="2" marL="1296000" indent="-288000">
+              <a:lnSpc>
+                <a:spcPct val="90000"/>
+              </a:lnSpc>
+              <a:spcBef>
+                <a:spcPts val="850"/>
+              </a:spcBef>
+              <a:buClr>
+                <a:srgbClr val="000000"/>
+              </a:buClr>
+              <a:buSzPct val="45000"/>
+              <a:buFont typeface="Wingdings" charset="2"/>
+              <a:buChar char=""/>
+            </a:pPr>
+            <a:r>
+              <a:rPr b="0" lang="de-DE" sz="1800" strike="noStrike" u="none">
+                <a:solidFill>
+                  <a:schemeClr val="dk1"/>
+                </a:solidFill>
+                <a:effectLst/>
+                <a:uFillTx/>
+                <a:latin typeface="Aptos"/>
+              </a:rPr>
+              <a:t>3.º nível de tópicos</a:t>
+            </a:r>
+            <a:endParaRPr b="0" lang="pt-BR" sz="1800" strike="noStrike" u="none">
+              <a:solidFill>
+                <a:srgbClr val="000000"/>
+              </a:solidFill>
+              <a:effectLst/>
+              <a:uFillTx/>
+              <a:latin typeface="Arial"/>
+            </a:endParaRPr>
+          </a:p>
+          <a:p>
+            <a:pPr lvl="3" marL="1728000" indent="-216000">
+              <a:lnSpc>
+                <a:spcPct val="90000"/>
+              </a:lnSpc>
+              <a:spcBef>
+                <a:spcPts val="567"/>
+              </a:spcBef>
+              <a:buClr>
+                <a:srgbClr val="000000"/>
+              </a:buClr>
+              <a:buSzPct val="75000"/>
+              <a:buFont typeface="Symbol" charset="2"/>
+              <a:buChar char=""/>
+            </a:pPr>
+            <a:r>
+              <a:rPr b="0" lang="de-DE" sz="1800" strike="noStrike" u="none">
+                <a:solidFill>
+                  <a:schemeClr val="dk1"/>
+                </a:solidFill>
+                <a:effectLst/>
+                <a:uFillTx/>
+                <a:latin typeface="Aptos"/>
+              </a:rPr>
+              <a:t>4.º nível de tópicos</a:t>
+            </a:r>
+            <a:endParaRPr b="0" lang="pt-BR" sz="1800" strike="noStrike" u="none">
+              <a:solidFill>
+                <a:srgbClr val="000000"/>
+              </a:solidFill>
+              <a:effectLst/>
+              <a:uFillTx/>
+              <a:latin typeface="Arial"/>
+            </a:endParaRPr>
+          </a:p>
+          <a:p>
+            <a:pPr lvl="4" marL="2160000" indent="-216000">
+              <a:lnSpc>
+                <a:spcPct val="90000"/>
+              </a:lnSpc>
+              <a:spcBef>
+                <a:spcPts val="283"/>
+              </a:spcBef>
+              <a:buClr>
+                <a:srgbClr val="000000"/>
+              </a:buClr>
+              <a:buSzPct val="45000"/>
+              <a:buFont typeface="Wingdings" charset="2"/>
+              <a:buChar char=""/>
+            </a:pPr>
+            <a:r>
+              <a:rPr b="0" lang="de-DE" sz="2000" strike="noStrike" u="none">
+                <a:solidFill>
+                  <a:schemeClr val="dk1"/>
+                </a:solidFill>
+                <a:effectLst/>
+                <a:uFillTx/>
+                <a:latin typeface="Aptos"/>
+              </a:rPr>
+              <a:t>5.º nível de tópicos</a:t>
+            </a:r>
+            <a:endParaRPr b="0" lang="pt-BR" sz="2000" strike="noStrike" u="none">
+              <a:solidFill>
+                <a:srgbClr val="000000"/>
+              </a:solidFill>
+              <a:effectLst/>
+              <a:uFillTx/>
+              <a:latin typeface="Arial"/>
+            </a:endParaRPr>
+          </a:p>
+          <a:p>
+            <a:pPr lvl="5" marL="2592000" indent="-216000">
+              <a:lnSpc>
+                <a:spcPct val="90000"/>
+              </a:lnSpc>
+              <a:spcBef>
+                <a:spcPts val="283"/>
+              </a:spcBef>
+              <a:buClr>
+                <a:srgbClr val="000000"/>
+              </a:buClr>
+              <a:buSzPct val="45000"/>
+              <a:buFont typeface="Wingdings" charset="2"/>
+              <a:buChar char=""/>
+            </a:pPr>
+            <a:r>
+              <a:rPr b="0" lang="de-DE" sz="2000" strike="noStrike" u="none">
+                <a:solidFill>
+                  <a:schemeClr val="dk1"/>
+                </a:solidFill>
+                <a:effectLst/>
+                <a:uFillTx/>
+                <a:latin typeface="Aptos"/>
+              </a:rPr>
+              <a:t>6.º nível de tópicos</a:t>
+            </a:r>
+            <a:endParaRPr b="0" lang="pt-BR" sz="2000" strike="noStrike" u="none">
+              <a:solidFill>
+                <a:srgbClr val="000000"/>
+              </a:solidFill>
+              <a:effectLst/>
+              <a:uFillTx/>
+              <a:latin typeface="Arial"/>
+            </a:endParaRPr>
+          </a:p>
+          <a:p>
+            <a:pPr lvl="6" marL="3024000" indent="-216000">
+              <a:lnSpc>
+                <a:spcPct val="90000"/>
+              </a:lnSpc>
+              <a:spcBef>
+                <a:spcPts val="283"/>
+              </a:spcBef>
+              <a:buClr>
+                <a:srgbClr val="000000"/>
+              </a:buClr>
+              <a:buSzPct val="45000"/>
+              <a:buFont typeface="Wingdings" charset="2"/>
+              <a:buChar char=""/>
+            </a:pPr>
+            <a:r>
+              <a:rPr b="0" lang="de-DE" sz="2000" strike="noStrike" u="none">
+                <a:solidFill>
+                  <a:schemeClr val="dk1"/>
+                </a:solidFill>
+                <a:effectLst/>
+                <a:uFillTx/>
+                <a:latin typeface="Aptos"/>
+              </a:rPr>
+              <a:t>7.º nível de tópicos</a:t>
+            </a:r>
+            <a:endParaRPr b="0" lang="pt-BR" sz="2000" strike="noStrike" u="none">
+              <a:solidFill>
+                <a:srgbClr val="000000"/>
+              </a:solidFill>
+              <a:effectLst/>
+              <a:uFillTx/>
+              <a:latin typeface="Arial"/>
             </a:endParaRPr>
           </a:p>
         </p:txBody>
@@ -5070,8 +5397,8 @@
 </file>
 
 <file path=ppt/slideLayouts/slideLayout7.xml><?xml version="1.0" encoding="utf-8"?>
-<p:sldLayout xmlns:a="http://schemas.openxmlformats.org/drawingml/2006/main" xmlns:p="http://schemas.openxmlformats.org/presentationml/2006/main" xmlns:r="http://schemas.openxmlformats.org/officeDocument/2006/relationships" xmlns:p14="http://schemas.microsoft.com/office/powerpoint/2010/main" xmlns:p15="http://schemas.microsoft.com/office/powerpoint/2012/main" xmlns:mc="http://schemas.openxmlformats.org/markup-compatibility/2006" type="twoObj" preserve="1">
-  <p:cSld name="Duas Partes de Conteúdo">
+<p:sldLayout xmlns:a="http://schemas.openxmlformats.org/drawingml/2006/main" xmlns:p="http://schemas.openxmlformats.org/presentationml/2006/main" xmlns:r="http://schemas.openxmlformats.org/officeDocument/2006/relationships" xmlns:p14="http://schemas.microsoft.com/office/powerpoint/2010/main" xmlns:p15="http://schemas.microsoft.com/office/powerpoint/2012/main" xmlns:mc="http://schemas.openxmlformats.org/markup-compatibility/2006" type="vertTx" preserve="1">
+  <p:cSld name="Título e texto vertical">
     <p:bg>
       <p:bgPr>
         <a:solidFill>
@@ -5095,7 +5422,7 @@
       </p:grpSpPr>
       <p:sp>
         <p:nvSpPr>
-          <p:cNvPr id="30" name="PlaceHolder 1"/>
+          <p:cNvPr id="31" name="PlaceHolder 1"/>
           <p:cNvSpPr>
             <a:spLocks noGrp="1"/>
           </p:cNvSpPr>
@@ -5106,7 +5433,7 @@
         <p:spPr>
           <a:xfrm>
             <a:off x="838080" y="365040"/>
-            <a:ext cx="10514160" cy="1324080"/>
+            <a:ext cx="10512720" cy="1322640"/>
           </a:xfrm>
           <a:prstGeom prst="rect">
             <a:avLst/>
@@ -5154,7 +5481,7 @@
       </p:sp>
       <p:sp>
         <p:nvSpPr>
-          <p:cNvPr id="31" name="PlaceHolder 2"/>
+          <p:cNvPr id="32" name="PlaceHolder 2"/>
           <p:cNvSpPr>
             <a:spLocks noGrp="1"/>
           </p:cNvSpPr>
@@ -5165,7 +5492,7 @@
         <p:spPr>
           <a:xfrm>
             <a:off x="838080" y="1825560"/>
-            <a:ext cx="5180040" cy="4349880"/>
+            <a:ext cx="10512720" cy="4348440"/>
           </a:xfrm>
           <a:prstGeom prst="rect">
             <a:avLst/>
@@ -5176,7 +5503,7 @@
           </a:ln>
         </p:spPr>
         <p:txBody>
-          <a:bodyPr lIns="91440" rIns="91440" tIns="45720" bIns="45720" anchor="t">
+          <a:bodyPr lIns="91440" rIns="91440" tIns="45720" bIns="45720" anchor="t" vert="eaVert">
             <a:noAutofit/>
           </a:bodyPr>
           <a:p>
@@ -5353,206 +5680,7 @@
       </p:sp>
       <p:sp>
         <p:nvSpPr>
-          <p:cNvPr id="32" name="PlaceHolder 3"/>
-          <p:cNvSpPr>
-            <a:spLocks noGrp="1"/>
-          </p:cNvSpPr>
-          <p:nvPr>
-            <p:ph type="body"/>
-          </p:nvPr>
-        </p:nvSpPr>
-        <p:spPr>
-          <a:xfrm>
-            <a:off x="6172200" y="1825560"/>
-            <a:ext cx="5180040" cy="4349880"/>
-          </a:xfrm>
-          <a:prstGeom prst="rect">
-            <a:avLst/>
-          </a:prstGeom>
-          <a:noFill/>
-          <a:ln w="0">
-            <a:noFill/>
-          </a:ln>
-        </p:spPr>
-        <p:txBody>
-          <a:bodyPr lIns="91440" rIns="91440" tIns="45720" bIns="45720" anchor="t">
-            <a:noAutofit/>
-          </a:bodyPr>
-          <a:p>
-            <a:pPr marL="228600" indent="-228600" defTabSz="914400">
-              <a:lnSpc>
-                <a:spcPct val="90000"/>
-              </a:lnSpc>
-              <a:spcBef>
-                <a:spcPts val="1001"/>
-              </a:spcBef>
-              <a:buClr>
-                <a:srgbClr val="000000"/>
-              </a:buClr>
-              <a:buFont typeface="Arial"/>
-              <a:buChar char="•"/>
-            </a:pPr>
-            <a:r>
-              <a:rPr b="0" lang="pt-BR" sz="2800" strike="noStrike" u="none">
-                <a:solidFill>
-                  <a:schemeClr val="dk1"/>
-                </a:solidFill>
-                <a:effectLst/>
-                <a:uFillTx/>
-                <a:latin typeface="Aptos"/>
-              </a:rPr>
-              <a:t>Clique para editar o texto mestre</a:t>
-            </a:r>
-            <a:endParaRPr b="0" lang="pt-BR" sz="2800" strike="noStrike" u="none">
-              <a:solidFill>
-                <a:srgbClr val="000000"/>
-              </a:solidFill>
-              <a:effectLst/>
-              <a:uFillTx/>
-              <a:latin typeface="Arial"/>
-            </a:endParaRPr>
-          </a:p>
-          <a:p>
-            <a:pPr lvl="1" marL="685800" indent="-228600" defTabSz="914400">
-              <a:lnSpc>
-                <a:spcPct val="90000"/>
-              </a:lnSpc>
-              <a:spcBef>
-                <a:spcPts val="499"/>
-              </a:spcBef>
-              <a:buClr>
-                <a:srgbClr val="000000"/>
-              </a:buClr>
-              <a:buFont typeface="Arial"/>
-              <a:buChar char="•"/>
-            </a:pPr>
-            <a:r>
-              <a:rPr b="0" lang="pt-BR" sz="2400" strike="noStrike" u="none">
-                <a:solidFill>
-                  <a:schemeClr val="dk1"/>
-                </a:solidFill>
-                <a:effectLst/>
-                <a:uFillTx/>
-                <a:latin typeface="Aptos"/>
-              </a:rPr>
-              <a:t>Segundo nível</a:t>
-            </a:r>
-            <a:endParaRPr b="0" lang="pt-BR" sz="2400" strike="noStrike" u="none">
-              <a:solidFill>
-                <a:srgbClr val="000000"/>
-              </a:solidFill>
-              <a:effectLst/>
-              <a:uFillTx/>
-              <a:latin typeface="Arial"/>
-            </a:endParaRPr>
-          </a:p>
-          <a:p>
-            <a:pPr lvl="2" marL="1143000" indent="-228600" defTabSz="914400">
-              <a:lnSpc>
-                <a:spcPct val="90000"/>
-              </a:lnSpc>
-              <a:spcBef>
-                <a:spcPts val="499"/>
-              </a:spcBef>
-              <a:buClr>
-                <a:srgbClr val="000000"/>
-              </a:buClr>
-              <a:buFont typeface="Arial"/>
-              <a:buChar char="•"/>
-            </a:pPr>
-            <a:r>
-              <a:rPr b="0" lang="pt-BR" sz="2000" strike="noStrike" u="none">
-                <a:solidFill>
-                  <a:schemeClr val="dk1"/>
-                </a:solidFill>
-                <a:effectLst/>
-                <a:uFillTx/>
-                <a:latin typeface="Aptos"/>
-              </a:rPr>
-              <a:t>Terceiro nível</a:t>
-            </a:r>
-            <a:endParaRPr b="0" lang="pt-BR" sz="2000" strike="noStrike" u="none">
-              <a:solidFill>
-                <a:srgbClr val="000000"/>
-              </a:solidFill>
-              <a:effectLst/>
-              <a:uFillTx/>
-              <a:latin typeface="Arial"/>
-            </a:endParaRPr>
-          </a:p>
-          <a:p>
-            <a:pPr lvl="3" marL="1600200" indent="-228600" defTabSz="914400">
-              <a:lnSpc>
-                <a:spcPct val="90000"/>
-              </a:lnSpc>
-              <a:spcBef>
-                <a:spcPts val="499"/>
-              </a:spcBef>
-              <a:buClr>
-                <a:srgbClr val="000000"/>
-              </a:buClr>
-              <a:buFont typeface="Arial"/>
-              <a:buChar char="•"/>
-            </a:pPr>
-            <a:r>
-              <a:rPr b="0" lang="pt-BR" sz="1800" strike="noStrike" u="none">
-                <a:solidFill>
-                  <a:schemeClr val="dk1"/>
-                </a:solidFill>
-                <a:effectLst/>
-                <a:uFillTx/>
-                <a:latin typeface="Aptos"/>
-              </a:rPr>
-              <a:t>Quarto nível</a:t>
-            </a:r>
-            <a:endParaRPr b="0" lang="pt-BR" sz="1800" strike="noStrike" u="none">
-              <a:solidFill>
-                <a:srgbClr val="000000"/>
-              </a:solidFill>
-              <a:effectLst/>
-              <a:uFillTx/>
-              <a:latin typeface="Arial"/>
-            </a:endParaRPr>
-          </a:p>
-          <a:p>
-            <a:pPr lvl="4" marL="2057400" indent="-228600" defTabSz="914400">
-              <a:lnSpc>
-                <a:spcPct val="90000"/>
-              </a:lnSpc>
-              <a:spcBef>
-                <a:spcPts val="499"/>
-              </a:spcBef>
-              <a:buClr>
-                <a:srgbClr val="000000"/>
-              </a:buClr>
-              <a:buFont typeface="Arial"/>
-              <a:buChar char="•"/>
-            </a:pPr>
-            <a:r>
-              <a:rPr b="0" lang="pt-BR" sz="1800" strike="noStrike" u="none">
-                <a:solidFill>
-                  <a:schemeClr val="dk1"/>
-                </a:solidFill>
-                <a:effectLst/>
-                <a:uFillTx/>
-                <a:latin typeface="Aptos"/>
-              </a:rPr>
-              <a:t>Quinto nível</a:t>
-            </a:r>
-            <a:endParaRPr b="0" lang="pt-BR" sz="1800" strike="noStrike" u="none">
-              <a:solidFill>
-                <a:srgbClr val="000000"/>
-              </a:solidFill>
-              <a:effectLst/>
-              <a:uFillTx/>
-              <a:latin typeface="Arial"/>
-            </a:endParaRPr>
-          </a:p>
-        </p:txBody>
-      </p:sp>
-      <p:sp>
-        <p:nvSpPr>
-          <p:cNvPr id="33" name="PlaceHolder 4"/>
+          <p:cNvPr id="33" name="PlaceHolder 3"/>
           <p:cNvSpPr>
             <a:spLocks noGrp="1"/>
           </p:cNvSpPr>
@@ -5563,7 +5691,7 @@
         <p:spPr>
           <a:xfrm>
             <a:off x="838080" y="6356520"/>
-            <a:ext cx="2741760" cy="363600"/>
+            <a:ext cx="2740320" cy="362160"/>
           </a:xfrm>
           <a:prstGeom prst="rect">
             <a:avLst/>
@@ -5634,7 +5762,7 @@
       </p:sp>
       <p:sp>
         <p:nvSpPr>
-          <p:cNvPr id="34" name="PlaceHolder 5"/>
+          <p:cNvPr id="34" name="PlaceHolder 4"/>
           <p:cNvSpPr>
             <a:spLocks noGrp="1"/>
           </p:cNvSpPr>
@@ -5645,7 +5773,7 @@
         <p:spPr>
           <a:xfrm>
             <a:off x="4038480" y="6356520"/>
-            <a:ext cx="4113360" cy="363600"/>
+            <a:ext cx="4111920" cy="362160"/>
           </a:xfrm>
           <a:prstGeom prst="rect">
             <a:avLst/>
@@ -5712,7 +5840,7 @@
       </p:sp>
       <p:sp>
         <p:nvSpPr>
-          <p:cNvPr id="35" name="PlaceHolder 6"/>
+          <p:cNvPr id="35" name="PlaceHolder 5"/>
           <p:cNvSpPr>
             <a:spLocks noGrp="1"/>
           </p:cNvSpPr>
@@ -5723,7 +5851,7 @@
         <p:spPr>
           <a:xfrm>
             <a:off x="8610480" y="6356520"/>
-            <a:ext cx="2741760" cy="363600"/>
+            <a:ext cx="2740320" cy="362160"/>
           </a:xfrm>
           <a:prstGeom prst="rect">
             <a:avLst/>
@@ -5768,7 +5896,7 @@
                 <a:tab algn="l" pos="0"/>
               </a:tabLst>
             </a:pPr>
-            <a:fld id="{5D08B518-EE17-4F23-8692-ADDE9F5D20F2}" type="slidenum">
+            <a:fld id="{360B1046-FD96-4531-A2A6-22ED656D4B2E}" type="slidenum">
               <a:rPr b="0" lang="de-DE" sz="1200" strike="noStrike" u="none">
                 <a:solidFill>
                   <a:schemeClr val="dk1">
@@ -5798,8 +5926,8 @@
 </file>
 
 <file path=ppt/slideLayouts/slideLayout8.xml><?xml version="1.0" encoding="utf-8"?>
-<p:sldLayout xmlns:a="http://schemas.openxmlformats.org/drawingml/2006/main" xmlns:p="http://schemas.openxmlformats.org/presentationml/2006/main" xmlns:r="http://schemas.openxmlformats.org/officeDocument/2006/relationships" xmlns:p14="http://schemas.microsoft.com/office/powerpoint/2010/main" xmlns:p15="http://schemas.microsoft.com/office/powerpoint/2012/main" xmlns:mc="http://schemas.openxmlformats.org/markup-compatibility/2006" type="blank" preserve="1">
-  <p:cSld name="Comparação">
+<p:sldLayout xmlns:a="http://schemas.openxmlformats.org/drawingml/2006/main" xmlns:p="http://schemas.openxmlformats.org/presentationml/2006/main" xmlns:r="http://schemas.openxmlformats.org/officeDocument/2006/relationships" xmlns:p14="http://schemas.microsoft.com/office/powerpoint/2010/main" xmlns:p15="http://schemas.microsoft.com/office/powerpoint/2012/main" xmlns:mc="http://schemas.openxmlformats.org/markup-compatibility/2006" type="vertTitleAndTx" preserve="1">
+  <p:cSld name="Título e texto verticais">
     <p:bg>
       <p:bgPr>
         <a:solidFill>
@@ -5833,8 +5961,8 @@
         </p:nvSpPr>
         <p:spPr>
           <a:xfrm>
-            <a:off x="839880" y="365040"/>
-            <a:ext cx="10514160" cy="1324080"/>
+            <a:off x="8724960" y="365040"/>
+            <a:ext cx="2626200" cy="5808960"/>
           </a:xfrm>
           <a:prstGeom prst="rect">
             <a:avLst/>
@@ -5845,7 +5973,7 @@
           </a:ln>
         </p:spPr>
         <p:txBody>
-          <a:bodyPr lIns="91440" rIns="91440" tIns="45720" bIns="45720" anchor="ctr">
+          <a:bodyPr lIns="91440" rIns="91440" tIns="45720" bIns="45720" anchor="ctr" vert="eaVert">
             <a:noAutofit/>
           </a:bodyPr>
           <a:p>
@@ -5892,8 +6020,8 @@
         </p:nvSpPr>
         <p:spPr>
           <a:xfrm>
-            <a:off x="839880" y="1681200"/>
-            <a:ext cx="5156280" cy="822600"/>
+            <a:off x="838080" y="365040"/>
+            <a:ext cx="7731360" cy="5808960"/>
           </a:xfrm>
           <a:prstGeom prst="rect">
             <a:avLst/>
@@ -5904,24 +6032,25 @@
           </a:ln>
         </p:spPr>
         <p:txBody>
-          <a:bodyPr lIns="91440" rIns="91440" tIns="45720" bIns="45720" anchor="b">
+          <a:bodyPr lIns="91440" rIns="91440" tIns="45720" bIns="45720" anchor="t" vert="eaVert">
             <a:noAutofit/>
           </a:bodyPr>
           <a:p>
-            <a:pPr indent="0" defTabSz="914400">
+            <a:pPr marL="228600" indent="-228600" defTabSz="914400">
               <a:lnSpc>
                 <a:spcPct val="90000"/>
               </a:lnSpc>
               <a:spcBef>
                 <a:spcPts val="1001"/>
               </a:spcBef>
-              <a:buNone/>
-              <a:tabLst>
-                <a:tab algn="l" pos="0"/>
-              </a:tabLst>
-            </a:pPr>
-            <a:r>
-              <a:rPr b="1" lang="pt-BR" sz="2400" strike="noStrike" u="none">
+              <a:buClr>
+                <a:srgbClr val="000000"/>
+              </a:buClr>
+              <a:buFont typeface="Arial"/>
+              <a:buChar char="•"/>
+            </a:pPr>
+            <a:r>
+              <a:rPr b="0" lang="pt-BR" sz="2800" strike="noStrike" u="none">
                 <a:solidFill>
                   <a:schemeClr val="dk1"/>
                 </a:solidFill>
@@ -5931,7 +6060,143 @@
               </a:rPr>
               <a:t>Clique para editar o texto mestre</a:t>
             </a:r>
+            <a:endParaRPr b="0" lang="pt-BR" sz="2800" strike="noStrike" u="none">
+              <a:solidFill>
+                <a:srgbClr val="000000"/>
+              </a:solidFill>
+              <a:effectLst/>
+              <a:uFillTx/>
+              <a:latin typeface="Arial"/>
+            </a:endParaRPr>
+          </a:p>
+          <a:p>
+            <a:pPr lvl="1" marL="685800" indent="-228600" defTabSz="914400">
+              <a:lnSpc>
+                <a:spcPct val="90000"/>
+              </a:lnSpc>
+              <a:spcBef>
+                <a:spcPts val="499"/>
+              </a:spcBef>
+              <a:buClr>
+                <a:srgbClr val="000000"/>
+              </a:buClr>
+              <a:buFont typeface="Arial"/>
+              <a:buChar char="•"/>
+            </a:pPr>
+            <a:r>
+              <a:rPr b="0" lang="pt-BR" sz="2400" strike="noStrike" u="none">
+                <a:solidFill>
+                  <a:schemeClr val="dk1"/>
+                </a:solidFill>
+                <a:effectLst/>
+                <a:uFillTx/>
+                <a:latin typeface="Aptos"/>
+              </a:rPr>
+              <a:t>Segundo nível</a:t>
+            </a:r>
             <a:endParaRPr b="0" lang="pt-BR" sz="2400" strike="noStrike" u="none">
+              <a:solidFill>
+                <a:srgbClr val="000000"/>
+              </a:solidFill>
+              <a:effectLst/>
+              <a:uFillTx/>
+              <a:latin typeface="Arial"/>
+            </a:endParaRPr>
+          </a:p>
+          <a:p>
+            <a:pPr lvl="2" marL="1143000" indent="-228600" defTabSz="914400">
+              <a:lnSpc>
+                <a:spcPct val="90000"/>
+              </a:lnSpc>
+              <a:spcBef>
+                <a:spcPts val="499"/>
+              </a:spcBef>
+              <a:buClr>
+                <a:srgbClr val="000000"/>
+              </a:buClr>
+              <a:buFont typeface="Arial"/>
+              <a:buChar char="•"/>
+            </a:pPr>
+            <a:r>
+              <a:rPr b="0" lang="pt-BR" sz="2000" strike="noStrike" u="none">
+                <a:solidFill>
+                  <a:schemeClr val="dk1"/>
+                </a:solidFill>
+                <a:effectLst/>
+                <a:uFillTx/>
+                <a:latin typeface="Aptos"/>
+              </a:rPr>
+              <a:t>Terceiro nível</a:t>
+            </a:r>
+            <a:endParaRPr b="0" lang="pt-BR" sz="2000" strike="noStrike" u="none">
+              <a:solidFill>
+                <a:srgbClr val="000000"/>
+              </a:solidFill>
+              <a:effectLst/>
+              <a:uFillTx/>
+              <a:latin typeface="Arial"/>
+            </a:endParaRPr>
+          </a:p>
+          <a:p>
+            <a:pPr lvl="3" marL="1600200" indent="-228600" defTabSz="914400">
+              <a:lnSpc>
+                <a:spcPct val="90000"/>
+              </a:lnSpc>
+              <a:spcBef>
+                <a:spcPts val="499"/>
+              </a:spcBef>
+              <a:buClr>
+                <a:srgbClr val="000000"/>
+              </a:buClr>
+              <a:buFont typeface="Arial"/>
+              <a:buChar char="•"/>
+            </a:pPr>
+            <a:r>
+              <a:rPr b="0" lang="pt-BR" sz="1800" strike="noStrike" u="none">
+                <a:solidFill>
+                  <a:schemeClr val="dk1"/>
+                </a:solidFill>
+                <a:effectLst/>
+                <a:uFillTx/>
+                <a:latin typeface="Aptos"/>
+              </a:rPr>
+              <a:t>Quarto nível</a:t>
+            </a:r>
+            <a:endParaRPr b="0" lang="pt-BR" sz="1800" strike="noStrike" u="none">
+              <a:solidFill>
+                <a:srgbClr val="000000"/>
+              </a:solidFill>
+              <a:effectLst/>
+              <a:uFillTx/>
+              <a:latin typeface="Arial"/>
+            </a:endParaRPr>
+          </a:p>
+          <a:p>
+            <a:pPr lvl="4" marL="2057400" indent="-228600" defTabSz="914400">
+              <a:lnSpc>
+                <a:spcPct val="90000"/>
+              </a:lnSpc>
+              <a:spcBef>
+                <a:spcPts val="499"/>
+              </a:spcBef>
+              <a:buClr>
+                <a:srgbClr val="000000"/>
+              </a:buClr>
+              <a:buFont typeface="Arial"/>
+              <a:buChar char="•"/>
+            </a:pPr>
+            <a:r>
+              <a:rPr b="0" lang="pt-BR" sz="1800" strike="noStrike" u="none">
+                <a:solidFill>
+                  <a:schemeClr val="dk1"/>
+                </a:solidFill>
+                <a:effectLst/>
+                <a:uFillTx/>
+                <a:latin typeface="Aptos"/>
+              </a:rPr>
+              <a:t>Quinto nível</a:t>
+            </a:r>
+            <a:endParaRPr b="0" lang="pt-BR" sz="1800" strike="noStrike" u="none">
               <a:solidFill>
                 <a:srgbClr val="000000"/>
               </a:solidFill>
@@ -5949,13 +6214,13 @@
             <a:spLocks noGrp="1"/>
           </p:cNvSpPr>
           <p:nvPr>
-            <p:ph type="body"/>
+            <p:ph type="dt" idx="22"/>
           </p:nvPr>
         </p:nvSpPr>
         <p:spPr>
           <a:xfrm>
-            <a:off x="839880" y="2505240"/>
-            <a:ext cx="5156280" cy="3683160"/>
+            <a:off x="838080" y="6356520"/>
+            <a:ext cx="2740320" cy="362160"/>
           </a:xfrm>
           <a:prstGeom prst="rect">
             <a:avLst/>
@@ -5966,177 +6231,60 @@
           </a:ln>
         </p:spPr>
         <p:txBody>
-          <a:bodyPr lIns="91440" rIns="91440" tIns="45720" bIns="45720" anchor="t">
+          <a:bodyPr lIns="91440" rIns="91440" tIns="45720" bIns="45720" anchor="ctr">
             <a:noAutofit/>
           </a:bodyPr>
-          <a:p>
-            <a:pPr marL="228600" indent="-228600" defTabSz="914400">
-              <a:lnSpc>
-                <a:spcPct val="90000"/>
-              </a:lnSpc>
-              <a:spcBef>
-                <a:spcPts val="1001"/>
-              </a:spcBef>
-              <a:buClr>
-                <a:srgbClr val="000000"/>
-              </a:buClr>
-              <a:buFont typeface="Arial"/>
-              <a:buChar char="•"/>
-            </a:pPr>
-            <a:r>
-              <a:rPr b="0" lang="pt-BR" sz="2800" strike="noStrike" u="none">
-                <a:solidFill>
-                  <a:schemeClr val="dk1"/>
-                </a:solidFill>
-                <a:effectLst/>
-                <a:uFillTx/>
-                <a:latin typeface="Aptos"/>
-              </a:rPr>
-              <a:t>Clique para editar o texto mestre</a:t>
-            </a:r>
-            <a:endParaRPr b="0" lang="pt-BR" sz="2800" strike="noStrike" u="none">
-              <a:solidFill>
-                <a:srgbClr val="000000"/>
-              </a:solidFill>
-              <a:effectLst/>
-              <a:uFillTx/>
-              <a:latin typeface="Arial"/>
-            </a:endParaRPr>
-          </a:p>
-          <a:p>
-            <a:pPr lvl="1" marL="685800" indent="-228600" defTabSz="914400">
-              <a:lnSpc>
-                <a:spcPct val="90000"/>
-              </a:lnSpc>
-              <a:spcBef>
-                <a:spcPts val="499"/>
-              </a:spcBef>
-              <a:buClr>
-                <a:srgbClr val="000000"/>
-              </a:buClr>
-              <a:buFont typeface="Arial"/>
-              <a:buChar char="•"/>
-            </a:pPr>
-            <a:r>
-              <a:rPr b="0" lang="pt-BR" sz="2400" strike="noStrike" u="none">
-                <a:solidFill>
-                  <a:schemeClr val="dk1"/>
-                </a:solidFill>
-                <a:effectLst/>
-                <a:uFillTx/>
-                <a:latin typeface="Aptos"/>
-              </a:rPr>
-              <a:t>Segundo nível</a:t>
-            </a:r>
-            <a:endParaRPr b="0" lang="pt-BR" sz="2400" strike="noStrike" u="none">
-              <a:solidFill>
-                <a:srgbClr val="000000"/>
-              </a:solidFill>
-              <a:effectLst/>
-              <a:uFillTx/>
-              <a:latin typeface="Arial"/>
-            </a:endParaRPr>
-          </a:p>
-          <a:p>
-            <a:pPr lvl="2" marL="1143000" indent="-228600" defTabSz="914400">
-              <a:lnSpc>
-                <a:spcPct val="90000"/>
-              </a:lnSpc>
-              <a:spcBef>
-                <a:spcPts val="499"/>
-              </a:spcBef>
-              <a:buClr>
-                <a:srgbClr val="000000"/>
-              </a:buClr>
-              <a:buFont typeface="Arial"/>
-              <a:buChar char="•"/>
-            </a:pPr>
-            <a:r>
-              <a:rPr b="0" lang="pt-BR" sz="2000" strike="noStrike" u="none">
-                <a:solidFill>
-                  <a:schemeClr val="dk1"/>
-                </a:solidFill>
-                <a:effectLst/>
-                <a:uFillTx/>
-                <a:latin typeface="Aptos"/>
-              </a:rPr>
-              <a:t>Terceiro nível</a:t>
-            </a:r>
-            <a:endParaRPr b="0" lang="pt-BR" sz="2000" strike="noStrike" u="none">
-              <a:solidFill>
-                <a:srgbClr val="000000"/>
-              </a:solidFill>
-              <a:effectLst/>
-              <a:uFillTx/>
-              <a:latin typeface="Arial"/>
-            </a:endParaRPr>
-          </a:p>
-          <a:p>
-            <a:pPr lvl="3" marL="1600200" indent="-228600" defTabSz="914400">
-              <a:lnSpc>
-                <a:spcPct val="90000"/>
-              </a:lnSpc>
-              <a:spcBef>
-                <a:spcPts val="499"/>
-              </a:spcBef>
-              <a:buClr>
-                <a:srgbClr val="000000"/>
-              </a:buClr>
-              <a:buFont typeface="Arial"/>
-              <a:buChar char="•"/>
-            </a:pPr>
-            <a:r>
-              <a:rPr b="0" lang="pt-BR" sz="1800" strike="noStrike" u="none">
-                <a:solidFill>
-                  <a:schemeClr val="dk1"/>
-                </a:solidFill>
-                <a:effectLst/>
-                <a:uFillTx/>
-                <a:latin typeface="Aptos"/>
-              </a:rPr>
-              <a:t>Quarto nível</a:t>
-            </a:r>
-            <a:endParaRPr b="0" lang="pt-BR" sz="1800" strike="noStrike" u="none">
-              <a:solidFill>
-                <a:srgbClr val="000000"/>
-              </a:solidFill>
-              <a:effectLst/>
-              <a:uFillTx/>
-              <a:latin typeface="Arial"/>
-            </a:endParaRPr>
-          </a:p>
-          <a:p>
-            <a:pPr lvl="4" marL="2057400" indent="-228600" defTabSz="914400">
-              <a:lnSpc>
-                <a:spcPct val="90000"/>
-              </a:lnSpc>
-              <a:spcBef>
-                <a:spcPts val="499"/>
-              </a:spcBef>
-              <a:buClr>
-                <a:srgbClr val="000000"/>
-              </a:buClr>
-              <a:buFont typeface="Arial"/>
-              <a:buChar char="•"/>
-            </a:pPr>
-            <a:r>
-              <a:rPr b="0" lang="pt-BR" sz="1800" strike="noStrike" u="none">
-                <a:solidFill>
-                  <a:schemeClr val="dk1"/>
-                </a:solidFill>
-                <a:effectLst/>
-                <a:uFillTx/>
-                <a:latin typeface="Aptos"/>
-              </a:rPr>
-              <a:t>Quinto nível</a:t>
-            </a:r>
-            <a:endParaRPr b="0" lang="pt-BR" sz="1800" strike="noStrike" u="none">
-              <a:solidFill>
-                <a:srgbClr val="000000"/>
-              </a:solidFill>
-              <a:effectLst/>
-              <a:uFillTx/>
-              <a:latin typeface="Arial"/>
+          <a:lstStyle>
+            <a:lvl1pPr indent="0" defTabSz="914400">
+              <a:lnSpc>
+                <a:spcPct val="100000"/>
+              </a:lnSpc>
+              <a:buNone/>
+              <a:tabLst>
+                <a:tab algn="l" pos="0"/>
+              </a:tabLst>
+              <a:defRPr b="0" lang="de-DE" sz="1200" strike="noStrike" u="none">
+                <a:solidFill>
+                  <a:schemeClr val="dk1">
+                    <a:tint val="82000"/>
+                  </a:schemeClr>
+                </a:solidFill>
+                <a:effectLst/>
+                <a:uFillTx/>
+                <a:latin typeface="Aptos"/>
+              </a:defRPr>
+            </a:lvl1pPr>
+          </a:lstStyle>
+          <a:p>
+            <a:pPr indent="0" defTabSz="914400">
+              <a:lnSpc>
+                <a:spcPct val="100000"/>
+              </a:lnSpc>
+              <a:buNone/>
+              <a:tabLst>
+                <a:tab algn="l" pos="0"/>
+              </a:tabLst>
+            </a:pPr>
+            <a:r>
+              <a:rPr b="0" lang="de-DE" sz="1200" strike="noStrike" u="none">
+                <a:solidFill>
+                  <a:schemeClr val="dk1">
+                    <a:tint val="82000"/>
+                  </a:schemeClr>
+                </a:solidFill>
+                <a:effectLst/>
+                <a:uFillTx/>
+                <a:latin typeface="Aptos"/>
+              </a:rPr>
+              <a:t>&lt;data/hora&gt;</a:t>
+            </a:r>
+            <a:endParaRPr b="0" lang="pt-BR" sz="1200" strike="noStrike" u="none">
+              <a:solidFill>
+                <a:srgbClr val="000000"/>
+              </a:solidFill>
+              <a:effectLst/>
+              <a:uFillTx/>
+              <a:latin typeface="Times New Roman"/>
             </a:endParaRPr>
           </a:p>
         </p:txBody>
@@ -6148,13 +6296,13 @@
             <a:spLocks noGrp="1"/>
           </p:cNvSpPr>
           <p:nvPr>
-            <p:ph type="body"/>
+            <p:ph type="ftr" idx="23"/>
           </p:nvPr>
         </p:nvSpPr>
         <p:spPr>
           <a:xfrm>
-            <a:off x="6172200" y="1681200"/>
-            <a:ext cx="5181840" cy="822600"/>
+            <a:off x="4038480" y="6356520"/>
+            <a:ext cx="4111920" cy="362160"/>
           </a:xfrm>
           <a:prstGeom prst="rect">
             <a:avLst/>
@@ -6165,40 +6313,56 @@
           </a:ln>
         </p:spPr>
         <p:txBody>
-          <a:bodyPr lIns="91440" rIns="91440" tIns="45720" bIns="45720" anchor="b">
+          <a:bodyPr lIns="91440" rIns="91440" tIns="45720" bIns="45720" anchor="ctr">
             <a:noAutofit/>
           </a:bodyPr>
-          <a:p>
-            <a:pPr indent="0" defTabSz="914400">
-              <a:lnSpc>
-                <a:spcPct val="90000"/>
-              </a:lnSpc>
-              <a:spcBef>
-                <a:spcPts val="1001"/>
-              </a:spcBef>
+          <a:lstStyle>
+            <a:lvl1pPr indent="0" algn="ctr">
+              <a:lnSpc>
+                <a:spcPct val="100000"/>
+              </a:lnSpc>
               <a:buNone/>
               <a:tabLst>
                 <a:tab algn="l" pos="0"/>
               </a:tabLst>
-            </a:pPr>
-            <a:r>
-              <a:rPr b="1" lang="pt-BR" sz="2400" strike="noStrike" u="none">
-                <a:solidFill>
-                  <a:schemeClr val="dk1"/>
-                </a:solidFill>
-                <a:effectLst/>
-                <a:uFillTx/>
-                <a:latin typeface="Aptos"/>
-              </a:rPr>
-              <a:t>Clique para editar o texto mestre</a:t>
-            </a:r>
-            <a:endParaRPr b="0" lang="pt-BR" sz="2400" strike="noStrike" u="none">
-              <a:solidFill>
-                <a:srgbClr val="000000"/>
-              </a:solidFill>
-              <a:effectLst/>
-              <a:uFillTx/>
-              <a:latin typeface="Arial"/>
+              <a:defRPr b="0" lang="pt-BR" sz="1400" strike="noStrike" u="none">
+                <a:solidFill>
+                  <a:srgbClr val="000000"/>
+                </a:solidFill>
+                <a:effectLst/>
+                <a:uFillTx/>
+                <a:latin typeface="Times New Roman"/>
+              </a:defRPr>
+            </a:lvl1pPr>
+          </a:lstStyle>
+          <a:p>
+            <a:pPr indent="0" algn="ctr">
+              <a:lnSpc>
+                <a:spcPct val="100000"/>
+              </a:lnSpc>
+              <a:buNone/>
+              <a:tabLst>
+                <a:tab algn="l" pos="0"/>
+              </a:tabLst>
+            </a:pPr>
+            <a:r>
+              <a:rPr b="0" lang="pt-BR" sz="1400" strike="noStrike" u="none">
+                <a:solidFill>
+                  <a:srgbClr val="000000"/>
+                </a:solidFill>
+                <a:effectLst/>
+                <a:uFillTx/>
+                <a:latin typeface="Times New Roman"/>
+              </a:rPr>
+              <a:t>&lt;rodapé&gt;</a:t>
+            </a:r>
+            <a:endParaRPr b="0" lang="pt-BR" sz="1400" strike="noStrike" u="none">
+              <a:solidFill>
+                <a:srgbClr val="000000"/>
+              </a:solidFill>
+              <a:effectLst/>
+              <a:uFillTx/>
+              <a:latin typeface="Times New Roman"/>
             </a:endParaRPr>
           </a:p>
         </p:txBody>
@@ -6210,372 +6374,13 @@
             <a:spLocks noGrp="1"/>
           </p:cNvSpPr>
           <p:nvPr>
-            <p:ph type="body"/>
-          </p:nvPr>
-        </p:nvSpPr>
-        <p:spPr>
-          <a:xfrm>
-            <a:off x="6172200" y="2505240"/>
-            <a:ext cx="5181840" cy="3683160"/>
-          </a:xfrm>
-          <a:prstGeom prst="rect">
-            <a:avLst/>
-          </a:prstGeom>
-          <a:noFill/>
-          <a:ln w="0">
-            <a:noFill/>
-          </a:ln>
-        </p:spPr>
-        <p:txBody>
-          <a:bodyPr lIns="91440" rIns="91440" tIns="45720" bIns="45720" anchor="t">
-            <a:noAutofit/>
-          </a:bodyPr>
-          <a:p>
-            <a:pPr marL="228600" indent="-228600" defTabSz="914400">
-              <a:lnSpc>
-                <a:spcPct val="90000"/>
-              </a:lnSpc>
-              <a:spcBef>
-                <a:spcPts val="1001"/>
-              </a:spcBef>
-              <a:buClr>
-                <a:srgbClr val="000000"/>
-              </a:buClr>
-              <a:buFont typeface="Arial"/>
-              <a:buChar char="•"/>
-            </a:pPr>
-            <a:r>
-              <a:rPr b="0" lang="pt-BR" sz="2800" strike="noStrike" u="none">
-                <a:solidFill>
-                  <a:schemeClr val="dk1"/>
-                </a:solidFill>
-                <a:effectLst/>
-                <a:uFillTx/>
-                <a:latin typeface="Aptos"/>
-              </a:rPr>
-              <a:t>Clique para editar o texto mestre</a:t>
-            </a:r>
-            <a:endParaRPr b="0" lang="pt-BR" sz="2800" strike="noStrike" u="none">
-              <a:solidFill>
-                <a:srgbClr val="000000"/>
-              </a:solidFill>
-              <a:effectLst/>
-              <a:uFillTx/>
-              <a:latin typeface="Arial"/>
-            </a:endParaRPr>
-          </a:p>
-          <a:p>
-            <a:pPr lvl="1" marL="685800" indent="-228600" defTabSz="914400">
-              <a:lnSpc>
-                <a:spcPct val="90000"/>
-              </a:lnSpc>
-              <a:spcBef>
-                <a:spcPts val="499"/>
-              </a:spcBef>
-              <a:buClr>
-                <a:srgbClr val="000000"/>
-              </a:buClr>
-              <a:buFont typeface="Arial"/>
-              <a:buChar char="•"/>
-            </a:pPr>
-            <a:r>
-              <a:rPr b="0" lang="pt-BR" sz="2400" strike="noStrike" u="none">
-                <a:solidFill>
-                  <a:schemeClr val="dk1"/>
-                </a:solidFill>
-                <a:effectLst/>
-                <a:uFillTx/>
-                <a:latin typeface="Aptos"/>
-              </a:rPr>
-              <a:t>Segundo nível</a:t>
-            </a:r>
-            <a:endParaRPr b="0" lang="pt-BR" sz="2400" strike="noStrike" u="none">
-              <a:solidFill>
-                <a:srgbClr val="000000"/>
-              </a:solidFill>
-              <a:effectLst/>
-              <a:uFillTx/>
-              <a:latin typeface="Arial"/>
-            </a:endParaRPr>
-          </a:p>
-          <a:p>
-            <a:pPr lvl="2" marL="1143000" indent="-228600" defTabSz="914400">
-              <a:lnSpc>
-                <a:spcPct val="90000"/>
-              </a:lnSpc>
-              <a:spcBef>
-                <a:spcPts val="499"/>
-              </a:spcBef>
-              <a:buClr>
-                <a:srgbClr val="000000"/>
-              </a:buClr>
-              <a:buFont typeface="Arial"/>
-              <a:buChar char="•"/>
-            </a:pPr>
-            <a:r>
-              <a:rPr b="0" lang="pt-BR" sz="2000" strike="noStrike" u="none">
-                <a:solidFill>
-                  <a:schemeClr val="dk1"/>
-                </a:solidFill>
-                <a:effectLst/>
-                <a:uFillTx/>
-                <a:latin typeface="Aptos"/>
-              </a:rPr>
-              <a:t>Terceiro nível</a:t>
-            </a:r>
-            <a:endParaRPr b="0" lang="pt-BR" sz="2000" strike="noStrike" u="none">
-              <a:solidFill>
-                <a:srgbClr val="000000"/>
-              </a:solidFill>
-              <a:effectLst/>
-              <a:uFillTx/>
-              <a:latin typeface="Arial"/>
-            </a:endParaRPr>
-          </a:p>
-          <a:p>
-            <a:pPr lvl="3" marL="1600200" indent="-228600" defTabSz="914400">
-              <a:lnSpc>
-                <a:spcPct val="90000"/>
-              </a:lnSpc>
-              <a:spcBef>
-                <a:spcPts val="499"/>
-              </a:spcBef>
-              <a:buClr>
-                <a:srgbClr val="000000"/>
-              </a:buClr>
-              <a:buFont typeface="Arial"/>
-              <a:buChar char="•"/>
-            </a:pPr>
-            <a:r>
-              <a:rPr b="0" lang="pt-BR" sz="1800" strike="noStrike" u="none">
-                <a:solidFill>
-                  <a:schemeClr val="dk1"/>
-                </a:solidFill>
-                <a:effectLst/>
-                <a:uFillTx/>
-                <a:latin typeface="Aptos"/>
-              </a:rPr>
-              <a:t>Quarto nível</a:t>
-            </a:r>
-            <a:endParaRPr b="0" lang="pt-BR" sz="1800" strike="noStrike" u="none">
-              <a:solidFill>
-                <a:srgbClr val="000000"/>
-              </a:solidFill>
-              <a:effectLst/>
-              <a:uFillTx/>
-              <a:latin typeface="Arial"/>
-            </a:endParaRPr>
-          </a:p>
-          <a:p>
-            <a:pPr lvl="4" marL="2057400" indent="-228600" defTabSz="914400">
-              <a:lnSpc>
-                <a:spcPct val="90000"/>
-              </a:lnSpc>
-              <a:spcBef>
-                <a:spcPts val="499"/>
-              </a:spcBef>
-              <a:buClr>
-                <a:srgbClr val="000000"/>
-              </a:buClr>
-              <a:buFont typeface="Arial"/>
-              <a:buChar char="•"/>
-            </a:pPr>
-            <a:r>
-              <a:rPr b="0" lang="pt-BR" sz="1800" strike="noStrike" u="none">
-                <a:solidFill>
-                  <a:schemeClr val="dk1"/>
-                </a:solidFill>
-                <a:effectLst/>
-                <a:uFillTx/>
-                <a:latin typeface="Aptos"/>
-              </a:rPr>
-              <a:t>Quinto nível</a:t>
-            </a:r>
-            <a:endParaRPr b="0" lang="pt-BR" sz="1800" strike="noStrike" u="none">
-              <a:solidFill>
-                <a:srgbClr val="000000"/>
-              </a:solidFill>
-              <a:effectLst/>
-              <a:uFillTx/>
-              <a:latin typeface="Arial"/>
-            </a:endParaRPr>
-          </a:p>
-        </p:txBody>
-      </p:sp>
-      <p:sp>
-        <p:nvSpPr>
-          <p:cNvPr id="41" name="PlaceHolder 6"/>
-          <p:cNvSpPr>
-            <a:spLocks noGrp="1"/>
-          </p:cNvSpPr>
-          <p:nvPr>
-            <p:ph type="dt" idx="22"/>
-          </p:nvPr>
-        </p:nvSpPr>
-        <p:spPr>
-          <a:xfrm>
-            <a:off x="838080" y="6356520"/>
-            <a:ext cx="2741760" cy="363600"/>
-          </a:xfrm>
-          <a:prstGeom prst="rect">
-            <a:avLst/>
-          </a:prstGeom>
-          <a:noFill/>
-          <a:ln w="0">
-            <a:noFill/>
-          </a:ln>
-        </p:spPr>
-        <p:txBody>
-          <a:bodyPr lIns="91440" rIns="91440" tIns="45720" bIns="45720" anchor="ctr">
-            <a:noAutofit/>
-          </a:bodyPr>
-          <a:lstStyle>
-            <a:lvl1pPr indent="0" defTabSz="914400">
-              <a:lnSpc>
-                <a:spcPct val="100000"/>
-              </a:lnSpc>
-              <a:buNone/>
-              <a:tabLst>
-                <a:tab algn="l" pos="0"/>
-              </a:tabLst>
-              <a:defRPr b="0" lang="de-DE" sz="1200" strike="noStrike" u="none">
-                <a:solidFill>
-                  <a:schemeClr val="dk1">
-                    <a:tint val="82000"/>
-                  </a:schemeClr>
-                </a:solidFill>
-                <a:effectLst/>
-                <a:uFillTx/>
-                <a:latin typeface="Aptos"/>
-              </a:defRPr>
-            </a:lvl1pPr>
-          </a:lstStyle>
-          <a:p>
-            <a:pPr indent="0" defTabSz="914400">
-              <a:lnSpc>
-                <a:spcPct val="100000"/>
-              </a:lnSpc>
-              <a:buNone/>
-              <a:tabLst>
-                <a:tab algn="l" pos="0"/>
-              </a:tabLst>
-            </a:pPr>
-            <a:r>
-              <a:rPr b="0" lang="de-DE" sz="1200" strike="noStrike" u="none">
-                <a:solidFill>
-                  <a:schemeClr val="dk1">
-                    <a:tint val="82000"/>
-                  </a:schemeClr>
-                </a:solidFill>
-                <a:effectLst/>
-                <a:uFillTx/>
-                <a:latin typeface="Aptos"/>
-              </a:rPr>
-              <a:t>&lt;data/hora&gt;</a:t>
-            </a:r>
-            <a:endParaRPr b="0" lang="pt-BR" sz="1200" strike="noStrike" u="none">
-              <a:solidFill>
-                <a:srgbClr val="000000"/>
-              </a:solidFill>
-              <a:effectLst/>
-              <a:uFillTx/>
-              <a:latin typeface="Times New Roman"/>
-            </a:endParaRPr>
-          </a:p>
-        </p:txBody>
-      </p:sp>
-      <p:sp>
-        <p:nvSpPr>
-          <p:cNvPr id="42" name="PlaceHolder 7"/>
-          <p:cNvSpPr>
-            <a:spLocks noGrp="1"/>
-          </p:cNvSpPr>
-          <p:nvPr>
-            <p:ph type="ftr" idx="23"/>
-          </p:nvPr>
-        </p:nvSpPr>
-        <p:spPr>
-          <a:xfrm>
-            <a:off x="4038480" y="6356520"/>
-            <a:ext cx="4113360" cy="363600"/>
-          </a:xfrm>
-          <a:prstGeom prst="rect">
-            <a:avLst/>
-          </a:prstGeom>
-          <a:noFill/>
-          <a:ln w="0">
-            <a:noFill/>
-          </a:ln>
-        </p:spPr>
-        <p:txBody>
-          <a:bodyPr lIns="91440" rIns="91440" tIns="45720" bIns="45720" anchor="ctr">
-            <a:noAutofit/>
-          </a:bodyPr>
-          <a:lstStyle>
-            <a:lvl1pPr indent="0" algn="ctr">
-              <a:lnSpc>
-                <a:spcPct val="100000"/>
-              </a:lnSpc>
-              <a:buNone/>
-              <a:tabLst>
-                <a:tab algn="l" pos="0"/>
-              </a:tabLst>
-              <a:defRPr b="0" lang="pt-BR" sz="1400" strike="noStrike" u="none">
-                <a:solidFill>
-                  <a:srgbClr val="000000"/>
-                </a:solidFill>
-                <a:effectLst/>
-                <a:uFillTx/>
-                <a:latin typeface="Times New Roman"/>
-              </a:defRPr>
-            </a:lvl1pPr>
-          </a:lstStyle>
-          <a:p>
-            <a:pPr indent="0" algn="ctr">
-              <a:lnSpc>
-                <a:spcPct val="100000"/>
-              </a:lnSpc>
-              <a:buNone/>
-              <a:tabLst>
-                <a:tab algn="l" pos="0"/>
-              </a:tabLst>
-            </a:pPr>
-            <a:r>
-              <a:rPr b="0" lang="pt-BR" sz="1400" strike="noStrike" u="none">
-                <a:solidFill>
-                  <a:srgbClr val="000000"/>
-                </a:solidFill>
-                <a:effectLst/>
-                <a:uFillTx/>
-                <a:latin typeface="Times New Roman"/>
-              </a:rPr>
-              <a:t>&lt;rodapé&gt;</a:t>
-            </a:r>
-            <a:endParaRPr b="0" lang="pt-BR" sz="1400" strike="noStrike" u="none">
-              <a:solidFill>
-                <a:srgbClr val="000000"/>
-              </a:solidFill>
-              <a:effectLst/>
-              <a:uFillTx/>
-              <a:latin typeface="Times New Roman"/>
-            </a:endParaRPr>
-          </a:p>
-        </p:txBody>
-      </p:sp>
-      <p:sp>
-        <p:nvSpPr>
-          <p:cNvPr id="43" name="PlaceHolder 8"/>
-          <p:cNvSpPr>
-            <a:spLocks noGrp="1"/>
-          </p:cNvSpPr>
-          <p:nvPr>
             <p:ph type="sldNum" idx="24"/>
           </p:nvPr>
         </p:nvSpPr>
         <p:spPr>
           <a:xfrm>
             <a:off x="8610480" y="6356520"/>
-            <a:ext cx="2741760" cy="363600"/>
+            <a:ext cx="2740320" cy="362160"/>
           </a:xfrm>
           <a:prstGeom prst="rect">
             <a:avLst/>
@@ -6620,7 +6425,7 @@
                 <a:tab algn="l" pos="0"/>
               </a:tabLst>
             </a:pPr>
-            <a:fld id="{14CE9224-72E0-4DF4-8C16-0C66F034B179}" type="slidenum">
+            <a:fld id="{336F1B1B-EE96-41C0-9CB6-36F26C6804F9}" type="slidenum">
               <a:rPr b="0" lang="de-DE" sz="1200" strike="noStrike" u="none">
                 <a:solidFill>
                   <a:schemeClr val="dk1">
@@ -6650,8 +6455,8 @@
 </file>
 
 <file path=ppt/slideLayouts/slideLayout9.xml><?xml version="1.0" encoding="utf-8"?>
-<p:sldLayout xmlns:a="http://schemas.openxmlformats.org/drawingml/2006/main" xmlns:p="http://schemas.openxmlformats.org/presentationml/2006/main" xmlns:r="http://schemas.openxmlformats.org/officeDocument/2006/relationships" xmlns:p14="http://schemas.microsoft.com/office/powerpoint/2010/main" xmlns:p15="http://schemas.microsoft.com/office/powerpoint/2012/main" xmlns:mc="http://schemas.openxmlformats.org/markup-compatibility/2006" type="titleOnly" preserve="1">
-  <p:cSld name="Somente título">
+<p:sldLayout xmlns:a="http://schemas.openxmlformats.org/drawingml/2006/main" xmlns:p="http://schemas.openxmlformats.org/presentationml/2006/main" xmlns:r="http://schemas.openxmlformats.org/officeDocument/2006/relationships" xmlns:p14="http://schemas.microsoft.com/office/powerpoint/2010/main" xmlns:p15="http://schemas.microsoft.com/office/powerpoint/2012/main" xmlns:mc="http://schemas.openxmlformats.org/markup-compatibility/2006" type="obj" preserve="1">
+  <p:cSld name="Título e conteúdo">
     <p:bg>
       <p:bgPr>
         <a:solidFill>
@@ -6675,7 +6480,7 @@
       </p:grpSpPr>
       <p:sp>
         <p:nvSpPr>
-          <p:cNvPr id="44" name="PlaceHolder 1"/>
+          <p:cNvPr id="41" name="PlaceHolder 1"/>
           <p:cNvSpPr>
             <a:spLocks noGrp="1"/>
           </p:cNvSpPr>
@@ -6686,7 +6491,7 @@
         <p:spPr>
           <a:xfrm>
             <a:off x="838080" y="365040"/>
-            <a:ext cx="10514160" cy="1324080"/>
+            <a:ext cx="10512720" cy="1322640"/>
           </a:xfrm>
           <a:prstGeom prst="rect">
             <a:avLst/>
@@ -6734,7 +6539,206 @@
       </p:sp>
       <p:sp>
         <p:nvSpPr>
-          <p:cNvPr id="45" name="PlaceHolder 2"/>
+          <p:cNvPr id="42" name="PlaceHolder 2"/>
+          <p:cNvSpPr>
+            <a:spLocks noGrp="1"/>
+          </p:cNvSpPr>
+          <p:nvPr>
+            <p:ph type="body"/>
+          </p:nvPr>
+        </p:nvSpPr>
+        <p:spPr>
+          <a:xfrm>
+            <a:off x="838080" y="1825560"/>
+            <a:ext cx="10512720" cy="4348440"/>
+          </a:xfrm>
+          <a:prstGeom prst="rect">
+            <a:avLst/>
+          </a:prstGeom>
+          <a:noFill/>
+          <a:ln w="0">
+            <a:noFill/>
+          </a:ln>
+        </p:spPr>
+        <p:txBody>
+          <a:bodyPr lIns="91440" rIns="91440" tIns="45720" bIns="45720" anchor="t">
+            <a:noAutofit/>
+          </a:bodyPr>
+          <a:p>
+            <a:pPr marL="228600" indent="-228600" defTabSz="914400">
+              <a:lnSpc>
+                <a:spcPct val="90000"/>
+              </a:lnSpc>
+              <a:spcBef>
+                <a:spcPts val="1001"/>
+              </a:spcBef>
+              <a:buClr>
+                <a:srgbClr val="000000"/>
+              </a:buClr>
+              <a:buFont typeface="Arial"/>
+              <a:buChar char="•"/>
+            </a:pPr>
+            <a:r>
+              <a:rPr b="0" lang="pt-BR" sz="2800" strike="noStrike" u="none">
+                <a:solidFill>
+                  <a:schemeClr val="dk1"/>
+                </a:solidFill>
+                <a:effectLst/>
+                <a:uFillTx/>
+                <a:latin typeface="Aptos"/>
+              </a:rPr>
+              <a:t>Clique para editar o texto mestre</a:t>
+            </a:r>
+            <a:endParaRPr b="0" lang="pt-BR" sz="2800" strike="noStrike" u="none">
+              <a:solidFill>
+                <a:srgbClr val="000000"/>
+              </a:solidFill>
+              <a:effectLst/>
+              <a:uFillTx/>
+              <a:latin typeface="Arial"/>
+            </a:endParaRPr>
+          </a:p>
+          <a:p>
+            <a:pPr lvl="1" marL="685800" indent="-228600" defTabSz="914400">
+              <a:lnSpc>
+                <a:spcPct val="90000"/>
+              </a:lnSpc>
+              <a:spcBef>
+                <a:spcPts val="499"/>
+              </a:spcBef>
+              <a:buClr>
+                <a:srgbClr val="000000"/>
+              </a:buClr>
+              <a:buFont typeface="Arial"/>
+              <a:buChar char="•"/>
+            </a:pPr>
+            <a:r>
+              <a:rPr b="0" lang="pt-BR" sz="2400" strike="noStrike" u="none">
+                <a:solidFill>
+                  <a:schemeClr val="dk1"/>
+                </a:solidFill>
+                <a:effectLst/>
+                <a:uFillTx/>
+                <a:latin typeface="Aptos"/>
+              </a:rPr>
+              <a:t>Segundo nível</a:t>
+            </a:r>
+            <a:endParaRPr b="0" lang="pt-BR" sz="2400" strike="noStrike" u="none">
+              <a:solidFill>
+                <a:srgbClr val="000000"/>
+              </a:solidFill>
+              <a:effectLst/>
+              <a:uFillTx/>
+              <a:latin typeface="Arial"/>
+            </a:endParaRPr>
+          </a:p>
+          <a:p>
+            <a:pPr lvl="2" marL="1143000" indent="-228600" defTabSz="914400">
+              <a:lnSpc>
+                <a:spcPct val="90000"/>
+              </a:lnSpc>
+              <a:spcBef>
+                <a:spcPts val="499"/>
+              </a:spcBef>
+              <a:buClr>
+                <a:srgbClr val="000000"/>
+              </a:buClr>
+              <a:buFont typeface="Arial"/>
+              <a:buChar char="•"/>
+            </a:pPr>
+            <a:r>
+              <a:rPr b="0" lang="pt-BR" sz="2000" strike="noStrike" u="none">
+                <a:solidFill>
+                  <a:schemeClr val="dk1"/>
+                </a:solidFill>
+                <a:effectLst/>
+                <a:uFillTx/>
+                <a:latin typeface="Aptos"/>
+              </a:rPr>
+              <a:t>Terceiro nível</a:t>
+            </a:r>
+            <a:endParaRPr b="0" lang="pt-BR" sz="2000" strike="noStrike" u="none">
+              <a:solidFill>
+                <a:srgbClr val="000000"/>
+              </a:solidFill>
+              <a:effectLst/>
+              <a:uFillTx/>
+              <a:latin typeface="Arial"/>
+            </a:endParaRPr>
+          </a:p>
+          <a:p>
+            <a:pPr lvl="3" marL="1600200" indent="-228600" defTabSz="914400">
+              <a:lnSpc>
+                <a:spcPct val="90000"/>
+              </a:lnSpc>
+              <a:spcBef>
+                <a:spcPts val="499"/>
+              </a:spcBef>
+              <a:buClr>
+                <a:srgbClr val="000000"/>
+              </a:buClr>
+              <a:buFont typeface="Arial"/>
+              <a:buChar char="•"/>
+            </a:pPr>
+            <a:r>
+              <a:rPr b="0" lang="pt-BR" sz="1800" strike="noStrike" u="none">
+                <a:solidFill>
+                  <a:schemeClr val="dk1"/>
+                </a:solidFill>
+                <a:effectLst/>
+                <a:uFillTx/>
+                <a:latin typeface="Aptos"/>
+              </a:rPr>
+              <a:t>Quarto nível</a:t>
+            </a:r>
+            <a:endParaRPr b="0" lang="pt-BR" sz="1800" strike="noStrike" u="none">
+              <a:solidFill>
+                <a:srgbClr val="000000"/>
+              </a:solidFill>
+              <a:effectLst/>
+              <a:uFillTx/>
+              <a:latin typeface="Arial"/>
+            </a:endParaRPr>
+          </a:p>
+          <a:p>
+            <a:pPr lvl="4" marL="2057400" indent="-228600" defTabSz="914400">
+              <a:lnSpc>
+                <a:spcPct val="90000"/>
+              </a:lnSpc>
+              <a:spcBef>
+                <a:spcPts val="499"/>
+              </a:spcBef>
+              <a:buClr>
+                <a:srgbClr val="000000"/>
+              </a:buClr>
+              <a:buFont typeface="Arial"/>
+              <a:buChar char="•"/>
+            </a:pPr>
+            <a:r>
+              <a:rPr b="0" lang="pt-BR" sz="1800" strike="noStrike" u="none">
+                <a:solidFill>
+                  <a:schemeClr val="dk1"/>
+                </a:solidFill>
+                <a:effectLst/>
+                <a:uFillTx/>
+                <a:latin typeface="Aptos"/>
+              </a:rPr>
+              <a:t>Quinto nível</a:t>
+            </a:r>
+            <a:endParaRPr b="0" lang="pt-BR" sz="1800" strike="noStrike" u="none">
+              <a:solidFill>
+                <a:srgbClr val="000000"/>
+              </a:solidFill>
+              <a:effectLst/>
+              <a:uFillTx/>
+              <a:latin typeface="Arial"/>
+            </a:endParaRPr>
+          </a:p>
+        </p:txBody>
+      </p:sp>
+      <p:sp>
+        <p:nvSpPr>
+          <p:cNvPr id="43" name="PlaceHolder 3"/>
           <p:cNvSpPr>
             <a:spLocks noGrp="1"/>
           </p:cNvSpPr>
@@ -6745,7 +6749,7 @@
         <p:spPr>
           <a:xfrm>
             <a:off x="838080" y="6356520"/>
-            <a:ext cx="2741760" cy="363600"/>
+            <a:ext cx="2740320" cy="362160"/>
           </a:xfrm>
           <a:prstGeom prst="rect">
             <a:avLst/>
@@ -6816,7 +6820,7 @@
       </p:sp>
       <p:sp>
         <p:nvSpPr>
-          <p:cNvPr id="46" name="PlaceHolder 3"/>
+          <p:cNvPr id="44" name="PlaceHolder 4"/>
           <p:cNvSpPr>
             <a:spLocks noGrp="1"/>
           </p:cNvSpPr>
@@ -6827,7 +6831,7 @@
         <p:spPr>
           <a:xfrm>
             <a:off x="4038480" y="6356520"/>
-            <a:ext cx="4113360" cy="363600"/>
+            <a:ext cx="4111920" cy="362160"/>
           </a:xfrm>
           <a:prstGeom prst="rect">
             <a:avLst/>
@@ -6894,7 +6898,7 @@
       </p:sp>
       <p:sp>
         <p:nvSpPr>
-          <p:cNvPr id="47" name="PlaceHolder 4"/>
+          <p:cNvPr id="45" name="PlaceHolder 5"/>
           <p:cNvSpPr>
             <a:spLocks noGrp="1"/>
           </p:cNvSpPr>
@@ -6905,7 +6909,7 @@
         <p:spPr>
           <a:xfrm>
             <a:off x="8610480" y="6356520"/>
-            <a:ext cx="2741760" cy="363600"/>
+            <a:ext cx="2740320" cy="362160"/>
           </a:xfrm>
           <a:prstGeom prst="rect">
             <a:avLst/>
@@ -6950,7 +6954,7 @@
                 <a:tab algn="l" pos="0"/>
               </a:tabLst>
             </a:pPr>
-            <a:fld id="{53BBD15E-3EE7-4541-A042-14FA835E523C}" type="slidenum">
+            <a:fld id="{2F65AD1B-BE76-4FD2-B305-2E77BF4F6752}" type="slidenum">
               <a:rPr b="0" lang="de-DE" sz="1200" strike="noStrike" u="none">
                 <a:solidFill>
                   <a:schemeClr val="dk1">
@@ -7046,7 +7050,7 @@
         <p:spPr>
           <a:xfrm>
             <a:off x="1523880" y="1122480"/>
-            <a:ext cx="9142560" cy="1471680"/>
+            <a:ext cx="9141120" cy="1470240"/>
           </a:xfrm>
           <a:prstGeom prst="rect">
             <a:avLst/>
@@ -7071,6 +7075,17 @@
               </a:tabLst>
             </a:pPr>
             <a:r>
+              <a:rPr b="0" lang="de-DE" sz="4000" strike="noStrike" u="none">
+                <a:solidFill>
+                  <a:srgbClr val="000000"/>
+                </a:solidFill>
+                <a:effectLst/>
+                <a:uFillTx/>
+                <a:latin typeface="Calibri"/>
+              </a:rPr>
+              <a:t>CWS</a:t>
+            </a:r>
+            <a:r>
               <a:rPr b="0" lang="de-DE" sz="2000" strike="noStrike" u="none">
                 <a:solidFill>
                   <a:srgbClr val="000000"/>
@@ -7079,7 +7094,7 @@
                 <a:uFillTx/>
                 <a:latin typeface="Calibri"/>
               </a:rPr>
-              <a:t>CWS </a:t>
+              <a:t> </a:t>
             </a:r>
             <a:endParaRPr b="0" lang="pt-BR" sz="2000" strike="noStrike" u="none">
               <a:solidFill>
@@ -7105,7 +7120,7 @@
         <p:spPr>
           <a:xfrm>
             <a:off x="1523880" y="3602160"/>
-            <a:ext cx="9142560" cy="565920"/>
+            <a:ext cx="9141120" cy="564480"/>
           </a:xfrm>
           <a:prstGeom prst="rect">
             <a:avLst/>
@@ -7167,7 +7182,412 @@
         <p:spPr>
           <a:xfrm>
             <a:off x="11160000" y="150840"/>
-            <a:ext cx="912960" cy="208080"/>
+            <a:ext cx="911520" cy="206640"/>
+          </a:xfrm>
+          <a:prstGeom prst="rect">
+            <a:avLst/>
+          </a:prstGeom>
+          <a:noFill/>
+          <a:ln w="0">
+            <a:noFill/>
+          </a:ln>
+        </p:spPr>
+      </p:pic>
+    </p:spTree>
+  </p:cSld>
+  <mc:AlternateContent>
+    <mc:Choice Requires="p14">
+      <p:transition spd="slow" p14:dur="2000"/>
+    </mc:Choice>
+    <mc:Fallback>
+      <p:transition spd="slow"/>
+    </mc:Fallback>
+  </mc:AlternateContent>
+</p:sld>
+</file>
+
+<file path=ppt/slides/slide10.xml><?xml version="1.0" encoding="utf-8"?>
+<p:sld xmlns:a="http://schemas.openxmlformats.org/drawingml/2006/main" xmlns:p="http://schemas.openxmlformats.org/presentationml/2006/main" xmlns:r="http://schemas.openxmlformats.org/officeDocument/2006/relationships" xmlns:p14="http://schemas.microsoft.com/office/powerpoint/2010/main" xmlns:p15="http://schemas.microsoft.com/office/powerpoint/2012/main" xmlns:mc="http://schemas.openxmlformats.org/markup-compatibility/2006">
+  <p:cSld>
+    <p:spTree>
+      <p:nvGrpSpPr>
+        <p:cNvPr id="1" name=""/>
+        <p:cNvGrpSpPr/>
+        <p:nvPr/>
+      </p:nvGrpSpPr>
+      <p:grpSpPr>
+        <a:xfrm>
+          <a:off x="0" y="0"/>
+          <a:ext cx="0" cy="0"/>
+          <a:chOff x="0" y="0"/>
+          <a:chExt cx="0" cy="0"/>
+        </a:xfrm>
+      </p:grpSpPr>
+      <p:sp>
+        <p:nvSpPr>
+          <p:cNvPr id="94" name=""/>
+          <p:cNvSpPr/>
+          <p:nvPr/>
+        </p:nvSpPr>
+        <p:spPr>
+          <a:xfrm>
+            <a:off x="588960" y="292680"/>
+            <a:ext cx="1981800" cy="396000"/>
+          </a:xfrm>
+          <a:prstGeom prst="rect">
+            <a:avLst/>
+          </a:prstGeom>
+          <a:noFill/>
+          <a:ln w="0">
+            <a:noFill/>
+          </a:ln>
+        </p:spPr>
+        <p:style>
+          <a:lnRef idx="0"/>
+          <a:fillRef idx="0"/>
+          <a:effectRef idx="0"/>
+          <a:fontRef idx="minor"/>
+        </p:style>
+        <p:txBody>
+          <a:bodyPr wrap="none" lIns="90000" rIns="90000" tIns="45000" bIns="45000" anchor="t">
+            <a:spAutoFit/>
+          </a:bodyPr>
+          <a:p>
+            <a:pPr>
+              <a:lnSpc>
+                <a:spcPct val="100000"/>
+              </a:lnSpc>
+            </a:pPr>
+            <a:r>
+              <a:rPr b="0" lang="pt-BR" sz="2000" strike="noStrike" u="none">
+                <a:solidFill>
+                  <a:srgbClr val="000000"/>
+                </a:solidFill>
+                <a:effectLst/>
+                <a:uFillTx/>
+                <a:latin typeface="Calibri"/>
+              </a:rPr>
+              <a:t>Alguns Exemplos:</a:t>
+            </a:r>
+            <a:endParaRPr b="0" lang="pt-BR" sz="2000" strike="noStrike" u="none">
+              <a:solidFill>
+                <a:srgbClr val="000000"/>
+              </a:solidFill>
+              <a:effectLst/>
+              <a:uFillTx/>
+              <a:latin typeface="Arial"/>
+            </a:endParaRPr>
+          </a:p>
+        </p:txBody>
+      </p:sp>
+      <p:pic>
+        <p:nvPicPr>
+          <p:cNvPr id="95" name="" descr=""/>
+          <p:cNvPicPr/>
+          <p:nvPr/>
+        </p:nvPicPr>
+        <p:blipFill>
+          <a:blip r:embed="rId1"/>
+          <a:stretch/>
+        </p:blipFill>
+        <p:spPr>
+          <a:xfrm>
+            <a:off x="11151720" y="120600"/>
+            <a:ext cx="911520" cy="206640"/>
+          </a:xfrm>
+          <a:prstGeom prst="rect">
+            <a:avLst/>
+          </a:prstGeom>
+          <a:noFill/>
+          <a:ln w="0">
+            <a:noFill/>
+          </a:ln>
+        </p:spPr>
+      </p:pic>
+      <p:pic>
+        <p:nvPicPr>
+          <p:cNvPr id="96" name="" descr=""/>
+          <p:cNvPicPr/>
+          <p:nvPr/>
+        </p:nvPicPr>
+        <p:blipFill>
+          <a:blip r:embed="rId2"/>
+          <a:stretch/>
+        </p:blipFill>
+        <p:spPr>
+          <a:xfrm>
+            <a:off x="42480" y="689040"/>
+            <a:ext cx="12191040" cy="5512680"/>
+          </a:xfrm>
+          <a:prstGeom prst="rect">
+            <a:avLst/>
+          </a:prstGeom>
+          <a:noFill/>
+          <a:ln w="0">
+            <a:noFill/>
+          </a:ln>
+        </p:spPr>
+      </p:pic>
+    </p:spTree>
+  </p:cSld>
+  <mc:AlternateContent>
+    <mc:Choice Requires="p14">
+      <p:transition spd="slow" p14:dur="2000"/>
+    </mc:Choice>
+    <mc:Fallback>
+      <p:transition spd="slow"/>
+    </mc:Fallback>
+  </mc:AlternateContent>
+</p:sld>
+</file>
+
+<file path=ppt/slides/slide11.xml><?xml version="1.0" encoding="utf-8"?>
+<p:sld xmlns:a="http://schemas.openxmlformats.org/drawingml/2006/main" xmlns:p="http://schemas.openxmlformats.org/presentationml/2006/main" xmlns:r="http://schemas.openxmlformats.org/officeDocument/2006/relationships" xmlns:p14="http://schemas.microsoft.com/office/powerpoint/2010/main" xmlns:p15="http://schemas.microsoft.com/office/powerpoint/2012/main" xmlns:mc="http://schemas.openxmlformats.org/markup-compatibility/2006">
+  <p:cSld>
+    <p:spTree>
+      <p:nvGrpSpPr>
+        <p:cNvPr id="1" name=""/>
+        <p:cNvGrpSpPr/>
+        <p:nvPr/>
+      </p:nvGrpSpPr>
+      <p:grpSpPr>
+        <a:xfrm>
+          <a:off x="0" y="0"/>
+          <a:ext cx="0" cy="0"/>
+          <a:chOff x="0" y="0"/>
+          <a:chExt cx="0" cy="0"/>
+        </a:xfrm>
+      </p:grpSpPr>
+      <p:sp>
+        <p:nvSpPr>
+          <p:cNvPr id="97" name=""/>
+          <p:cNvSpPr/>
+          <p:nvPr/>
+        </p:nvSpPr>
+        <p:spPr>
+          <a:xfrm>
+            <a:off x="588960" y="292680"/>
+            <a:ext cx="1981800" cy="396360"/>
+          </a:xfrm>
+          <a:prstGeom prst="rect">
+            <a:avLst/>
+          </a:prstGeom>
+          <a:noFill/>
+          <a:ln w="0">
+            <a:noFill/>
+          </a:ln>
+        </p:spPr>
+        <p:style>
+          <a:lnRef idx="0"/>
+          <a:fillRef idx="0"/>
+          <a:effectRef idx="0"/>
+          <a:fontRef idx="minor"/>
+        </p:style>
+        <p:txBody>
+          <a:bodyPr wrap="none" lIns="90000" rIns="90000" tIns="45000" bIns="45000" anchor="t">
+            <a:spAutoFit/>
+          </a:bodyPr>
+          <a:p>
+            <a:pPr>
+              <a:lnSpc>
+                <a:spcPct val="100000"/>
+              </a:lnSpc>
+            </a:pPr>
+            <a:r>
+              <a:rPr b="0" lang="pt-BR" sz="2000" strike="noStrike" u="none">
+                <a:solidFill>
+                  <a:srgbClr val="000000"/>
+                </a:solidFill>
+                <a:effectLst/>
+                <a:uFillTx/>
+                <a:latin typeface="Calibri"/>
+              </a:rPr>
+              <a:t>Alguns Exemplos:</a:t>
+            </a:r>
+            <a:endParaRPr b="0" lang="pt-BR" sz="2000" strike="noStrike" u="none">
+              <a:solidFill>
+                <a:srgbClr val="000000"/>
+              </a:solidFill>
+              <a:effectLst/>
+              <a:uFillTx/>
+              <a:latin typeface="Arial"/>
+            </a:endParaRPr>
+          </a:p>
+        </p:txBody>
+      </p:sp>
+      <p:pic>
+        <p:nvPicPr>
+          <p:cNvPr id="98" name="" descr=""/>
+          <p:cNvPicPr/>
+          <p:nvPr/>
+        </p:nvPicPr>
+        <p:blipFill>
+          <a:blip r:embed="rId1"/>
+          <a:stretch/>
+        </p:blipFill>
+        <p:spPr>
+          <a:xfrm>
+            <a:off x="11151720" y="120600"/>
+            <a:ext cx="911520" cy="206640"/>
+          </a:xfrm>
+          <a:prstGeom prst="rect">
+            <a:avLst/>
+          </a:prstGeom>
+          <a:noFill/>
+          <a:ln w="0">
+            <a:noFill/>
+          </a:ln>
+        </p:spPr>
+      </p:pic>
+      <p:pic>
+        <p:nvPicPr>
+          <p:cNvPr id="99" name="" descr=""/>
+          <p:cNvPicPr/>
+          <p:nvPr/>
+        </p:nvPicPr>
+        <p:blipFill>
+          <a:blip r:embed="rId2"/>
+          <a:stretch/>
+        </p:blipFill>
+        <p:spPr>
+          <a:xfrm>
+            <a:off x="42480" y="673560"/>
+            <a:ext cx="12190680" cy="5543640"/>
+          </a:xfrm>
+          <a:prstGeom prst="rect">
+            <a:avLst/>
+          </a:prstGeom>
+          <a:noFill/>
+          <a:ln w="0">
+            <a:noFill/>
+          </a:ln>
+        </p:spPr>
+      </p:pic>
+    </p:spTree>
+  </p:cSld>
+  <mc:AlternateContent>
+    <mc:Choice Requires="p14">
+      <p:transition spd="slow" p14:dur="2000"/>
+    </mc:Choice>
+    <mc:Fallback>
+      <p:transition spd="slow"/>
+    </mc:Fallback>
+  </mc:AlternateContent>
+</p:sld>
+</file>
+
+<file path=ppt/slides/slide12.xml><?xml version="1.0" encoding="utf-8"?>
+<p:sld xmlns:a="http://schemas.openxmlformats.org/drawingml/2006/main" xmlns:p="http://schemas.openxmlformats.org/presentationml/2006/main" xmlns:r="http://schemas.openxmlformats.org/officeDocument/2006/relationships" xmlns:p14="http://schemas.microsoft.com/office/powerpoint/2010/main" xmlns:p15="http://schemas.microsoft.com/office/powerpoint/2012/main" xmlns:mc="http://schemas.openxmlformats.org/markup-compatibility/2006">
+  <p:cSld>
+    <p:spTree>
+      <p:nvGrpSpPr>
+        <p:cNvPr id="1" name=""/>
+        <p:cNvGrpSpPr/>
+        <p:nvPr/>
+      </p:nvGrpSpPr>
+      <p:grpSpPr>
+        <a:xfrm>
+          <a:off x="0" y="0"/>
+          <a:ext cx="0" cy="0"/>
+          <a:chOff x="0" y="0"/>
+          <a:chExt cx="0" cy="0"/>
+        </a:xfrm>
+      </p:grpSpPr>
+      <p:sp>
+        <p:nvSpPr>
+          <p:cNvPr id="100" name=""/>
+          <p:cNvSpPr/>
+          <p:nvPr/>
+        </p:nvSpPr>
+        <p:spPr>
+          <a:xfrm>
+            <a:off x="588960" y="292680"/>
+            <a:ext cx="1981800" cy="395640"/>
+          </a:xfrm>
+          <a:prstGeom prst="rect">
+            <a:avLst/>
+          </a:prstGeom>
+          <a:noFill/>
+          <a:ln w="0">
+            <a:noFill/>
+          </a:ln>
+        </p:spPr>
+        <p:style>
+          <a:lnRef idx="0"/>
+          <a:fillRef idx="0"/>
+          <a:effectRef idx="0"/>
+          <a:fontRef idx="minor"/>
+        </p:style>
+        <p:txBody>
+          <a:bodyPr wrap="none" lIns="90000" rIns="90000" tIns="45000" bIns="45000" anchor="t">
+            <a:spAutoFit/>
+          </a:bodyPr>
+          <a:p>
+            <a:pPr>
+              <a:lnSpc>
+                <a:spcPct val="100000"/>
+              </a:lnSpc>
+            </a:pPr>
+            <a:r>
+              <a:rPr b="0" lang="pt-BR" sz="2000" strike="noStrike" u="none">
+                <a:solidFill>
+                  <a:srgbClr val="000000"/>
+                </a:solidFill>
+                <a:effectLst/>
+                <a:uFillTx/>
+                <a:latin typeface="Calibri"/>
+              </a:rPr>
+              <a:t>Alguns Exemplos:</a:t>
+            </a:r>
+            <a:endParaRPr b="0" lang="pt-BR" sz="2000" strike="noStrike" u="none">
+              <a:solidFill>
+                <a:srgbClr val="000000"/>
+              </a:solidFill>
+              <a:effectLst/>
+              <a:uFillTx/>
+              <a:latin typeface="Arial"/>
+            </a:endParaRPr>
+          </a:p>
+        </p:txBody>
+      </p:sp>
+      <p:pic>
+        <p:nvPicPr>
+          <p:cNvPr id="101" name="" descr=""/>
+          <p:cNvPicPr/>
+          <p:nvPr/>
+        </p:nvPicPr>
+        <p:blipFill>
+          <a:blip r:embed="rId1"/>
+          <a:stretch/>
+        </p:blipFill>
+        <p:spPr>
+          <a:xfrm>
+            <a:off x="11151720" y="120600"/>
+            <a:ext cx="911520" cy="206640"/>
+          </a:xfrm>
+          <a:prstGeom prst="rect">
+            <a:avLst/>
+          </a:prstGeom>
+          <a:noFill/>
+          <a:ln w="0">
+            <a:noFill/>
+          </a:ln>
+        </p:spPr>
+      </p:pic>
+      <p:pic>
+        <p:nvPicPr>
+          <p:cNvPr id="102" name="" descr=""/>
+          <p:cNvPicPr/>
+          <p:nvPr/>
+        </p:nvPicPr>
+        <p:blipFill>
+          <a:blip r:embed="rId2"/>
+          <a:stretch/>
+        </p:blipFill>
+        <p:spPr>
+          <a:xfrm>
+            <a:off x="42480" y="246240"/>
+            <a:ext cx="12191400" cy="5535000"/>
           </a:xfrm>
           <a:prstGeom prst="rect">
             <a:avLst/>
@@ -7220,8 +7640,8 @@
         </p:nvSpPr>
         <p:spPr>
           <a:xfrm>
-            <a:off x="36360" y="-1080"/>
-            <a:ext cx="9502560" cy="588240"/>
+            <a:off x="36360" y="-2520"/>
+            <a:ext cx="9501120" cy="589680"/>
           </a:xfrm>
           <a:prstGeom prst="rect">
             <a:avLst/>
@@ -7276,7 +7696,7 @@
         <p:spPr>
           <a:xfrm>
             <a:off x="180000" y="720000"/>
-            <a:ext cx="12061440" cy="1627200"/>
+            <a:ext cx="12061440" cy="1628640"/>
           </a:xfrm>
           <a:prstGeom prst="rect">
             <a:avLst/>
@@ -7844,7 +8264,7 @@
         <p:spPr>
           <a:xfrm>
             <a:off x="11160000" y="150840"/>
-            <a:ext cx="912960" cy="208080"/>
+            <a:ext cx="911520" cy="206640"/>
           </a:xfrm>
           <a:prstGeom prst="rect">
             <a:avLst/>
@@ -7894,7 +8314,7 @@
         <p:spPr>
           <a:xfrm>
             <a:off x="0" y="13320"/>
-            <a:ext cx="3445920" cy="347760"/>
+            <a:ext cx="3444480" cy="349200"/>
           </a:xfrm>
           <a:prstGeom prst="rect">
             <a:avLst/>
@@ -7955,7 +8375,7 @@
         <p:spPr>
           <a:xfrm>
             <a:off x="2701800" y="1593360"/>
-            <a:ext cx="6872040" cy="3077280"/>
+            <a:ext cx="6870600" cy="3075840"/>
           </a:xfrm>
           <a:prstGeom prst="rect">
             <a:avLst/>
@@ -7979,7 +8399,7 @@
         <p:spPr>
           <a:xfrm>
             <a:off x="11160000" y="150840"/>
-            <a:ext cx="912960" cy="208080"/>
+            <a:ext cx="911520" cy="206640"/>
           </a:xfrm>
           <a:prstGeom prst="rect">
             <a:avLst/>
@@ -7993,22 +8413,28 @@
       <p:sp>
         <p:nvSpPr>
           <p:cNvPr id="75" name=""/>
-          <p:cNvSpPr txBox="1"/>
+          <p:cNvSpPr/>
           <p:nvPr/>
         </p:nvSpPr>
         <p:spPr>
           <a:xfrm>
             <a:off x="0" y="540000"/>
-            <a:ext cx="12194280" cy="968400"/>
-          </a:xfrm>
-          <a:prstGeom prst="rect">
-            <a:avLst/>
-          </a:prstGeom>
-          <a:noFill/>
-          <a:ln w="0">
-            <a:noFill/>
-          </a:ln>
-        </p:spPr>
+            <a:ext cx="12193560" cy="969840"/>
+          </a:xfrm>
+          <a:prstGeom prst="rect">
+            <a:avLst/>
+          </a:prstGeom>
+          <a:noFill/>
+          <a:ln w="0">
+            <a:noFill/>
+          </a:ln>
+        </p:spPr>
+        <p:style>
+          <a:lnRef idx="0"/>
+          <a:fillRef idx="0"/>
+          <a:effectRef idx="0"/>
+          <a:fontRef idx="minor"/>
+        </p:style>
         <p:txBody>
           <a:bodyPr wrap="none" lIns="90000" rIns="90000" tIns="45000" bIns="45000" anchor="t">
             <a:spAutoFit/>
@@ -8039,7 +8465,7 @@
               </a:solidFill>
               <a:effectLst/>
               <a:uFillTx/>
-              <a:latin typeface="Calibri"/>
+              <a:latin typeface="Arial"/>
             </a:endParaRPr>
           </a:p>
           <a:p>
@@ -8068,7 +8494,7 @@
               </a:solidFill>
               <a:effectLst/>
               <a:uFillTx/>
-              <a:latin typeface="Calibri"/>
+              <a:latin typeface="Arial"/>
             </a:endParaRPr>
           </a:p>
           <a:p>
@@ -8097,7 +8523,7 @@
               </a:solidFill>
               <a:effectLst/>
               <a:uFillTx/>
-              <a:latin typeface="Calibri"/>
+              <a:latin typeface="Arial"/>
             </a:endParaRPr>
           </a:p>
         </p:txBody>
@@ -8141,7 +8567,7 @@
         <p:spPr>
           <a:xfrm>
             <a:off x="0" y="13320"/>
-            <a:ext cx="3445920" cy="347760"/>
+            <a:ext cx="3444480" cy="349200"/>
           </a:xfrm>
           <a:prstGeom prst="rect">
             <a:avLst/>
@@ -8202,7 +8628,7 @@
         <p:spPr>
           <a:xfrm>
             <a:off x="11160000" y="150840"/>
-            <a:ext cx="912960" cy="208080"/>
+            <a:ext cx="911520" cy="206640"/>
           </a:xfrm>
           <a:prstGeom prst="rect">
             <a:avLst/>
@@ -8222,7 +8648,7 @@
         <p:spPr>
           <a:xfrm>
             <a:off x="0" y="720000"/>
-            <a:ext cx="11424600" cy="859320"/>
+            <a:ext cx="11424600" cy="860760"/>
           </a:xfrm>
           <a:prstGeom prst="rect">
             <a:avLst/>
@@ -8364,7 +8790,7 @@
         <p:spPr>
           <a:xfrm>
             <a:off x="180000" y="1080000"/>
-            <a:ext cx="11878920" cy="1883160"/>
+            <a:ext cx="11877480" cy="1884600"/>
           </a:xfrm>
           <a:prstGeom prst="rect">
             <a:avLst/>
@@ -8573,7 +8999,7 @@
         <p:spPr>
           <a:xfrm>
             <a:off x="588960" y="292680"/>
-            <a:ext cx="1238040" cy="428400"/>
+            <a:ext cx="1237680" cy="429840"/>
           </a:xfrm>
           <a:prstGeom prst="rect">
             <a:avLst/>
@@ -8634,7 +9060,7 @@
         <p:spPr>
           <a:xfrm>
             <a:off x="11151720" y="120600"/>
-            <a:ext cx="912960" cy="208080"/>
+            <a:ext cx="911520" cy="206640"/>
           </a:xfrm>
           <a:prstGeom prst="rect">
             <a:avLst/>
@@ -8684,7 +9110,7 @@
         <p:spPr>
           <a:xfrm>
             <a:off x="588960" y="292680"/>
-            <a:ext cx="2300040" cy="456120"/>
+            <a:ext cx="2299680" cy="457560"/>
           </a:xfrm>
           <a:prstGeom prst="rect">
             <a:avLst/>
@@ -8745,7 +9171,7 @@
         <p:spPr>
           <a:xfrm>
             <a:off x="11151720" y="120600"/>
-            <a:ext cx="912960" cy="208080"/>
+            <a:ext cx="911520" cy="206640"/>
           </a:xfrm>
           <a:prstGeom prst="rect">
             <a:avLst/>
@@ -8765,7 +9191,7 @@
         <p:spPr>
           <a:xfrm>
             <a:off x="0" y="1080000"/>
-            <a:ext cx="11195640" cy="1626840"/>
+            <a:ext cx="11195640" cy="1628280"/>
           </a:xfrm>
           <a:prstGeom prst="rect">
             <a:avLst/>
@@ -8982,7 +9408,7 @@
         <p:spPr>
           <a:xfrm>
             <a:off x="588960" y="292680"/>
-            <a:ext cx="1702800" cy="456120"/>
+            <a:ext cx="1702440" cy="457560"/>
           </a:xfrm>
           <a:prstGeom prst="rect">
             <a:avLst/>
@@ -9043,7 +9469,7 @@
         <p:spPr>
           <a:xfrm>
             <a:off x="11151720" y="120600"/>
-            <a:ext cx="912960" cy="208080"/>
+            <a:ext cx="911520" cy="206640"/>
           </a:xfrm>
           <a:prstGeom prst="rect">
             <a:avLst/>
@@ -9066,8 +9492,8 @@
         </p:blipFill>
         <p:spPr>
           <a:xfrm>
-            <a:off x="2549160" y="1887840"/>
-            <a:ext cx="7177320" cy="3115440"/>
+            <a:off x="2366280" y="1887840"/>
+            <a:ext cx="7542720" cy="3115080"/>
           </a:xfrm>
           <a:prstGeom prst="rect">
             <a:avLst/>
@@ -9117,7 +9543,7 @@
         <p:spPr>
           <a:xfrm>
             <a:off x="588960" y="292680"/>
-            <a:ext cx="2104920" cy="456120"/>
+            <a:ext cx="2104560" cy="457560"/>
           </a:xfrm>
           <a:prstGeom prst="rect">
             <a:avLst/>
@@ -9178,7 +9604,7 @@
         <p:spPr>
           <a:xfrm>
             <a:off x="11151720" y="120600"/>
-            <a:ext cx="912960" cy="208080"/>
+            <a:ext cx="911520" cy="206640"/>
           </a:xfrm>
           <a:prstGeom prst="rect">
             <a:avLst/>
@@ -9201,8 +9627,143 @@
         </p:blipFill>
         <p:spPr>
           <a:xfrm>
-            <a:off x="2553120" y="1811520"/>
-            <a:ext cx="7169760" cy="3268080"/>
+            <a:off x="2553120" y="1636200"/>
+            <a:ext cx="7169400" cy="3618360"/>
+          </a:xfrm>
+          <a:prstGeom prst="rect">
+            <a:avLst/>
+          </a:prstGeom>
+          <a:noFill/>
+          <a:ln w="0">
+            <a:noFill/>
+          </a:ln>
+        </p:spPr>
+      </p:pic>
+    </p:spTree>
+  </p:cSld>
+  <mc:AlternateContent>
+    <mc:Choice Requires="p14">
+      <p:transition spd="slow" p14:dur="2000"/>
+    </mc:Choice>
+    <mc:Fallback>
+      <p:transition spd="slow"/>
+    </mc:Fallback>
+  </mc:AlternateContent>
+</p:sld>
+</file>
+
+<file path=ppt/slides/slide9.xml><?xml version="1.0" encoding="utf-8"?>
+<p:sld xmlns:a="http://schemas.openxmlformats.org/drawingml/2006/main" xmlns:p="http://schemas.openxmlformats.org/presentationml/2006/main" xmlns:r="http://schemas.openxmlformats.org/officeDocument/2006/relationships" xmlns:p14="http://schemas.microsoft.com/office/powerpoint/2010/main" xmlns:p15="http://schemas.microsoft.com/office/powerpoint/2012/main" xmlns:mc="http://schemas.openxmlformats.org/markup-compatibility/2006">
+  <p:cSld>
+    <p:spTree>
+      <p:nvGrpSpPr>
+        <p:cNvPr id="1" name=""/>
+        <p:cNvGrpSpPr/>
+        <p:nvPr/>
+      </p:nvGrpSpPr>
+      <p:grpSpPr>
+        <a:xfrm>
+          <a:off x="0" y="0"/>
+          <a:ext cx="0" cy="0"/>
+          <a:chOff x="0" y="0"/>
+          <a:chExt cx="0" cy="0"/>
+        </a:xfrm>
+      </p:grpSpPr>
+      <p:sp>
+        <p:nvSpPr>
+          <p:cNvPr id="91" name=""/>
+          <p:cNvSpPr/>
+          <p:nvPr/>
+        </p:nvSpPr>
+        <p:spPr>
+          <a:xfrm>
+            <a:off x="588960" y="292680"/>
+            <a:ext cx="1981800" cy="396000"/>
+          </a:xfrm>
+          <a:prstGeom prst="rect">
+            <a:avLst/>
+          </a:prstGeom>
+          <a:noFill/>
+          <a:ln w="0">
+            <a:noFill/>
+          </a:ln>
+        </p:spPr>
+        <p:style>
+          <a:lnRef idx="0"/>
+          <a:fillRef idx="0"/>
+          <a:effectRef idx="0"/>
+          <a:fontRef idx="minor"/>
+        </p:style>
+        <p:txBody>
+          <a:bodyPr wrap="none" lIns="90000" rIns="90000" tIns="45000" bIns="45000" anchor="t">
+            <a:spAutoFit/>
+          </a:bodyPr>
+          <a:p>
+            <a:pPr>
+              <a:lnSpc>
+                <a:spcPct val="100000"/>
+              </a:lnSpc>
+            </a:pPr>
+            <a:r>
+              <a:rPr b="0" lang="pt-BR" sz="2000" strike="noStrike" u="none">
+                <a:solidFill>
+                  <a:srgbClr val="000000"/>
+                </a:solidFill>
+                <a:effectLst/>
+                <a:uFillTx/>
+                <a:latin typeface="Calibri"/>
+              </a:rPr>
+              <a:t>Alguns Exemplos:</a:t>
+            </a:r>
+            <a:endParaRPr b="0" lang="pt-BR" sz="2000" strike="noStrike" u="none">
+              <a:solidFill>
+                <a:srgbClr val="000000"/>
+              </a:solidFill>
+              <a:effectLst/>
+              <a:uFillTx/>
+              <a:latin typeface="Arial"/>
+            </a:endParaRPr>
+          </a:p>
+        </p:txBody>
+      </p:sp>
+      <p:pic>
+        <p:nvPicPr>
+          <p:cNvPr id="92" name="" descr=""/>
+          <p:cNvPicPr/>
+          <p:nvPr/>
+        </p:nvPicPr>
+        <p:blipFill>
+          <a:blip r:embed="rId1"/>
+          <a:stretch/>
+        </p:blipFill>
+        <p:spPr>
+          <a:xfrm>
+            <a:off x="11151720" y="120600"/>
+            <a:ext cx="911520" cy="206640"/>
+          </a:xfrm>
+          <a:prstGeom prst="rect">
+            <a:avLst/>
+          </a:prstGeom>
+          <a:noFill/>
+          <a:ln w="0">
+            <a:noFill/>
+          </a:ln>
+        </p:spPr>
+      </p:pic>
+      <p:pic>
+        <p:nvPicPr>
+          <p:cNvPr id="93" name="" descr=""/>
+          <p:cNvPicPr/>
+          <p:nvPr/>
+        </p:nvPicPr>
+        <p:blipFill>
+          <a:blip r:embed="rId2"/>
+          <a:stretch/>
+        </p:blipFill>
+        <p:spPr>
+          <a:xfrm>
+            <a:off x="42480" y="675720"/>
+            <a:ext cx="12191760" cy="5540040"/>
           </a:xfrm>
           <a:prstGeom prst="rect">
             <a:avLst/>
